--- a/上交文档/E-R图.pptx
+++ b/上交文档/E-R图.pptx
@@ -6,6 +6,7 @@
   </p:sldMasterIdLst>
   <p:sldIdLst>
     <p:sldId id="256" r:id="rId2"/>
+    <p:sldId id="257" r:id="rId3"/>
   </p:sldIdLst>
   <p:sldSz cx="12192000" cy="6858000"/>
   <p:notesSz cx="6858000" cy="9144000"/>
@@ -4368,6 +4369,1338 @@
 </p:sld>
 </file>
 
+<file path=ppt/slides/slide2.xml><?xml version="1.0" encoding="utf-8"?>
+<p:sld xmlns:a="http://schemas.openxmlformats.org/drawingml/2006/main" xmlns:r="http://schemas.openxmlformats.org/officeDocument/2006/relationships" xmlns:p="http://schemas.openxmlformats.org/presentationml/2006/main">
+  <p:cSld>
+    <p:spTree>
+      <p:nvGrpSpPr>
+        <p:cNvPr id="1" name=""/>
+        <p:cNvGrpSpPr/>
+        <p:nvPr/>
+      </p:nvGrpSpPr>
+      <p:grpSpPr>
+        <a:xfrm>
+          <a:off x="0" y="0"/>
+          <a:ext cx="0" cy="0"/>
+          <a:chOff x="0" y="0"/>
+          <a:chExt cx="0" cy="0"/>
+        </a:xfrm>
+      </p:grpSpPr>
+      <p:graphicFrame>
+        <p:nvGraphicFramePr>
+          <p:cNvPr id="4" name="表格 4">
+            <a:extLst>
+              <a:ext uri="{FF2B5EF4-FFF2-40B4-BE49-F238E27FC236}">
+                <a16:creationId xmlns:a16="http://schemas.microsoft.com/office/drawing/2014/main" id="{68DD9BB7-E9C5-49A1-B97E-62B98CF54E00}"/>
+              </a:ext>
+            </a:extLst>
+          </p:cNvPr>
+          <p:cNvGraphicFramePr>
+            <a:graphicFrameLocks noGrp="1"/>
+          </p:cNvGraphicFramePr>
+          <p:nvPr>
+            <p:extLst>
+              <p:ext uri="{D42A27DB-BD31-4B8C-83A1-F6EECF244321}">
+                <p14:modId xmlns:p14="http://schemas.microsoft.com/office/powerpoint/2010/main" val="3392356578"/>
+              </p:ext>
+            </p:extLst>
+          </p:nvPr>
+        </p:nvGraphicFramePr>
+        <p:xfrm>
+          <a:off x="3818343" y="115258"/>
+          <a:ext cx="1366520" cy="3432596"/>
+        </p:xfrm>
+        <a:graphic>
+          <a:graphicData uri="http://schemas.openxmlformats.org/drawingml/2006/table">
+            <a:tbl>
+              <a:tblPr firstRow="1" bandRow="1">
+                <a:tableStyleId>{5C22544A-7EE6-4342-B048-85BDC9FD1C3A}</a:tableStyleId>
+              </a:tblPr>
+              <a:tblGrid>
+                <a:gridCol w="1366520">
+                  <a:extLst>
+                    <a:ext uri="{9D8B030D-6E8A-4147-A177-3AD203B41FA5}">
+                      <a16:colId xmlns:a16="http://schemas.microsoft.com/office/drawing/2014/main" val="1794747928"/>
+                    </a:ext>
+                  </a:extLst>
+                </a:gridCol>
+              </a:tblGrid>
+              <a:tr h="385868">
+                <a:tc>
+                  <a:txBody>
+                    <a:bodyPr/>
+                    <a:lstStyle/>
+                    <a:p>
+                      <a:r>
+                        <a:rPr lang="zh-CN" altLang="en-US" dirty="0"/>
+                        <a:t>用户</a:t>
+                      </a:r>
+                    </a:p>
+                  </a:txBody>
+                  <a:tcPr/>
+                </a:tc>
+                <a:extLst>
+                  <a:ext uri="{0D108BD9-81ED-4DB2-BD59-A6C34878D82A}">
+                    <a16:rowId xmlns:a16="http://schemas.microsoft.com/office/drawing/2014/main" val="3993809138"/>
+                  </a:ext>
+                </a:extLst>
+              </a:tr>
+              <a:tr h="385868">
+                <a:tc>
+                  <a:txBody>
+                    <a:bodyPr/>
+                    <a:lstStyle/>
+                    <a:p>
+                      <a:r>
+                        <a:rPr lang="zh-CN" altLang="en-US" dirty="0"/>
+                        <a:t>用户</a:t>
+                      </a:r>
+                      <a:r>
+                        <a:rPr lang="en-US" altLang="zh-CN" dirty="0"/>
+                        <a:t>id</a:t>
+                      </a:r>
+                      <a:endParaRPr lang="zh-CN" altLang="en-US" dirty="0"/>
+                    </a:p>
+                  </a:txBody>
+                  <a:tcPr/>
+                </a:tc>
+                <a:extLst>
+                  <a:ext uri="{0D108BD9-81ED-4DB2-BD59-A6C34878D82A}">
+                    <a16:rowId xmlns:a16="http://schemas.microsoft.com/office/drawing/2014/main" val="3011970921"/>
+                  </a:ext>
+                </a:extLst>
+              </a:tr>
+              <a:tr h="385868">
+                <a:tc>
+                  <a:txBody>
+                    <a:bodyPr/>
+                    <a:lstStyle/>
+                    <a:p>
+                      <a:r>
+                        <a:rPr lang="zh-CN" altLang="en-US" dirty="0"/>
+                        <a:t>密码</a:t>
+                      </a:r>
+                    </a:p>
+                  </a:txBody>
+                  <a:tcPr/>
+                </a:tc>
+                <a:extLst>
+                  <a:ext uri="{0D108BD9-81ED-4DB2-BD59-A6C34878D82A}">
+                    <a16:rowId xmlns:a16="http://schemas.microsoft.com/office/drawing/2014/main" val="3837583194"/>
+                  </a:ext>
+                </a:extLst>
+              </a:tr>
+              <a:tr h="385868">
+                <a:tc>
+                  <a:txBody>
+                    <a:bodyPr/>
+                    <a:lstStyle/>
+                    <a:p>
+                      <a:r>
+                        <a:rPr lang="zh-CN" altLang="en-US" dirty="0"/>
+                        <a:t>操作令牌</a:t>
+                      </a:r>
+                    </a:p>
+                  </a:txBody>
+                  <a:tcPr/>
+                </a:tc>
+                <a:extLst>
+                  <a:ext uri="{0D108BD9-81ED-4DB2-BD59-A6C34878D82A}">
+                    <a16:rowId xmlns:a16="http://schemas.microsoft.com/office/drawing/2014/main" val="619324977"/>
+                  </a:ext>
+                </a:extLst>
+              </a:tr>
+              <a:tr h="385868">
+                <a:tc>
+                  <a:txBody>
+                    <a:bodyPr/>
+                    <a:lstStyle/>
+                    <a:p>
+                      <a:r>
+                        <a:rPr lang="zh-CN" altLang="en-US" dirty="0"/>
+                        <a:t>昵称</a:t>
+                      </a:r>
+                    </a:p>
+                  </a:txBody>
+                  <a:tcPr/>
+                </a:tc>
+                <a:extLst>
+                  <a:ext uri="{0D108BD9-81ED-4DB2-BD59-A6C34878D82A}">
+                    <a16:rowId xmlns:a16="http://schemas.microsoft.com/office/drawing/2014/main" val="2794376708"/>
+                  </a:ext>
+                </a:extLst>
+              </a:tr>
+              <a:tr h="385868">
+                <a:tc>
+                  <a:txBody>
+                    <a:bodyPr/>
+                    <a:lstStyle/>
+                    <a:p>
+                      <a:r>
+                        <a:rPr lang="zh-CN" altLang="en-US" dirty="0"/>
+                        <a:t>联系方式</a:t>
+                      </a:r>
+                    </a:p>
+                  </a:txBody>
+                  <a:tcPr/>
+                </a:tc>
+                <a:extLst>
+                  <a:ext uri="{0D108BD9-81ED-4DB2-BD59-A6C34878D82A}">
+                    <a16:rowId xmlns:a16="http://schemas.microsoft.com/office/drawing/2014/main" val="3957245386"/>
+                  </a:ext>
+                </a:extLst>
+              </a:tr>
+              <a:tr h="385868">
+                <a:tc>
+                  <a:txBody>
+                    <a:bodyPr/>
+                    <a:lstStyle/>
+                    <a:p>
+                      <a:r>
+                        <a:rPr lang="zh-CN" altLang="en-US" dirty="0"/>
+                        <a:t>校区</a:t>
+                      </a:r>
+                    </a:p>
+                  </a:txBody>
+                  <a:tcPr/>
+                </a:tc>
+                <a:extLst>
+                  <a:ext uri="{0D108BD9-81ED-4DB2-BD59-A6C34878D82A}">
+                    <a16:rowId xmlns:a16="http://schemas.microsoft.com/office/drawing/2014/main" val="3157105769"/>
+                  </a:ext>
+                </a:extLst>
+              </a:tr>
+              <a:tr h="192934">
+                <a:tc>
+                  <a:txBody>
+                    <a:bodyPr/>
+                    <a:lstStyle/>
+                    <a:p>
+                      <a:r>
+                        <a:rPr lang="zh-CN" altLang="en-US" dirty="0"/>
+                        <a:t>宿舍</a:t>
+                      </a:r>
+                    </a:p>
+                  </a:txBody>
+                  <a:tcPr/>
+                </a:tc>
+                <a:extLst>
+                  <a:ext uri="{0D108BD9-81ED-4DB2-BD59-A6C34878D82A}">
+                    <a16:rowId xmlns:a16="http://schemas.microsoft.com/office/drawing/2014/main" val="2191881096"/>
+                  </a:ext>
+                </a:extLst>
+              </a:tr>
+              <a:tr h="192934">
+                <a:tc>
+                  <a:txBody>
+                    <a:bodyPr/>
+                    <a:lstStyle/>
+                    <a:p>
+                      <a:r>
+                        <a:rPr lang="zh-CN" altLang="en-US" dirty="0"/>
+                        <a:t>学院</a:t>
+                      </a:r>
+                    </a:p>
+                  </a:txBody>
+                  <a:tcPr/>
+                </a:tc>
+                <a:extLst>
+                  <a:ext uri="{0D108BD9-81ED-4DB2-BD59-A6C34878D82A}">
+                    <a16:rowId xmlns:a16="http://schemas.microsoft.com/office/drawing/2014/main" val="4252436105"/>
+                  </a:ext>
+                </a:extLst>
+              </a:tr>
+            </a:tbl>
+          </a:graphicData>
+        </a:graphic>
+      </p:graphicFrame>
+      <p:graphicFrame>
+        <p:nvGraphicFramePr>
+          <p:cNvPr id="7" name="表格 4">
+            <a:extLst>
+              <a:ext uri="{FF2B5EF4-FFF2-40B4-BE49-F238E27FC236}">
+                <a16:creationId xmlns:a16="http://schemas.microsoft.com/office/drawing/2014/main" id="{6AD2B471-4BBF-44BA-827F-A75E7B2F4D0F}"/>
+              </a:ext>
+            </a:extLst>
+          </p:cNvPr>
+          <p:cNvGraphicFramePr>
+            <a:graphicFrameLocks noGrp="1"/>
+          </p:cNvGraphicFramePr>
+          <p:nvPr>
+            <p:extLst>
+              <p:ext uri="{D42A27DB-BD31-4B8C-83A1-F6EECF244321}">
+                <p14:modId xmlns:p14="http://schemas.microsoft.com/office/powerpoint/2010/main" val="437542398"/>
+              </p:ext>
+            </p:extLst>
+          </p:nvPr>
+        </p:nvGraphicFramePr>
+        <p:xfrm>
+          <a:off x="7252132" y="343672"/>
+          <a:ext cx="1366520" cy="4062664"/>
+        </p:xfrm>
+        <a:graphic>
+          <a:graphicData uri="http://schemas.openxmlformats.org/drawingml/2006/table">
+            <a:tbl>
+              <a:tblPr firstRow="1" bandRow="1">
+                <a:tableStyleId>{5C22544A-7EE6-4342-B048-85BDC9FD1C3A}</a:tableStyleId>
+              </a:tblPr>
+              <a:tblGrid>
+                <a:gridCol w="1366520">
+                  <a:extLst>
+                    <a:ext uri="{9D8B030D-6E8A-4147-A177-3AD203B41FA5}">
+                      <a16:colId xmlns:a16="http://schemas.microsoft.com/office/drawing/2014/main" val="1794747928"/>
+                    </a:ext>
+                  </a:extLst>
+                </a:gridCol>
+              </a:tblGrid>
+              <a:tr h="429825">
+                <a:tc>
+                  <a:txBody>
+                    <a:bodyPr/>
+                    <a:lstStyle/>
+                    <a:p>
+                      <a:r>
+                        <a:rPr lang="zh-CN" altLang="en-US" dirty="0"/>
+                        <a:t>出售物品</a:t>
+                      </a:r>
+                    </a:p>
+                  </a:txBody>
+                  <a:tcPr/>
+                </a:tc>
+                <a:extLst>
+                  <a:ext uri="{0D108BD9-81ED-4DB2-BD59-A6C34878D82A}">
+                    <a16:rowId xmlns:a16="http://schemas.microsoft.com/office/drawing/2014/main" val="3993809138"/>
+                  </a:ext>
+                </a:extLst>
+              </a:tr>
+              <a:tr h="214913">
+                <a:tc>
+                  <a:txBody>
+                    <a:bodyPr/>
+                    <a:lstStyle/>
+                    <a:p>
+                      <a:r>
+                        <a:rPr lang="zh-CN" altLang="en-US" dirty="0"/>
+                        <a:t>物品</a:t>
+                      </a:r>
+                      <a:r>
+                        <a:rPr lang="en-US" altLang="zh-CN" dirty="0"/>
+                        <a:t>id</a:t>
+                      </a:r>
+                      <a:endParaRPr lang="zh-CN" altLang="en-US" dirty="0"/>
+                    </a:p>
+                  </a:txBody>
+                  <a:tcPr/>
+                </a:tc>
+                <a:extLst>
+                  <a:ext uri="{0D108BD9-81ED-4DB2-BD59-A6C34878D82A}">
+                    <a16:rowId xmlns:a16="http://schemas.microsoft.com/office/drawing/2014/main" val="3011970921"/>
+                  </a:ext>
+                </a:extLst>
+              </a:tr>
+              <a:tr h="214913">
+                <a:tc>
+                  <a:txBody>
+                    <a:bodyPr/>
+                    <a:lstStyle/>
+                    <a:p>
+                      <a:r>
+                        <a:rPr lang="zh-CN" altLang="en-US" dirty="0"/>
+                        <a:t>物品名</a:t>
+                      </a:r>
+                    </a:p>
+                  </a:txBody>
+                  <a:tcPr/>
+                </a:tc>
+                <a:extLst>
+                  <a:ext uri="{0D108BD9-81ED-4DB2-BD59-A6C34878D82A}">
+                    <a16:rowId xmlns:a16="http://schemas.microsoft.com/office/drawing/2014/main" val="2800127121"/>
+                  </a:ext>
+                </a:extLst>
+              </a:tr>
+              <a:tr h="429825">
+                <a:tc>
+                  <a:txBody>
+                    <a:bodyPr/>
+                    <a:lstStyle/>
+                    <a:p>
+                      <a:r>
+                        <a:rPr lang="zh-CN" altLang="en-US" dirty="0"/>
+                        <a:t>所属类型</a:t>
+                      </a:r>
+                    </a:p>
+                  </a:txBody>
+                  <a:tcPr/>
+                </a:tc>
+                <a:extLst>
+                  <a:ext uri="{0D108BD9-81ED-4DB2-BD59-A6C34878D82A}">
+                    <a16:rowId xmlns:a16="http://schemas.microsoft.com/office/drawing/2014/main" val="3837583194"/>
+                  </a:ext>
+                </a:extLst>
+              </a:tr>
+              <a:tr h="429825">
+                <a:tc>
+                  <a:txBody>
+                    <a:bodyPr/>
+                    <a:lstStyle/>
+                    <a:p>
+                      <a:r>
+                        <a:rPr lang="zh-CN" altLang="en-US" dirty="0"/>
+                        <a:t>原价</a:t>
+                      </a:r>
+                    </a:p>
+                  </a:txBody>
+                  <a:tcPr/>
+                </a:tc>
+                <a:extLst>
+                  <a:ext uri="{0D108BD9-81ED-4DB2-BD59-A6C34878D82A}">
+                    <a16:rowId xmlns:a16="http://schemas.microsoft.com/office/drawing/2014/main" val="619324977"/>
+                  </a:ext>
+                </a:extLst>
+              </a:tr>
+              <a:tr h="429825">
+                <a:tc>
+                  <a:txBody>
+                    <a:bodyPr/>
+                    <a:lstStyle/>
+                    <a:p>
+                      <a:r>
+                        <a:rPr lang="zh-CN" altLang="en-US" dirty="0"/>
+                        <a:t>售价</a:t>
+                      </a:r>
+                    </a:p>
+                  </a:txBody>
+                  <a:tcPr/>
+                </a:tc>
+                <a:extLst>
+                  <a:ext uri="{0D108BD9-81ED-4DB2-BD59-A6C34878D82A}">
+                    <a16:rowId xmlns:a16="http://schemas.microsoft.com/office/drawing/2014/main" val="2794376708"/>
+                  </a:ext>
+                </a:extLst>
+              </a:tr>
+              <a:tr h="429825">
+                <a:tc>
+                  <a:txBody>
+                    <a:bodyPr/>
+                    <a:lstStyle/>
+                    <a:p>
+                      <a:r>
+                        <a:rPr lang="zh-CN" altLang="en-US" dirty="0"/>
+                        <a:t>描述</a:t>
+                      </a:r>
+                    </a:p>
+                  </a:txBody>
+                  <a:tcPr/>
+                </a:tc>
+                <a:extLst>
+                  <a:ext uri="{0D108BD9-81ED-4DB2-BD59-A6C34878D82A}">
+                    <a16:rowId xmlns:a16="http://schemas.microsoft.com/office/drawing/2014/main" val="3957245386"/>
+                  </a:ext>
+                </a:extLst>
+              </a:tr>
+              <a:tr h="429825">
+                <a:tc>
+                  <a:txBody>
+                    <a:bodyPr/>
+                    <a:lstStyle/>
+                    <a:p>
+                      <a:r>
+                        <a:rPr lang="zh-CN" altLang="en-US" dirty="0"/>
+                        <a:t>封面图</a:t>
+                      </a:r>
+                    </a:p>
+                  </a:txBody>
+                  <a:tcPr/>
+                </a:tc>
+                <a:extLst>
+                  <a:ext uri="{0D108BD9-81ED-4DB2-BD59-A6C34878D82A}">
+                    <a16:rowId xmlns:a16="http://schemas.microsoft.com/office/drawing/2014/main" val="3157105769"/>
+                  </a:ext>
+                </a:extLst>
+              </a:tr>
+              <a:tr h="752194">
+                <a:tc>
+                  <a:txBody>
+                    <a:bodyPr/>
+                    <a:lstStyle/>
+                    <a:p>
+                      <a:r>
+                        <a:rPr lang="zh-CN" altLang="en-US" dirty="0"/>
+                        <a:t>描述图片（多值属性）</a:t>
+                      </a:r>
+                    </a:p>
+                  </a:txBody>
+                  <a:tcPr/>
+                </a:tc>
+                <a:extLst>
+                  <a:ext uri="{0D108BD9-81ED-4DB2-BD59-A6C34878D82A}">
+                    <a16:rowId xmlns:a16="http://schemas.microsoft.com/office/drawing/2014/main" val="2191881096"/>
+                  </a:ext>
+                </a:extLst>
+              </a:tr>
+            </a:tbl>
+          </a:graphicData>
+        </a:graphic>
+      </p:graphicFrame>
+      <p:graphicFrame>
+        <p:nvGraphicFramePr>
+          <p:cNvPr id="21" name="表格 4">
+            <a:extLst>
+              <a:ext uri="{FF2B5EF4-FFF2-40B4-BE49-F238E27FC236}">
+                <a16:creationId xmlns:a16="http://schemas.microsoft.com/office/drawing/2014/main" id="{3BA4D91E-4D83-4B47-9654-6FF8146D9D10}"/>
+              </a:ext>
+            </a:extLst>
+          </p:cNvPr>
+          <p:cNvGraphicFramePr>
+            <a:graphicFrameLocks noGrp="1"/>
+          </p:cNvGraphicFramePr>
+          <p:nvPr>
+            <p:extLst>
+              <p:ext uri="{D42A27DB-BD31-4B8C-83A1-F6EECF244321}">
+                <p14:modId xmlns:p14="http://schemas.microsoft.com/office/powerpoint/2010/main" val="3098704033"/>
+              </p:ext>
+            </p:extLst>
+          </p:nvPr>
+        </p:nvGraphicFramePr>
+        <p:xfrm>
+          <a:off x="466421" y="732247"/>
+          <a:ext cx="1366520" cy="2564377"/>
+        </p:xfrm>
+        <a:graphic>
+          <a:graphicData uri="http://schemas.openxmlformats.org/drawingml/2006/table">
+            <a:tbl>
+              <a:tblPr firstRow="1" bandRow="1">
+                <a:tableStyleId>{5C22544A-7EE6-4342-B048-85BDC9FD1C3A}</a:tableStyleId>
+              </a:tblPr>
+              <a:tblGrid>
+                <a:gridCol w="1366520">
+                  <a:extLst>
+                    <a:ext uri="{9D8B030D-6E8A-4147-A177-3AD203B41FA5}">
+                      <a16:colId xmlns:a16="http://schemas.microsoft.com/office/drawing/2014/main" val="1794747928"/>
+                    </a:ext>
+                  </a:extLst>
+                </a:gridCol>
+              </a:tblGrid>
+              <a:tr h="345776">
+                <a:tc>
+                  <a:txBody>
+                    <a:bodyPr/>
+                    <a:lstStyle/>
+                    <a:p>
+                      <a:r>
+                        <a:rPr lang="zh-CN" altLang="en-US" dirty="0"/>
+                        <a:t>求物品</a:t>
+                      </a:r>
+                    </a:p>
+                  </a:txBody>
+                  <a:tcPr/>
+                </a:tc>
+                <a:extLst>
+                  <a:ext uri="{0D108BD9-81ED-4DB2-BD59-A6C34878D82A}">
+                    <a16:rowId xmlns:a16="http://schemas.microsoft.com/office/drawing/2014/main" val="3993809138"/>
+                  </a:ext>
+                </a:extLst>
+              </a:tr>
+              <a:tr h="182880">
+                <a:tc>
+                  <a:txBody>
+                    <a:bodyPr/>
+                    <a:lstStyle/>
+                    <a:p>
+                      <a:r>
+                        <a:rPr lang="zh-CN" altLang="en-US" dirty="0"/>
+                        <a:t>物品</a:t>
+                      </a:r>
+                      <a:r>
+                        <a:rPr lang="en-US" altLang="zh-CN" dirty="0"/>
+                        <a:t>id</a:t>
+                      </a:r>
+                      <a:endParaRPr lang="zh-CN" altLang="en-US" dirty="0"/>
+                    </a:p>
+                  </a:txBody>
+                  <a:tcPr/>
+                </a:tc>
+                <a:extLst>
+                  <a:ext uri="{0D108BD9-81ED-4DB2-BD59-A6C34878D82A}">
+                    <a16:rowId xmlns:a16="http://schemas.microsoft.com/office/drawing/2014/main" val="3011970921"/>
+                  </a:ext>
+                </a:extLst>
+              </a:tr>
+              <a:tr h="182880">
+                <a:tc>
+                  <a:txBody>
+                    <a:bodyPr/>
+                    <a:lstStyle/>
+                    <a:p>
+                      <a:r>
+                        <a:rPr lang="zh-CN" altLang="en-US" dirty="0"/>
+                        <a:t>物品名</a:t>
+                      </a:r>
+                    </a:p>
+                  </a:txBody>
+                  <a:tcPr/>
+                </a:tc>
+                <a:extLst>
+                  <a:ext uri="{0D108BD9-81ED-4DB2-BD59-A6C34878D82A}">
+                    <a16:rowId xmlns:a16="http://schemas.microsoft.com/office/drawing/2014/main" val="1590420236"/>
+                  </a:ext>
+                </a:extLst>
+              </a:tr>
+              <a:tr h="345776">
+                <a:tc>
+                  <a:txBody>
+                    <a:bodyPr/>
+                    <a:lstStyle/>
+                    <a:p>
+                      <a:r>
+                        <a:rPr lang="zh-CN" altLang="en-US" dirty="0"/>
+                        <a:t>所属类型</a:t>
+                      </a:r>
+                    </a:p>
+                  </a:txBody>
+                  <a:tcPr/>
+                </a:tc>
+                <a:extLst>
+                  <a:ext uri="{0D108BD9-81ED-4DB2-BD59-A6C34878D82A}">
+                    <a16:rowId xmlns:a16="http://schemas.microsoft.com/office/drawing/2014/main" val="3837583194"/>
+                  </a:ext>
+                </a:extLst>
+              </a:tr>
+              <a:tr h="345776">
+                <a:tc>
+                  <a:txBody>
+                    <a:bodyPr/>
+                    <a:lstStyle/>
+                    <a:p>
+                      <a:pPr marL="0" marR="0" lvl="0" indent="0" algn="l" defTabSz="914400" rtl="0" eaLnBrk="1" fontAlgn="auto" latinLnBrk="0" hangingPunct="1">
+                        <a:lnSpc>
+                          <a:spcPct val="100000"/>
+                        </a:lnSpc>
+                        <a:spcBef>
+                          <a:spcPts val="0"/>
+                        </a:spcBef>
+                        <a:spcAft>
+                          <a:spcPts val="0"/>
+                        </a:spcAft>
+                        <a:buClrTx/>
+                        <a:buSzTx/>
+                        <a:buFontTx/>
+                        <a:buNone/>
+                        <a:tabLst/>
+                        <a:defRPr/>
+                      </a:pPr>
+                      <a:r>
+                        <a:rPr lang="zh-CN" altLang="en-US" dirty="0"/>
+                        <a:t>描述</a:t>
+                      </a:r>
+                    </a:p>
+                  </a:txBody>
+                  <a:tcPr/>
+                </a:tc>
+                <a:extLst>
+                  <a:ext uri="{0D108BD9-81ED-4DB2-BD59-A6C34878D82A}">
+                    <a16:rowId xmlns:a16="http://schemas.microsoft.com/office/drawing/2014/main" val="619324977"/>
+                  </a:ext>
+                </a:extLst>
+              </a:tr>
+              <a:tr h="345776">
+                <a:tc>
+                  <a:txBody>
+                    <a:bodyPr/>
+                    <a:lstStyle/>
+                    <a:p>
+                      <a:pPr marL="0" marR="0" lvl="0" indent="0" algn="l" defTabSz="914400" rtl="0" eaLnBrk="1" fontAlgn="auto" latinLnBrk="0" hangingPunct="1">
+                        <a:lnSpc>
+                          <a:spcPct val="100000"/>
+                        </a:lnSpc>
+                        <a:spcBef>
+                          <a:spcPts val="0"/>
+                        </a:spcBef>
+                        <a:spcAft>
+                          <a:spcPts val="0"/>
+                        </a:spcAft>
+                        <a:buClrTx/>
+                        <a:buSzTx/>
+                        <a:buFontTx/>
+                        <a:buNone/>
+                        <a:tabLst/>
+                        <a:defRPr/>
+                      </a:pPr>
+                      <a:r>
+                        <a:rPr lang="zh-CN" altLang="en-US" dirty="0"/>
+                        <a:t>封面图</a:t>
+                      </a:r>
+                    </a:p>
+                  </a:txBody>
+                  <a:tcPr/>
+                </a:tc>
+                <a:extLst>
+                  <a:ext uri="{0D108BD9-81ED-4DB2-BD59-A6C34878D82A}">
+                    <a16:rowId xmlns:a16="http://schemas.microsoft.com/office/drawing/2014/main" val="2794376708"/>
+                  </a:ext>
+                </a:extLst>
+              </a:tr>
+              <a:tr h="369817">
+                <a:tc>
+                  <a:txBody>
+                    <a:bodyPr/>
+                    <a:lstStyle/>
+                    <a:p>
+                      <a:endParaRPr lang="zh-CN" altLang="en-US" dirty="0"/>
+                    </a:p>
+                  </a:txBody>
+                  <a:tcPr/>
+                </a:tc>
+                <a:extLst>
+                  <a:ext uri="{0D108BD9-81ED-4DB2-BD59-A6C34878D82A}">
+                    <a16:rowId xmlns:a16="http://schemas.microsoft.com/office/drawing/2014/main" val="3957245386"/>
+                  </a:ext>
+                </a:extLst>
+              </a:tr>
+            </a:tbl>
+          </a:graphicData>
+        </a:graphic>
+      </p:graphicFrame>
+      <p:cxnSp>
+        <p:nvCxnSpPr>
+          <p:cNvPr id="9" name="直接连接符 8">
+            <a:extLst>
+              <a:ext uri="{FF2B5EF4-FFF2-40B4-BE49-F238E27FC236}">
+                <a16:creationId xmlns:a16="http://schemas.microsoft.com/office/drawing/2014/main" id="{F1C9E8E7-51BD-4751-9A9C-06939CC8EEE8}"/>
+              </a:ext>
+            </a:extLst>
+          </p:cNvPr>
+          <p:cNvCxnSpPr>
+            <a:cxnSpLocks/>
+            <a:stCxn id="21" idx="3"/>
+            <a:endCxn id="4" idx="1"/>
+          </p:cNvCxnSpPr>
+          <p:nvPr/>
+        </p:nvCxnSpPr>
+        <p:spPr>
+          <a:xfrm flipV="1">
+            <a:off x="1832941" y="1831556"/>
+            <a:ext cx="1985402" cy="182879"/>
+          </a:xfrm>
+          <a:prstGeom prst="line">
+            <a:avLst/>
+          </a:prstGeom>
+        </p:spPr>
+        <p:style>
+          <a:lnRef idx="1">
+            <a:schemeClr val="accent1"/>
+          </a:lnRef>
+          <a:fillRef idx="0">
+            <a:schemeClr val="accent1"/>
+          </a:fillRef>
+          <a:effectRef idx="0">
+            <a:schemeClr val="accent1"/>
+          </a:effectRef>
+          <a:fontRef idx="minor">
+            <a:schemeClr val="tx1"/>
+          </a:fontRef>
+        </p:style>
+      </p:cxnSp>
+      <p:sp>
+        <p:nvSpPr>
+          <p:cNvPr id="13" name="文本框 12">
+            <a:extLst>
+              <a:ext uri="{FF2B5EF4-FFF2-40B4-BE49-F238E27FC236}">
+                <a16:creationId xmlns:a16="http://schemas.microsoft.com/office/drawing/2014/main" id="{9075EA83-AB5E-4B3C-B6D6-BAFF42D5D33D}"/>
+              </a:ext>
+            </a:extLst>
+          </p:cNvPr>
+          <p:cNvSpPr txBox="1"/>
+          <p:nvPr/>
+        </p:nvSpPr>
+        <p:spPr>
+          <a:xfrm>
+            <a:off x="1751074" y="1358595"/>
+            <a:ext cx="2024913" cy="369332"/>
+          </a:xfrm>
+          <a:prstGeom prst="rect">
+            <a:avLst/>
+          </a:prstGeom>
+          <a:noFill/>
+        </p:spPr>
+        <p:txBody>
+          <a:bodyPr wrap="none" rtlCol="0">
+            <a:spAutoFit/>
+          </a:bodyPr>
+          <a:lstStyle/>
+          <a:p>
+            <a:r>
+              <a:rPr lang="zh-CN" altLang="en-US" dirty="0"/>
+              <a:t> </a:t>
+            </a:r>
+            <a:r>
+              <a:rPr lang="en-US" altLang="zh-CN" dirty="0"/>
+              <a:t>0..*</a:t>
+            </a:r>
+            <a:r>
+              <a:rPr lang="zh-CN" altLang="en-US" dirty="0"/>
+              <a:t>    创建       </a:t>
+            </a:r>
+            <a:r>
+              <a:rPr lang="en-US" altLang="zh-CN" dirty="0"/>
+              <a:t>1</a:t>
+            </a:r>
+            <a:r>
+              <a:rPr lang="zh-CN" altLang="en-US" dirty="0"/>
+              <a:t>   </a:t>
+            </a:r>
+          </a:p>
+        </p:txBody>
+      </p:sp>
+      <p:cxnSp>
+        <p:nvCxnSpPr>
+          <p:cNvPr id="15" name="直接连接符 14">
+            <a:extLst>
+              <a:ext uri="{FF2B5EF4-FFF2-40B4-BE49-F238E27FC236}">
+                <a16:creationId xmlns:a16="http://schemas.microsoft.com/office/drawing/2014/main" id="{96D680A4-15FA-4A73-BEE7-0B50D69D7E61}"/>
+              </a:ext>
+            </a:extLst>
+          </p:cNvPr>
+          <p:cNvCxnSpPr>
+            <a:cxnSpLocks/>
+            <a:stCxn id="4" idx="3"/>
+            <a:endCxn id="7" idx="1"/>
+          </p:cNvCxnSpPr>
+          <p:nvPr/>
+        </p:nvCxnSpPr>
+        <p:spPr>
+          <a:xfrm>
+            <a:off x="5184863" y="1831556"/>
+            <a:ext cx="2067269" cy="543448"/>
+          </a:xfrm>
+          <a:prstGeom prst="line">
+            <a:avLst/>
+          </a:prstGeom>
+        </p:spPr>
+        <p:style>
+          <a:lnRef idx="1">
+            <a:schemeClr val="accent1"/>
+          </a:lnRef>
+          <a:fillRef idx="0">
+            <a:schemeClr val="accent1"/>
+          </a:fillRef>
+          <a:effectRef idx="0">
+            <a:schemeClr val="accent1"/>
+          </a:effectRef>
+          <a:fontRef idx="minor">
+            <a:schemeClr val="tx1"/>
+          </a:fontRef>
+        </p:style>
+      </p:cxnSp>
+      <p:sp>
+        <p:nvSpPr>
+          <p:cNvPr id="22" name="文本框 21">
+            <a:extLst>
+              <a:ext uri="{FF2B5EF4-FFF2-40B4-BE49-F238E27FC236}">
+                <a16:creationId xmlns:a16="http://schemas.microsoft.com/office/drawing/2014/main" id="{800E3CF4-CCB6-472D-9CB1-2127159353E0}"/>
+              </a:ext>
+            </a:extLst>
+          </p:cNvPr>
+          <p:cNvSpPr txBox="1"/>
+          <p:nvPr/>
+        </p:nvSpPr>
+        <p:spPr>
+          <a:xfrm>
+            <a:off x="5184863" y="1462224"/>
+            <a:ext cx="2400016" cy="369332"/>
+          </a:xfrm>
+          <a:prstGeom prst="rect">
+            <a:avLst/>
+          </a:prstGeom>
+          <a:noFill/>
+        </p:spPr>
+        <p:txBody>
+          <a:bodyPr wrap="none" rtlCol="0">
+            <a:spAutoFit/>
+          </a:bodyPr>
+          <a:lstStyle/>
+          <a:p>
+            <a:r>
+              <a:rPr lang="zh-CN" altLang="en-US" dirty="0"/>
+              <a:t>  </a:t>
+            </a:r>
+            <a:r>
+              <a:rPr lang="en-US" altLang="zh-CN" dirty="0"/>
+              <a:t>1</a:t>
+            </a:r>
+            <a:r>
+              <a:rPr lang="zh-CN" altLang="en-US" dirty="0"/>
+              <a:t>      创建      </a:t>
+            </a:r>
+            <a:r>
+              <a:rPr lang="en-US" altLang="zh-CN" dirty="0"/>
+              <a:t>0..*</a:t>
+            </a:r>
+            <a:r>
+              <a:rPr lang="zh-CN" altLang="en-US" dirty="0"/>
+              <a:t>      </a:t>
+            </a:r>
+          </a:p>
+        </p:txBody>
+      </p:sp>
+      <p:graphicFrame>
+        <p:nvGraphicFramePr>
+          <p:cNvPr id="14" name="表格 4">
+            <a:extLst>
+              <a:ext uri="{FF2B5EF4-FFF2-40B4-BE49-F238E27FC236}">
+                <a16:creationId xmlns:a16="http://schemas.microsoft.com/office/drawing/2014/main" id="{9A7095E8-4BCC-4256-99A6-B6480A6C0141}"/>
+              </a:ext>
+            </a:extLst>
+          </p:cNvPr>
+          <p:cNvGraphicFramePr>
+            <a:graphicFrameLocks noGrp="1"/>
+          </p:cNvGraphicFramePr>
+          <p:nvPr>
+            <p:extLst>
+              <p:ext uri="{D42A27DB-BD31-4B8C-83A1-F6EECF244321}">
+                <p14:modId xmlns:p14="http://schemas.microsoft.com/office/powerpoint/2010/main" val="1473698224"/>
+              </p:ext>
+            </p:extLst>
+          </p:nvPr>
+        </p:nvGraphicFramePr>
+        <p:xfrm>
+          <a:off x="10002661" y="669105"/>
+          <a:ext cx="1366520" cy="2261759"/>
+        </p:xfrm>
+        <a:graphic>
+          <a:graphicData uri="http://schemas.openxmlformats.org/drawingml/2006/table">
+            <a:tbl>
+              <a:tblPr firstRow="1" bandRow="1">
+                <a:tableStyleId>{5C22544A-7EE6-4342-B048-85BDC9FD1C3A}</a:tableStyleId>
+              </a:tblPr>
+              <a:tblGrid>
+                <a:gridCol w="1366520">
+                  <a:extLst>
+                    <a:ext uri="{9D8B030D-6E8A-4147-A177-3AD203B41FA5}">
+                      <a16:colId xmlns:a16="http://schemas.microsoft.com/office/drawing/2014/main" val="1794747928"/>
+                    </a:ext>
+                  </a:extLst>
+                </a:gridCol>
+              </a:tblGrid>
+              <a:tr h="319406">
+                <a:tc>
+                  <a:txBody>
+                    <a:bodyPr/>
+                    <a:lstStyle/>
+                    <a:p>
+                      <a:r>
+                        <a:rPr lang="zh-CN" altLang="en-US" dirty="0"/>
+                        <a:t>描述图片</a:t>
+                      </a:r>
+                    </a:p>
+                  </a:txBody>
+                  <a:tcPr/>
+                </a:tc>
+                <a:extLst>
+                  <a:ext uri="{0D108BD9-81ED-4DB2-BD59-A6C34878D82A}">
+                    <a16:rowId xmlns:a16="http://schemas.microsoft.com/office/drawing/2014/main" val="3993809138"/>
+                  </a:ext>
+                </a:extLst>
+              </a:tr>
+              <a:tr h="319406">
+                <a:tc>
+                  <a:txBody>
+                    <a:bodyPr/>
+                    <a:lstStyle/>
+                    <a:p>
+                      <a:r>
+                        <a:rPr lang="zh-CN" altLang="en-US" dirty="0"/>
+                        <a:t>物品</a:t>
+                      </a:r>
+                      <a:r>
+                        <a:rPr lang="en-US" altLang="zh-CN" dirty="0"/>
+                        <a:t>id</a:t>
+                      </a:r>
+                      <a:endParaRPr lang="zh-CN" altLang="en-US" dirty="0"/>
+                    </a:p>
+                  </a:txBody>
+                  <a:tcPr/>
+                </a:tc>
+                <a:extLst>
+                  <a:ext uri="{0D108BD9-81ED-4DB2-BD59-A6C34878D82A}">
+                    <a16:rowId xmlns:a16="http://schemas.microsoft.com/office/drawing/2014/main" val="3011970921"/>
+                  </a:ext>
+                </a:extLst>
+              </a:tr>
+              <a:tr h="319406">
+                <a:tc>
+                  <a:txBody>
+                    <a:bodyPr/>
+                    <a:lstStyle/>
+                    <a:p>
+                      <a:r>
+                        <a:rPr lang="zh-CN" altLang="en-US" dirty="0"/>
+                        <a:t>图片</a:t>
+                      </a:r>
+                      <a:r>
+                        <a:rPr lang="en-US" altLang="zh-CN" dirty="0"/>
+                        <a:t>1</a:t>
+                      </a:r>
+                      <a:endParaRPr lang="zh-CN" altLang="en-US" dirty="0"/>
+                    </a:p>
+                  </a:txBody>
+                  <a:tcPr/>
+                </a:tc>
+                <a:extLst>
+                  <a:ext uri="{0D108BD9-81ED-4DB2-BD59-A6C34878D82A}">
+                    <a16:rowId xmlns:a16="http://schemas.microsoft.com/office/drawing/2014/main" val="3837583194"/>
+                  </a:ext>
+                </a:extLst>
+              </a:tr>
+              <a:tr h="319406">
+                <a:tc>
+                  <a:txBody>
+                    <a:bodyPr/>
+                    <a:lstStyle/>
+                    <a:p>
+                      <a:pPr marL="0" marR="0" lvl="0" indent="0" algn="l" defTabSz="914400" rtl="0" eaLnBrk="1" fontAlgn="auto" latinLnBrk="0" hangingPunct="1">
+                        <a:lnSpc>
+                          <a:spcPct val="100000"/>
+                        </a:lnSpc>
+                        <a:spcBef>
+                          <a:spcPts val="0"/>
+                        </a:spcBef>
+                        <a:spcAft>
+                          <a:spcPts val="0"/>
+                        </a:spcAft>
+                        <a:buClrTx/>
+                        <a:buSzTx/>
+                        <a:buFontTx/>
+                        <a:buNone/>
+                        <a:tabLst/>
+                        <a:defRPr/>
+                      </a:pPr>
+                      <a:r>
+                        <a:rPr lang="zh-CN" altLang="en-US" dirty="0"/>
+                        <a:t>图片</a:t>
+                      </a:r>
+                      <a:r>
+                        <a:rPr lang="en-US" altLang="zh-CN" dirty="0"/>
+                        <a:t>2</a:t>
+                      </a:r>
+                      <a:endParaRPr lang="zh-CN" altLang="en-US" dirty="0"/>
+                    </a:p>
+                  </a:txBody>
+                  <a:tcPr/>
+                </a:tc>
+                <a:extLst>
+                  <a:ext uri="{0D108BD9-81ED-4DB2-BD59-A6C34878D82A}">
+                    <a16:rowId xmlns:a16="http://schemas.microsoft.com/office/drawing/2014/main" val="619324977"/>
+                  </a:ext>
+                </a:extLst>
+              </a:tr>
+              <a:tr h="319406">
+                <a:tc>
+                  <a:txBody>
+                    <a:bodyPr/>
+                    <a:lstStyle/>
+                    <a:p>
+                      <a:pPr marL="0" marR="0" lvl="0" indent="0" algn="l" defTabSz="914400" rtl="0" eaLnBrk="1" fontAlgn="auto" latinLnBrk="0" hangingPunct="1">
+                        <a:lnSpc>
+                          <a:spcPct val="100000"/>
+                        </a:lnSpc>
+                        <a:spcBef>
+                          <a:spcPts val="0"/>
+                        </a:spcBef>
+                        <a:spcAft>
+                          <a:spcPts val="0"/>
+                        </a:spcAft>
+                        <a:buClrTx/>
+                        <a:buSzTx/>
+                        <a:buFontTx/>
+                        <a:buNone/>
+                        <a:tabLst/>
+                        <a:defRPr/>
+                      </a:pPr>
+                      <a:r>
+                        <a:rPr lang="en-US" altLang="zh-CN" dirty="0"/>
+                        <a:t>……</a:t>
+                      </a:r>
+                      <a:endParaRPr lang="zh-CN" altLang="en-US" dirty="0"/>
+                    </a:p>
+                  </a:txBody>
+                  <a:tcPr/>
+                </a:tc>
+                <a:extLst>
+                  <a:ext uri="{0D108BD9-81ED-4DB2-BD59-A6C34878D82A}">
+                    <a16:rowId xmlns:a16="http://schemas.microsoft.com/office/drawing/2014/main" val="2794376708"/>
+                  </a:ext>
+                </a:extLst>
+              </a:tr>
+              <a:tr h="432959">
+                <a:tc>
+                  <a:txBody>
+                    <a:bodyPr/>
+                    <a:lstStyle/>
+                    <a:p>
+                      <a:endParaRPr lang="zh-CN" altLang="en-US" dirty="0"/>
+                    </a:p>
+                  </a:txBody>
+                  <a:tcPr/>
+                </a:tc>
+                <a:extLst>
+                  <a:ext uri="{0D108BD9-81ED-4DB2-BD59-A6C34878D82A}">
+                    <a16:rowId xmlns:a16="http://schemas.microsoft.com/office/drawing/2014/main" val="3957245386"/>
+                  </a:ext>
+                </a:extLst>
+              </a:tr>
+            </a:tbl>
+          </a:graphicData>
+        </a:graphic>
+      </p:graphicFrame>
+      <p:sp>
+        <p:nvSpPr>
+          <p:cNvPr id="35" name="矩形 34">
+            <a:extLst>
+              <a:ext uri="{FF2B5EF4-FFF2-40B4-BE49-F238E27FC236}">
+                <a16:creationId xmlns:a16="http://schemas.microsoft.com/office/drawing/2014/main" id="{3BB7EF93-B744-47D9-B7E3-FE117378AB8A}"/>
+              </a:ext>
+            </a:extLst>
+          </p:cNvPr>
+          <p:cNvSpPr/>
+          <p:nvPr/>
+        </p:nvSpPr>
+        <p:spPr>
+          <a:xfrm rot="18990800">
+            <a:off x="5521331" y="4341638"/>
+            <a:ext cx="1149337" cy="1154845"/>
+          </a:xfrm>
+          <a:prstGeom prst="rect">
+            <a:avLst/>
+          </a:prstGeom>
+          <a:ln>
+            <a:solidFill>
+              <a:schemeClr val="accent1"/>
+            </a:solidFill>
+          </a:ln>
+        </p:spPr>
+        <p:style>
+          <a:lnRef idx="2">
+            <a:schemeClr val="accent6"/>
+          </a:lnRef>
+          <a:fillRef idx="1">
+            <a:schemeClr val="lt1"/>
+          </a:fillRef>
+          <a:effectRef idx="0">
+            <a:schemeClr val="accent6"/>
+          </a:effectRef>
+          <a:fontRef idx="minor">
+            <a:schemeClr val="dk1"/>
+          </a:fontRef>
+        </p:style>
+        <p:txBody>
+          <a:bodyPr rtlCol="0" anchor="ctr"/>
+          <a:lstStyle/>
+          <a:p>
+            <a:pPr algn="ctr"/>
+            <a:endParaRPr lang="zh-CN" altLang="en-US" dirty="0"/>
+          </a:p>
+        </p:txBody>
+      </p:sp>
+      <p:cxnSp>
+        <p:nvCxnSpPr>
+          <p:cNvPr id="38" name="直接连接符 37">
+            <a:extLst>
+              <a:ext uri="{FF2B5EF4-FFF2-40B4-BE49-F238E27FC236}">
+                <a16:creationId xmlns:a16="http://schemas.microsoft.com/office/drawing/2014/main" id="{BCBD261C-1712-44FC-BEFF-A6082CBBDF42}"/>
+              </a:ext>
+            </a:extLst>
+          </p:cNvPr>
+          <p:cNvCxnSpPr>
+            <a:cxnSpLocks/>
+            <a:stCxn id="35" idx="3"/>
+            <a:endCxn id="7" idx="2"/>
+          </p:cNvCxnSpPr>
+          <p:nvPr/>
+        </p:nvCxnSpPr>
+        <p:spPr>
+          <a:xfrm flipV="1">
+            <a:off x="6512942" y="4406336"/>
+            <a:ext cx="1422450" cy="117246"/>
+          </a:xfrm>
+          <a:prstGeom prst="line">
+            <a:avLst/>
+          </a:prstGeom>
+        </p:spPr>
+        <p:style>
+          <a:lnRef idx="1">
+            <a:schemeClr val="accent1"/>
+          </a:lnRef>
+          <a:fillRef idx="0">
+            <a:schemeClr val="accent1"/>
+          </a:fillRef>
+          <a:effectRef idx="0">
+            <a:schemeClr val="accent1"/>
+          </a:effectRef>
+          <a:fontRef idx="minor">
+            <a:schemeClr val="tx1"/>
+          </a:fontRef>
+        </p:style>
+      </p:cxnSp>
+      <p:cxnSp>
+        <p:nvCxnSpPr>
+          <p:cNvPr id="40" name="直接连接符 39">
+            <a:extLst>
+              <a:ext uri="{FF2B5EF4-FFF2-40B4-BE49-F238E27FC236}">
+                <a16:creationId xmlns:a16="http://schemas.microsoft.com/office/drawing/2014/main" id="{3F0C18F9-0A90-421F-89E2-119B781EB09E}"/>
+              </a:ext>
+            </a:extLst>
+          </p:cNvPr>
+          <p:cNvCxnSpPr>
+            <a:stCxn id="35" idx="0"/>
+            <a:endCxn id="4" idx="2"/>
+          </p:cNvCxnSpPr>
+          <p:nvPr/>
+        </p:nvCxnSpPr>
+        <p:spPr>
+          <a:xfrm flipH="1" flipV="1">
+            <a:off x="4501603" y="3547854"/>
+            <a:ext cx="1197023" cy="952266"/>
+          </a:xfrm>
+          <a:prstGeom prst="line">
+            <a:avLst/>
+          </a:prstGeom>
+        </p:spPr>
+        <p:style>
+          <a:lnRef idx="1">
+            <a:schemeClr val="accent1"/>
+          </a:lnRef>
+          <a:fillRef idx="0">
+            <a:schemeClr val="accent1"/>
+          </a:fillRef>
+          <a:effectRef idx="0">
+            <a:schemeClr val="accent1"/>
+          </a:effectRef>
+          <a:fontRef idx="minor">
+            <a:schemeClr val="tx1"/>
+          </a:fontRef>
+        </p:style>
+      </p:cxnSp>
+      <p:sp>
+        <p:nvSpPr>
+          <p:cNvPr id="41" name="文本框 40">
+            <a:extLst>
+              <a:ext uri="{FF2B5EF4-FFF2-40B4-BE49-F238E27FC236}">
+                <a16:creationId xmlns:a16="http://schemas.microsoft.com/office/drawing/2014/main" id="{53B604C8-8C53-4354-A16D-25BCAA3EC2A3}"/>
+              </a:ext>
+            </a:extLst>
+          </p:cNvPr>
+          <p:cNvSpPr txBox="1"/>
+          <p:nvPr/>
+        </p:nvSpPr>
+        <p:spPr>
+          <a:xfrm>
+            <a:off x="5573829" y="4726585"/>
+            <a:ext cx="877163" cy="369332"/>
+          </a:xfrm>
+          <a:prstGeom prst="rect">
+            <a:avLst/>
+          </a:prstGeom>
+          <a:noFill/>
+        </p:spPr>
+        <p:txBody>
+          <a:bodyPr wrap="none" rtlCol="0">
+            <a:spAutoFit/>
+          </a:bodyPr>
+          <a:lstStyle/>
+          <a:p>
+            <a:r>
+              <a:rPr lang="zh-CN" altLang="en-US" dirty="0"/>
+              <a:t>购物车</a:t>
+            </a:r>
+          </a:p>
+        </p:txBody>
+      </p:sp>
+      <p:sp>
+        <p:nvSpPr>
+          <p:cNvPr id="42" name="文本框 41">
+            <a:extLst>
+              <a:ext uri="{FF2B5EF4-FFF2-40B4-BE49-F238E27FC236}">
+                <a16:creationId xmlns:a16="http://schemas.microsoft.com/office/drawing/2014/main" id="{ADACFDA8-66F7-4F4C-914B-4AB1AF5C9FA3}"/>
+              </a:ext>
+            </a:extLst>
+          </p:cNvPr>
+          <p:cNvSpPr txBox="1"/>
+          <p:nvPr/>
+        </p:nvSpPr>
+        <p:spPr>
+          <a:xfrm rot="2346669">
+            <a:off x="4738405" y="3778348"/>
+            <a:ext cx="1303562" cy="369332"/>
+          </a:xfrm>
+          <a:prstGeom prst="rect">
+            <a:avLst/>
+          </a:prstGeom>
+          <a:noFill/>
+        </p:spPr>
+        <p:txBody>
+          <a:bodyPr wrap="none" rtlCol="0">
+            <a:spAutoFit/>
+          </a:bodyPr>
+          <a:lstStyle/>
+          <a:p>
+            <a:r>
+              <a:rPr lang="en-US" altLang="zh-CN" dirty="0"/>
+              <a:t>1              1</a:t>
+            </a:r>
+            <a:endParaRPr lang="zh-CN" altLang="en-US" dirty="0"/>
+          </a:p>
+        </p:txBody>
+      </p:sp>
+      <p:sp>
+        <p:nvSpPr>
+          <p:cNvPr id="43" name="文本框 42">
+            <a:extLst>
+              <a:ext uri="{FF2B5EF4-FFF2-40B4-BE49-F238E27FC236}">
+                <a16:creationId xmlns:a16="http://schemas.microsoft.com/office/drawing/2014/main" id="{6A950E99-ED66-4E55-9861-B6AD903B2A47}"/>
+              </a:ext>
+            </a:extLst>
+          </p:cNvPr>
+          <p:cNvSpPr txBox="1"/>
+          <p:nvPr/>
+        </p:nvSpPr>
+        <p:spPr>
+          <a:xfrm rot="20439377">
+            <a:off x="6865045" y="4363251"/>
+            <a:ext cx="1250663" cy="369332"/>
+          </a:xfrm>
+          <a:prstGeom prst="rect">
+            <a:avLst/>
+          </a:prstGeom>
+          <a:noFill/>
+        </p:spPr>
+        <p:txBody>
+          <a:bodyPr wrap="none" rtlCol="0">
+            <a:spAutoFit/>
+          </a:bodyPr>
+          <a:lstStyle/>
+          <a:p>
+            <a:r>
+              <a:rPr lang="en-US" altLang="zh-CN" dirty="0"/>
+              <a:t>1          0..*</a:t>
+            </a:r>
+            <a:endParaRPr lang="zh-CN" altLang="en-US" dirty="0"/>
+          </a:p>
+        </p:txBody>
+      </p:sp>
+    </p:spTree>
+    <p:extLst>
+      <p:ext uri="{BB962C8B-B14F-4D97-AF65-F5344CB8AC3E}">
+        <p14:creationId xmlns:p14="http://schemas.microsoft.com/office/powerpoint/2010/main" val="4037315005"/>
+      </p:ext>
+    </p:extLst>
+  </p:cSld>
+  <p:clrMapOvr>
+    <a:masterClrMapping/>
+  </p:clrMapOvr>
+</p:sld>
+</file>
+
 <file path=ppt/theme/theme1.xml><?xml version="1.0" encoding="utf-8"?>
 <a:theme xmlns:a="http://schemas.openxmlformats.org/drawingml/2006/main" name="Office 主题​​">
   <a:themeElements>

--- a/上交文档/E-R图.pptx
+++ b/上交文档/E-R图.pptx
@@ -272,7 +272,7 @@
           <a:p>
             <a:fld id="{881AA1C0-4609-475B-9FF4-2120E4869053}" type="datetimeFigureOut">
               <a:rPr lang="zh-CN" altLang="en-US" smtClean="0"/>
-              <a:t>2020-07-02</a:t>
+              <a:t>2020-07-12</a:t>
             </a:fld>
             <a:endParaRPr lang="zh-CN" altLang="en-US"/>
           </a:p>
@@ -470,7 +470,7 @@
           <a:p>
             <a:fld id="{881AA1C0-4609-475B-9FF4-2120E4869053}" type="datetimeFigureOut">
               <a:rPr lang="zh-CN" altLang="en-US" smtClean="0"/>
-              <a:t>2020-07-02</a:t>
+              <a:t>2020-07-12</a:t>
             </a:fld>
             <a:endParaRPr lang="zh-CN" altLang="en-US"/>
           </a:p>
@@ -678,7 +678,7 @@
           <a:p>
             <a:fld id="{881AA1C0-4609-475B-9FF4-2120E4869053}" type="datetimeFigureOut">
               <a:rPr lang="zh-CN" altLang="en-US" smtClean="0"/>
-              <a:t>2020-07-02</a:t>
+              <a:t>2020-07-12</a:t>
             </a:fld>
             <a:endParaRPr lang="zh-CN" altLang="en-US"/>
           </a:p>
@@ -876,7 +876,7 @@
           <a:p>
             <a:fld id="{881AA1C0-4609-475B-9FF4-2120E4869053}" type="datetimeFigureOut">
               <a:rPr lang="zh-CN" altLang="en-US" smtClean="0"/>
-              <a:t>2020-07-02</a:t>
+              <a:t>2020-07-12</a:t>
             </a:fld>
             <a:endParaRPr lang="zh-CN" altLang="en-US"/>
           </a:p>
@@ -1151,7 +1151,7 @@
           <a:p>
             <a:fld id="{881AA1C0-4609-475B-9FF4-2120E4869053}" type="datetimeFigureOut">
               <a:rPr lang="zh-CN" altLang="en-US" smtClean="0"/>
-              <a:t>2020-07-02</a:t>
+              <a:t>2020-07-12</a:t>
             </a:fld>
             <a:endParaRPr lang="zh-CN" altLang="en-US"/>
           </a:p>
@@ -1416,7 +1416,7 @@
           <a:p>
             <a:fld id="{881AA1C0-4609-475B-9FF4-2120E4869053}" type="datetimeFigureOut">
               <a:rPr lang="zh-CN" altLang="en-US" smtClean="0"/>
-              <a:t>2020-07-02</a:t>
+              <a:t>2020-07-12</a:t>
             </a:fld>
             <a:endParaRPr lang="zh-CN" altLang="en-US"/>
           </a:p>
@@ -1828,7 +1828,7 @@
           <a:p>
             <a:fld id="{881AA1C0-4609-475B-9FF4-2120E4869053}" type="datetimeFigureOut">
               <a:rPr lang="zh-CN" altLang="en-US" smtClean="0"/>
-              <a:t>2020-07-02</a:t>
+              <a:t>2020-07-12</a:t>
             </a:fld>
             <a:endParaRPr lang="zh-CN" altLang="en-US"/>
           </a:p>
@@ -1969,7 +1969,7 @@
           <a:p>
             <a:fld id="{881AA1C0-4609-475B-9FF4-2120E4869053}" type="datetimeFigureOut">
               <a:rPr lang="zh-CN" altLang="en-US" smtClean="0"/>
-              <a:t>2020-07-02</a:t>
+              <a:t>2020-07-12</a:t>
             </a:fld>
             <a:endParaRPr lang="zh-CN" altLang="en-US"/>
           </a:p>
@@ -2082,7 +2082,7 @@
           <a:p>
             <a:fld id="{881AA1C0-4609-475B-9FF4-2120E4869053}" type="datetimeFigureOut">
               <a:rPr lang="zh-CN" altLang="en-US" smtClean="0"/>
-              <a:t>2020-07-02</a:t>
+              <a:t>2020-07-12</a:t>
             </a:fld>
             <a:endParaRPr lang="zh-CN" altLang="en-US"/>
           </a:p>
@@ -2393,7 +2393,7 @@
           <a:p>
             <a:fld id="{881AA1C0-4609-475B-9FF4-2120E4869053}" type="datetimeFigureOut">
               <a:rPr lang="zh-CN" altLang="en-US" smtClean="0"/>
-              <a:t>2020-07-02</a:t>
+              <a:t>2020-07-12</a:t>
             </a:fld>
             <a:endParaRPr lang="zh-CN" altLang="en-US"/>
           </a:p>
@@ -2681,7 +2681,7 @@
           <a:p>
             <a:fld id="{881AA1C0-4609-475B-9FF4-2120E4869053}" type="datetimeFigureOut">
               <a:rPr lang="zh-CN" altLang="en-US" smtClean="0"/>
-              <a:t>2020-07-02</a:t>
+              <a:t>2020-07-12</a:t>
             </a:fld>
             <a:endParaRPr lang="zh-CN" altLang="en-US"/>
           </a:p>
@@ -2922,7 +2922,7 @@
           <a:p>
             <a:fld id="{881AA1C0-4609-475B-9FF4-2120E4869053}" type="datetimeFigureOut">
               <a:rPr lang="zh-CN" altLang="en-US" smtClean="0"/>
-              <a:t>2020-07-02</a:t>
+              <a:t>2020-07-12</a:t>
             </a:fld>
             <a:endParaRPr lang="zh-CN" altLang="en-US"/>
           </a:p>
@@ -4401,13 +4401,13 @@
           <p:nvPr>
             <p:extLst>
               <p:ext uri="{D42A27DB-BD31-4B8C-83A1-F6EECF244321}">
-                <p14:modId xmlns:p14="http://schemas.microsoft.com/office/powerpoint/2010/main" val="3392356578"/>
+                <p14:modId xmlns:p14="http://schemas.microsoft.com/office/powerpoint/2010/main" val="3443316677"/>
               </p:ext>
             </p:extLst>
           </p:nvPr>
         </p:nvGraphicFramePr>
         <p:xfrm>
-          <a:off x="3818343" y="115258"/>
+          <a:off x="6548807" y="2831029"/>
           <a:ext cx="1366520" cy="3432596"/>
         </p:xfrm>
         <a:graphic>
@@ -4452,14 +4452,14 @@
                     <a:lstStyle/>
                     <a:p>
                       <a:r>
-                        <a:rPr lang="zh-CN" altLang="en-US" dirty="0"/>
+                        <a:rPr lang="zh-CN" altLang="en-US" u="sng" dirty="0"/>
                         <a:t>用户</a:t>
                       </a:r>
                       <a:r>
-                        <a:rPr lang="en-US" altLang="zh-CN" dirty="0"/>
+                        <a:rPr lang="en-US" altLang="zh-CN" u="sng" dirty="0"/>
                         <a:t>id</a:t>
                       </a:r>
-                      <a:endParaRPr lang="zh-CN" altLang="en-US" dirty="0"/>
+                      <a:endParaRPr lang="zh-CN" altLang="en-US" u="sng" dirty="0"/>
                     </a:p>
                   </a:txBody>
                   <a:tcPr/>
@@ -4629,14 +4629,14 @@
           <p:nvPr>
             <p:extLst>
               <p:ext uri="{D42A27DB-BD31-4B8C-83A1-F6EECF244321}">
-                <p14:modId xmlns:p14="http://schemas.microsoft.com/office/powerpoint/2010/main" val="437542398"/>
+                <p14:modId xmlns:p14="http://schemas.microsoft.com/office/powerpoint/2010/main" val="386196313"/>
               </p:ext>
             </p:extLst>
           </p:nvPr>
         </p:nvGraphicFramePr>
         <p:xfrm>
-          <a:off x="7252132" y="343672"/>
-          <a:ext cx="1366520" cy="4062664"/>
+          <a:off x="1718881" y="2710984"/>
+          <a:ext cx="1366520" cy="3546586"/>
         </p:xfrm>
         <a:graphic>
           <a:graphicData uri="http://schemas.openxmlformats.org/drawingml/2006/table">
@@ -4653,7 +4653,7 @@
                   </a:extLst>
                 </a:gridCol>
               </a:tblGrid>
-              <a:tr h="429825">
+              <a:tr h="349476">
                 <a:tc>
                   <a:txBody>
                     <a:bodyPr/>
@@ -4673,21 +4673,21 @@
                   </a:ext>
                 </a:extLst>
               </a:tr>
-              <a:tr h="214913">
+              <a:tr h="349476">
                 <a:tc>
                   <a:txBody>
                     <a:bodyPr/>
                     <a:lstStyle/>
                     <a:p>
                       <a:r>
-                        <a:rPr lang="zh-CN" altLang="en-US" dirty="0"/>
+                        <a:rPr lang="zh-CN" altLang="en-US" u="sng" dirty="0"/>
                         <a:t>物品</a:t>
                       </a:r>
                       <a:r>
-                        <a:rPr lang="en-US" altLang="zh-CN" dirty="0"/>
+                        <a:rPr lang="en-US" altLang="zh-CN" u="sng" dirty="0"/>
                         <a:t>id</a:t>
                       </a:r>
-                      <a:endParaRPr lang="zh-CN" altLang="en-US" dirty="0"/>
+                      <a:endParaRPr lang="zh-CN" altLang="en-US" u="sng" dirty="0"/>
                     </a:p>
                   </a:txBody>
                   <a:tcPr/>
@@ -4698,7 +4698,7 @@
                   </a:ext>
                 </a:extLst>
               </a:tr>
-              <a:tr h="214913">
+              <a:tr h="349476">
                 <a:tc>
                   <a:txBody>
                     <a:bodyPr/>
@@ -4718,7 +4718,7 @@
                   </a:ext>
                 </a:extLst>
               </a:tr>
-              <a:tr h="429825">
+              <a:tr h="349476">
                 <a:tc>
                   <a:txBody>
                     <a:bodyPr/>
@@ -4738,7 +4738,7 @@
                   </a:ext>
                 </a:extLst>
               </a:tr>
-              <a:tr h="429825">
+              <a:tr h="349476">
                 <a:tc>
                   <a:txBody>
                     <a:bodyPr/>
@@ -4758,7 +4758,7 @@
                   </a:ext>
                 </a:extLst>
               </a:tr>
-              <a:tr h="429825">
+              <a:tr h="349476">
                 <a:tc>
                   <a:txBody>
                     <a:bodyPr/>
@@ -4778,7 +4778,7 @@
                   </a:ext>
                 </a:extLst>
               </a:tr>
-              <a:tr h="429825">
+              <a:tr h="349476">
                 <a:tc>
                   <a:txBody>
                     <a:bodyPr/>
@@ -4798,7 +4798,7 @@
                   </a:ext>
                 </a:extLst>
               </a:tr>
-              <a:tr h="429825">
+              <a:tr h="410848">
                 <a:tc>
                   <a:txBody>
                     <a:bodyPr/>
@@ -4818,15 +4818,23 @@
                   </a:ext>
                 </a:extLst>
               </a:tr>
-              <a:tr h="752194">
+              <a:tr h="575418">
                 <a:tc>
                   <a:txBody>
                     <a:bodyPr/>
                     <a:lstStyle/>
                     <a:p>
                       <a:r>
+                        <a:rPr lang="en-US" altLang="zh-CN" dirty="0"/>
+                        <a:t>{</a:t>
+                      </a:r>
+                      <a:r>
                         <a:rPr lang="zh-CN" altLang="en-US" dirty="0"/>
-                        <a:t>描述图片（多值属性）</a:t>
+                        <a:t>描述图片</a:t>
+                      </a:r>
+                      <a:r>
+                        <a:rPr lang="en-US" altLang="zh-CN" dirty="0"/>
+                        <a:t>}</a:t>
                       </a:r>
                     </a:p>
                   </a:txBody>
@@ -4857,13 +4865,13 @@
           <p:nvPr>
             <p:extLst>
               <p:ext uri="{D42A27DB-BD31-4B8C-83A1-F6EECF244321}">
-                <p14:modId xmlns:p14="http://schemas.microsoft.com/office/powerpoint/2010/main" val="3098704033"/>
+                <p14:modId xmlns:p14="http://schemas.microsoft.com/office/powerpoint/2010/main" val="2708805394"/>
               </p:ext>
             </p:extLst>
           </p:nvPr>
         </p:nvGraphicFramePr>
         <p:xfrm>
-          <a:off x="466421" y="732247"/>
+          <a:off x="10362090" y="3208191"/>
           <a:ext cx="1366520" cy="2564377"/>
         </p:xfrm>
         <a:graphic>
@@ -4908,14 +4916,14 @@
                     <a:lstStyle/>
                     <a:p>
                       <a:r>
-                        <a:rPr lang="zh-CN" altLang="en-US" dirty="0"/>
+                        <a:rPr lang="zh-CN" altLang="en-US" u="sng" dirty="0"/>
                         <a:t>物品</a:t>
                       </a:r>
                       <a:r>
-                        <a:rPr lang="en-US" altLang="zh-CN" dirty="0"/>
+                        <a:rPr lang="en-US" altLang="zh-CN" u="sng" dirty="0"/>
                         <a:t>id</a:t>
                       </a:r>
-                      <a:endParaRPr lang="zh-CN" altLang="en-US" dirty="0"/>
+                      <a:endParaRPr lang="zh-CN" altLang="en-US" u="sng" dirty="0"/>
                     </a:p>
                   </a:txBody>
                   <a:tcPr/>
@@ -5061,398 +5069,6 @@
           </a:graphicData>
         </a:graphic>
       </p:graphicFrame>
-      <p:cxnSp>
-        <p:nvCxnSpPr>
-          <p:cNvPr id="9" name="直接连接符 8">
-            <a:extLst>
-              <a:ext uri="{FF2B5EF4-FFF2-40B4-BE49-F238E27FC236}">
-                <a16:creationId xmlns:a16="http://schemas.microsoft.com/office/drawing/2014/main" id="{F1C9E8E7-51BD-4751-9A9C-06939CC8EEE8}"/>
-              </a:ext>
-            </a:extLst>
-          </p:cNvPr>
-          <p:cNvCxnSpPr>
-            <a:cxnSpLocks/>
-            <a:stCxn id="21" idx="3"/>
-            <a:endCxn id="4" idx="1"/>
-          </p:cNvCxnSpPr>
-          <p:nvPr/>
-        </p:nvCxnSpPr>
-        <p:spPr>
-          <a:xfrm flipV="1">
-            <a:off x="1832941" y="1831556"/>
-            <a:ext cx="1985402" cy="182879"/>
-          </a:xfrm>
-          <a:prstGeom prst="line">
-            <a:avLst/>
-          </a:prstGeom>
-        </p:spPr>
-        <p:style>
-          <a:lnRef idx="1">
-            <a:schemeClr val="accent1"/>
-          </a:lnRef>
-          <a:fillRef idx="0">
-            <a:schemeClr val="accent1"/>
-          </a:fillRef>
-          <a:effectRef idx="0">
-            <a:schemeClr val="accent1"/>
-          </a:effectRef>
-          <a:fontRef idx="minor">
-            <a:schemeClr val="tx1"/>
-          </a:fontRef>
-        </p:style>
-      </p:cxnSp>
-      <p:sp>
-        <p:nvSpPr>
-          <p:cNvPr id="13" name="文本框 12">
-            <a:extLst>
-              <a:ext uri="{FF2B5EF4-FFF2-40B4-BE49-F238E27FC236}">
-                <a16:creationId xmlns:a16="http://schemas.microsoft.com/office/drawing/2014/main" id="{9075EA83-AB5E-4B3C-B6D6-BAFF42D5D33D}"/>
-              </a:ext>
-            </a:extLst>
-          </p:cNvPr>
-          <p:cNvSpPr txBox="1"/>
-          <p:nvPr/>
-        </p:nvSpPr>
-        <p:spPr>
-          <a:xfrm>
-            <a:off x="1751074" y="1358595"/>
-            <a:ext cx="2024913" cy="369332"/>
-          </a:xfrm>
-          <a:prstGeom prst="rect">
-            <a:avLst/>
-          </a:prstGeom>
-          <a:noFill/>
-        </p:spPr>
-        <p:txBody>
-          <a:bodyPr wrap="none" rtlCol="0">
-            <a:spAutoFit/>
-          </a:bodyPr>
-          <a:lstStyle/>
-          <a:p>
-            <a:r>
-              <a:rPr lang="zh-CN" altLang="en-US" dirty="0"/>
-              <a:t> </a:t>
-            </a:r>
-            <a:r>
-              <a:rPr lang="en-US" altLang="zh-CN" dirty="0"/>
-              <a:t>0..*</a:t>
-            </a:r>
-            <a:r>
-              <a:rPr lang="zh-CN" altLang="en-US" dirty="0"/>
-              <a:t>    创建       </a:t>
-            </a:r>
-            <a:r>
-              <a:rPr lang="en-US" altLang="zh-CN" dirty="0"/>
-              <a:t>1</a:t>
-            </a:r>
-            <a:r>
-              <a:rPr lang="zh-CN" altLang="en-US" dirty="0"/>
-              <a:t>   </a:t>
-            </a:r>
-          </a:p>
-        </p:txBody>
-      </p:sp>
-      <p:cxnSp>
-        <p:nvCxnSpPr>
-          <p:cNvPr id="15" name="直接连接符 14">
-            <a:extLst>
-              <a:ext uri="{FF2B5EF4-FFF2-40B4-BE49-F238E27FC236}">
-                <a16:creationId xmlns:a16="http://schemas.microsoft.com/office/drawing/2014/main" id="{96D680A4-15FA-4A73-BEE7-0B50D69D7E61}"/>
-              </a:ext>
-            </a:extLst>
-          </p:cNvPr>
-          <p:cNvCxnSpPr>
-            <a:cxnSpLocks/>
-            <a:stCxn id="4" idx="3"/>
-            <a:endCxn id="7" idx="1"/>
-          </p:cNvCxnSpPr>
-          <p:nvPr/>
-        </p:nvCxnSpPr>
-        <p:spPr>
-          <a:xfrm>
-            <a:off x="5184863" y="1831556"/>
-            <a:ext cx="2067269" cy="543448"/>
-          </a:xfrm>
-          <a:prstGeom prst="line">
-            <a:avLst/>
-          </a:prstGeom>
-        </p:spPr>
-        <p:style>
-          <a:lnRef idx="1">
-            <a:schemeClr val="accent1"/>
-          </a:lnRef>
-          <a:fillRef idx="0">
-            <a:schemeClr val="accent1"/>
-          </a:fillRef>
-          <a:effectRef idx="0">
-            <a:schemeClr val="accent1"/>
-          </a:effectRef>
-          <a:fontRef idx="minor">
-            <a:schemeClr val="tx1"/>
-          </a:fontRef>
-        </p:style>
-      </p:cxnSp>
-      <p:sp>
-        <p:nvSpPr>
-          <p:cNvPr id="22" name="文本框 21">
-            <a:extLst>
-              <a:ext uri="{FF2B5EF4-FFF2-40B4-BE49-F238E27FC236}">
-                <a16:creationId xmlns:a16="http://schemas.microsoft.com/office/drawing/2014/main" id="{800E3CF4-CCB6-472D-9CB1-2127159353E0}"/>
-              </a:ext>
-            </a:extLst>
-          </p:cNvPr>
-          <p:cNvSpPr txBox="1"/>
-          <p:nvPr/>
-        </p:nvSpPr>
-        <p:spPr>
-          <a:xfrm>
-            <a:off x="5184863" y="1462224"/>
-            <a:ext cx="2400016" cy="369332"/>
-          </a:xfrm>
-          <a:prstGeom prst="rect">
-            <a:avLst/>
-          </a:prstGeom>
-          <a:noFill/>
-        </p:spPr>
-        <p:txBody>
-          <a:bodyPr wrap="none" rtlCol="0">
-            <a:spAutoFit/>
-          </a:bodyPr>
-          <a:lstStyle/>
-          <a:p>
-            <a:r>
-              <a:rPr lang="zh-CN" altLang="en-US" dirty="0"/>
-              <a:t>  </a:t>
-            </a:r>
-            <a:r>
-              <a:rPr lang="en-US" altLang="zh-CN" dirty="0"/>
-              <a:t>1</a:t>
-            </a:r>
-            <a:r>
-              <a:rPr lang="zh-CN" altLang="en-US" dirty="0"/>
-              <a:t>      创建      </a:t>
-            </a:r>
-            <a:r>
-              <a:rPr lang="en-US" altLang="zh-CN" dirty="0"/>
-              <a:t>0..*</a:t>
-            </a:r>
-            <a:r>
-              <a:rPr lang="zh-CN" altLang="en-US" dirty="0"/>
-              <a:t>      </a:t>
-            </a:r>
-          </a:p>
-        </p:txBody>
-      </p:sp>
-      <p:graphicFrame>
-        <p:nvGraphicFramePr>
-          <p:cNvPr id="14" name="表格 4">
-            <a:extLst>
-              <a:ext uri="{FF2B5EF4-FFF2-40B4-BE49-F238E27FC236}">
-                <a16:creationId xmlns:a16="http://schemas.microsoft.com/office/drawing/2014/main" id="{9A7095E8-4BCC-4256-99A6-B6480A6C0141}"/>
-              </a:ext>
-            </a:extLst>
-          </p:cNvPr>
-          <p:cNvGraphicFramePr>
-            <a:graphicFrameLocks noGrp="1"/>
-          </p:cNvGraphicFramePr>
-          <p:nvPr>
-            <p:extLst>
-              <p:ext uri="{D42A27DB-BD31-4B8C-83A1-F6EECF244321}">
-                <p14:modId xmlns:p14="http://schemas.microsoft.com/office/powerpoint/2010/main" val="1473698224"/>
-              </p:ext>
-            </p:extLst>
-          </p:nvPr>
-        </p:nvGraphicFramePr>
-        <p:xfrm>
-          <a:off x="10002661" y="669105"/>
-          <a:ext cx="1366520" cy="2261759"/>
-        </p:xfrm>
-        <a:graphic>
-          <a:graphicData uri="http://schemas.openxmlformats.org/drawingml/2006/table">
-            <a:tbl>
-              <a:tblPr firstRow="1" bandRow="1">
-                <a:tableStyleId>{5C22544A-7EE6-4342-B048-85BDC9FD1C3A}</a:tableStyleId>
-              </a:tblPr>
-              <a:tblGrid>
-                <a:gridCol w="1366520">
-                  <a:extLst>
-                    <a:ext uri="{9D8B030D-6E8A-4147-A177-3AD203B41FA5}">
-                      <a16:colId xmlns:a16="http://schemas.microsoft.com/office/drawing/2014/main" val="1794747928"/>
-                    </a:ext>
-                  </a:extLst>
-                </a:gridCol>
-              </a:tblGrid>
-              <a:tr h="319406">
-                <a:tc>
-                  <a:txBody>
-                    <a:bodyPr/>
-                    <a:lstStyle/>
-                    <a:p>
-                      <a:r>
-                        <a:rPr lang="zh-CN" altLang="en-US" dirty="0"/>
-                        <a:t>描述图片</a:t>
-                      </a:r>
-                    </a:p>
-                  </a:txBody>
-                  <a:tcPr/>
-                </a:tc>
-                <a:extLst>
-                  <a:ext uri="{0D108BD9-81ED-4DB2-BD59-A6C34878D82A}">
-                    <a16:rowId xmlns:a16="http://schemas.microsoft.com/office/drawing/2014/main" val="3993809138"/>
-                  </a:ext>
-                </a:extLst>
-              </a:tr>
-              <a:tr h="319406">
-                <a:tc>
-                  <a:txBody>
-                    <a:bodyPr/>
-                    <a:lstStyle/>
-                    <a:p>
-                      <a:r>
-                        <a:rPr lang="zh-CN" altLang="en-US" dirty="0"/>
-                        <a:t>物品</a:t>
-                      </a:r>
-                      <a:r>
-                        <a:rPr lang="en-US" altLang="zh-CN" dirty="0"/>
-                        <a:t>id</a:t>
-                      </a:r>
-                      <a:endParaRPr lang="zh-CN" altLang="en-US" dirty="0"/>
-                    </a:p>
-                  </a:txBody>
-                  <a:tcPr/>
-                </a:tc>
-                <a:extLst>
-                  <a:ext uri="{0D108BD9-81ED-4DB2-BD59-A6C34878D82A}">
-                    <a16:rowId xmlns:a16="http://schemas.microsoft.com/office/drawing/2014/main" val="3011970921"/>
-                  </a:ext>
-                </a:extLst>
-              </a:tr>
-              <a:tr h="319406">
-                <a:tc>
-                  <a:txBody>
-                    <a:bodyPr/>
-                    <a:lstStyle/>
-                    <a:p>
-                      <a:r>
-                        <a:rPr lang="zh-CN" altLang="en-US" dirty="0"/>
-                        <a:t>图片</a:t>
-                      </a:r>
-                      <a:r>
-                        <a:rPr lang="en-US" altLang="zh-CN" dirty="0"/>
-                        <a:t>1</a:t>
-                      </a:r>
-                      <a:endParaRPr lang="zh-CN" altLang="en-US" dirty="0"/>
-                    </a:p>
-                  </a:txBody>
-                  <a:tcPr/>
-                </a:tc>
-                <a:extLst>
-                  <a:ext uri="{0D108BD9-81ED-4DB2-BD59-A6C34878D82A}">
-                    <a16:rowId xmlns:a16="http://schemas.microsoft.com/office/drawing/2014/main" val="3837583194"/>
-                  </a:ext>
-                </a:extLst>
-              </a:tr>
-              <a:tr h="319406">
-                <a:tc>
-                  <a:txBody>
-                    <a:bodyPr/>
-                    <a:lstStyle/>
-                    <a:p>
-                      <a:pPr marL="0" marR="0" lvl="0" indent="0" algn="l" defTabSz="914400" rtl="0" eaLnBrk="1" fontAlgn="auto" latinLnBrk="0" hangingPunct="1">
-                        <a:lnSpc>
-                          <a:spcPct val="100000"/>
-                        </a:lnSpc>
-                        <a:spcBef>
-                          <a:spcPts val="0"/>
-                        </a:spcBef>
-                        <a:spcAft>
-                          <a:spcPts val="0"/>
-                        </a:spcAft>
-                        <a:buClrTx/>
-                        <a:buSzTx/>
-                        <a:buFontTx/>
-                        <a:buNone/>
-                        <a:tabLst/>
-                        <a:defRPr/>
-                      </a:pPr>
-                      <a:r>
-                        <a:rPr lang="zh-CN" altLang="en-US" dirty="0"/>
-                        <a:t>图片</a:t>
-                      </a:r>
-                      <a:r>
-                        <a:rPr lang="en-US" altLang="zh-CN" dirty="0"/>
-                        <a:t>2</a:t>
-                      </a:r>
-                      <a:endParaRPr lang="zh-CN" altLang="en-US" dirty="0"/>
-                    </a:p>
-                  </a:txBody>
-                  <a:tcPr/>
-                </a:tc>
-                <a:extLst>
-                  <a:ext uri="{0D108BD9-81ED-4DB2-BD59-A6C34878D82A}">
-                    <a16:rowId xmlns:a16="http://schemas.microsoft.com/office/drawing/2014/main" val="619324977"/>
-                  </a:ext>
-                </a:extLst>
-              </a:tr>
-              <a:tr h="319406">
-                <a:tc>
-                  <a:txBody>
-                    <a:bodyPr/>
-                    <a:lstStyle/>
-                    <a:p>
-                      <a:pPr marL="0" marR="0" lvl="0" indent="0" algn="l" defTabSz="914400" rtl="0" eaLnBrk="1" fontAlgn="auto" latinLnBrk="0" hangingPunct="1">
-                        <a:lnSpc>
-                          <a:spcPct val="100000"/>
-                        </a:lnSpc>
-                        <a:spcBef>
-                          <a:spcPts val="0"/>
-                        </a:spcBef>
-                        <a:spcAft>
-                          <a:spcPts val="0"/>
-                        </a:spcAft>
-                        <a:buClrTx/>
-                        <a:buSzTx/>
-                        <a:buFontTx/>
-                        <a:buNone/>
-                        <a:tabLst/>
-                        <a:defRPr/>
-                      </a:pPr>
-                      <a:r>
-                        <a:rPr lang="en-US" altLang="zh-CN" dirty="0"/>
-                        <a:t>……</a:t>
-                      </a:r>
-                      <a:endParaRPr lang="zh-CN" altLang="en-US" dirty="0"/>
-                    </a:p>
-                  </a:txBody>
-                  <a:tcPr/>
-                </a:tc>
-                <a:extLst>
-                  <a:ext uri="{0D108BD9-81ED-4DB2-BD59-A6C34878D82A}">
-                    <a16:rowId xmlns:a16="http://schemas.microsoft.com/office/drawing/2014/main" val="2794376708"/>
-                  </a:ext>
-                </a:extLst>
-              </a:tr>
-              <a:tr h="432959">
-                <a:tc>
-                  <a:txBody>
-                    <a:bodyPr/>
-                    <a:lstStyle/>
-                    <a:p>
-                      <a:endParaRPr lang="zh-CN" altLang="en-US" dirty="0"/>
-                    </a:p>
-                  </a:txBody>
-                  <a:tcPr/>
-                </a:tc>
-                <a:extLst>
-                  <a:ext uri="{0D108BD9-81ED-4DB2-BD59-A6C34878D82A}">
-                    <a16:rowId xmlns:a16="http://schemas.microsoft.com/office/drawing/2014/main" val="3957245386"/>
-                  </a:ext>
-                </a:extLst>
-              </a:tr>
-            </a:tbl>
-          </a:graphicData>
-        </a:graphic>
-      </p:graphicFrame>
       <p:sp>
         <p:nvSpPr>
           <p:cNvPr id="35" name="矩形 34">
@@ -5467,8 +5083,8 @@
         </p:nvSpPr>
         <p:spPr>
           <a:xfrm rot="18990800">
-            <a:off x="5521331" y="4341638"/>
-            <a:ext cx="1149337" cy="1154845"/>
+            <a:off x="4627759" y="4068696"/>
+            <a:ext cx="799010" cy="795471"/>
           </a:xfrm>
           <a:prstGeom prst="rect">
             <a:avLst/>
@@ -5502,26 +5118,629 @@
           </a:p>
         </p:txBody>
       </p:sp>
+      <p:sp>
+        <p:nvSpPr>
+          <p:cNvPr id="41" name="文本框 40">
+            <a:extLst>
+              <a:ext uri="{FF2B5EF4-FFF2-40B4-BE49-F238E27FC236}">
+                <a16:creationId xmlns:a16="http://schemas.microsoft.com/office/drawing/2014/main" id="{53B604C8-8C53-4354-A16D-25BCAA3EC2A3}"/>
+              </a:ext>
+            </a:extLst>
+          </p:cNvPr>
+          <p:cNvSpPr txBox="1"/>
+          <p:nvPr/>
+        </p:nvSpPr>
+        <p:spPr>
+          <a:xfrm>
+            <a:off x="4632103" y="4281765"/>
+            <a:ext cx="877163" cy="369332"/>
+          </a:xfrm>
+          <a:prstGeom prst="rect">
+            <a:avLst/>
+          </a:prstGeom>
+          <a:noFill/>
+        </p:spPr>
+        <p:txBody>
+          <a:bodyPr wrap="none" rtlCol="0">
+            <a:spAutoFit/>
+          </a:bodyPr>
+          <a:lstStyle/>
+          <a:p>
+            <a:r>
+              <a:rPr lang="zh-CN" altLang="en-US" dirty="0"/>
+              <a:t>购物车</a:t>
+            </a:r>
+          </a:p>
+        </p:txBody>
+      </p:sp>
+      <p:sp>
+        <p:nvSpPr>
+          <p:cNvPr id="2" name="矩形 1">
+            <a:extLst>
+              <a:ext uri="{FF2B5EF4-FFF2-40B4-BE49-F238E27FC236}">
+                <a16:creationId xmlns:a16="http://schemas.microsoft.com/office/drawing/2014/main" id="{E2BD9192-7B6D-4F6A-9BFC-471261F236B7}"/>
+              </a:ext>
+            </a:extLst>
+          </p:cNvPr>
+          <p:cNvSpPr/>
+          <p:nvPr/>
+        </p:nvSpPr>
+        <p:spPr>
+          <a:xfrm rot="18990800">
+            <a:off x="4675260" y="2584391"/>
+            <a:ext cx="790850" cy="782475"/>
+          </a:xfrm>
+          <a:prstGeom prst="rect">
+            <a:avLst/>
+          </a:prstGeom>
+          <a:ln>
+            <a:solidFill>
+              <a:schemeClr val="accent1"/>
+            </a:solidFill>
+          </a:ln>
+        </p:spPr>
+        <p:style>
+          <a:lnRef idx="2">
+            <a:schemeClr val="accent6"/>
+          </a:lnRef>
+          <a:fillRef idx="1">
+            <a:schemeClr val="lt1"/>
+          </a:fillRef>
+          <a:effectRef idx="0">
+            <a:schemeClr val="accent6"/>
+          </a:effectRef>
+          <a:fontRef idx="minor">
+            <a:schemeClr val="dk1"/>
+          </a:fontRef>
+        </p:style>
+        <p:txBody>
+          <a:bodyPr rtlCol="0" anchor="ctr"/>
+          <a:lstStyle/>
+          <a:p>
+            <a:pPr algn="ctr"/>
+            <a:endParaRPr lang="zh-CN" altLang="en-US" dirty="0"/>
+          </a:p>
+        </p:txBody>
+      </p:sp>
+      <p:sp>
+        <p:nvSpPr>
+          <p:cNvPr id="3" name="矩形 2">
+            <a:extLst>
+              <a:ext uri="{FF2B5EF4-FFF2-40B4-BE49-F238E27FC236}">
+                <a16:creationId xmlns:a16="http://schemas.microsoft.com/office/drawing/2014/main" id="{779A0D71-A97C-4FEF-80CF-D64DDD9ECE4C}"/>
+              </a:ext>
+            </a:extLst>
+          </p:cNvPr>
+          <p:cNvSpPr/>
+          <p:nvPr/>
+        </p:nvSpPr>
+        <p:spPr>
+          <a:xfrm rot="18990800">
+            <a:off x="8733710" y="3889822"/>
+            <a:ext cx="809997" cy="783885"/>
+          </a:xfrm>
+          <a:prstGeom prst="rect">
+            <a:avLst/>
+          </a:prstGeom>
+          <a:ln>
+            <a:solidFill>
+              <a:schemeClr val="accent1"/>
+            </a:solidFill>
+          </a:ln>
+        </p:spPr>
+        <p:style>
+          <a:lnRef idx="2">
+            <a:schemeClr val="accent6"/>
+          </a:lnRef>
+          <a:fillRef idx="1">
+            <a:schemeClr val="lt1"/>
+          </a:fillRef>
+          <a:effectRef idx="0">
+            <a:schemeClr val="accent6"/>
+          </a:effectRef>
+          <a:fontRef idx="minor">
+            <a:schemeClr val="dk1"/>
+          </a:fontRef>
+        </p:style>
+        <p:txBody>
+          <a:bodyPr rtlCol="0" anchor="ctr"/>
+          <a:lstStyle/>
+          <a:p>
+            <a:pPr algn="ctr"/>
+            <a:endParaRPr lang="zh-CN" altLang="en-US" dirty="0"/>
+          </a:p>
+        </p:txBody>
+      </p:sp>
+      <p:graphicFrame>
+        <p:nvGraphicFramePr>
+          <p:cNvPr id="5" name="表格 4">
+            <a:extLst>
+              <a:ext uri="{FF2B5EF4-FFF2-40B4-BE49-F238E27FC236}">
+                <a16:creationId xmlns:a16="http://schemas.microsoft.com/office/drawing/2014/main" id="{388221EC-07C7-4D7A-9839-7C367858F2C4}"/>
+              </a:ext>
+            </a:extLst>
+          </p:cNvPr>
+          <p:cNvGraphicFramePr>
+            <a:graphicFrameLocks noGrp="1"/>
+          </p:cNvGraphicFramePr>
+          <p:nvPr>
+            <p:extLst>
+              <p:ext uri="{D42A27DB-BD31-4B8C-83A1-F6EECF244321}">
+                <p14:modId xmlns:p14="http://schemas.microsoft.com/office/powerpoint/2010/main" val="1633669670"/>
+              </p:ext>
+            </p:extLst>
+          </p:nvPr>
+        </p:nvGraphicFramePr>
+        <p:xfrm>
+          <a:off x="221299" y="197383"/>
+          <a:ext cx="1366520" cy="3820906"/>
+        </p:xfrm>
+        <a:graphic>
+          <a:graphicData uri="http://schemas.openxmlformats.org/drawingml/2006/table">
+            <a:tbl>
+              <a:tblPr firstRow="1" bandRow="1">
+                <a:tableStyleId>{5C22544A-7EE6-4342-B048-85BDC9FD1C3A}</a:tableStyleId>
+              </a:tblPr>
+              <a:tblGrid>
+                <a:gridCol w="1366520">
+                  <a:extLst>
+                    <a:ext uri="{9D8B030D-6E8A-4147-A177-3AD203B41FA5}">
+                      <a16:colId xmlns:a16="http://schemas.microsoft.com/office/drawing/2014/main" val="1794747928"/>
+                    </a:ext>
+                  </a:extLst>
+                </a:gridCol>
+              </a:tblGrid>
+              <a:tr h="349476">
+                <a:tc>
+                  <a:txBody>
+                    <a:bodyPr/>
+                    <a:lstStyle/>
+                    <a:p>
+                      <a:r>
+                        <a:rPr lang="zh-CN" altLang="en-US" dirty="0"/>
+                        <a:t>完成交易物品</a:t>
+                      </a:r>
+                    </a:p>
+                  </a:txBody>
+                  <a:tcPr/>
+                </a:tc>
+                <a:extLst>
+                  <a:ext uri="{0D108BD9-81ED-4DB2-BD59-A6C34878D82A}">
+                    <a16:rowId xmlns:a16="http://schemas.microsoft.com/office/drawing/2014/main" val="3993809138"/>
+                  </a:ext>
+                </a:extLst>
+              </a:tr>
+              <a:tr h="349476">
+                <a:tc>
+                  <a:txBody>
+                    <a:bodyPr/>
+                    <a:lstStyle/>
+                    <a:p>
+                      <a:r>
+                        <a:rPr lang="zh-CN" altLang="en-US" u="sng" dirty="0"/>
+                        <a:t>物品</a:t>
+                      </a:r>
+                      <a:r>
+                        <a:rPr lang="en-US" altLang="zh-CN" u="sng" dirty="0"/>
+                        <a:t>id</a:t>
+                      </a:r>
+                      <a:endParaRPr lang="zh-CN" altLang="en-US" u="sng" dirty="0"/>
+                    </a:p>
+                  </a:txBody>
+                  <a:tcPr/>
+                </a:tc>
+                <a:extLst>
+                  <a:ext uri="{0D108BD9-81ED-4DB2-BD59-A6C34878D82A}">
+                    <a16:rowId xmlns:a16="http://schemas.microsoft.com/office/drawing/2014/main" val="3011970921"/>
+                  </a:ext>
+                </a:extLst>
+              </a:tr>
+              <a:tr h="349476">
+                <a:tc>
+                  <a:txBody>
+                    <a:bodyPr/>
+                    <a:lstStyle/>
+                    <a:p>
+                      <a:r>
+                        <a:rPr lang="zh-CN" altLang="en-US" dirty="0"/>
+                        <a:t>物品名</a:t>
+                      </a:r>
+                    </a:p>
+                  </a:txBody>
+                  <a:tcPr/>
+                </a:tc>
+                <a:extLst>
+                  <a:ext uri="{0D108BD9-81ED-4DB2-BD59-A6C34878D82A}">
+                    <a16:rowId xmlns:a16="http://schemas.microsoft.com/office/drawing/2014/main" val="2800127121"/>
+                  </a:ext>
+                </a:extLst>
+              </a:tr>
+              <a:tr h="349476">
+                <a:tc>
+                  <a:txBody>
+                    <a:bodyPr/>
+                    <a:lstStyle/>
+                    <a:p>
+                      <a:r>
+                        <a:rPr lang="zh-CN" altLang="en-US" dirty="0"/>
+                        <a:t>所属类型</a:t>
+                      </a:r>
+                    </a:p>
+                  </a:txBody>
+                  <a:tcPr/>
+                </a:tc>
+                <a:extLst>
+                  <a:ext uri="{0D108BD9-81ED-4DB2-BD59-A6C34878D82A}">
+                    <a16:rowId xmlns:a16="http://schemas.microsoft.com/office/drawing/2014/main" val="3837583194"/>
+                  </a:ext>
+                </a:extLst>
+              </a:tr>
+              <a:tr h="349476">
+                <a:tc>
+                  <a:txBody>
+                    <a:bodyPr/>
+                    <a:lstStyle/>
+                    <a:p>
+                      <a:r>
+                        <a:rPr lang="zh-CN" altLang="en-US" dirty="0"/>
+                        <a:t>原价</a:t>
+                      </a:r>
+                    </a:p>
+                  </a:txBody>
+                  <a:tcPr/>
+                </a:tc>
+                <a:extLst>
+                  <a:ext uri="{0D108BD9-81ED-4DB2-BD59-A6C34878D82A}">
+                    <a16:rowId xmlns:a16="http://schemas.microsoft.com/office/drawing/2014/main" val="619324977"/>
+                  </a:ext>
+                </a:extLst>
+              </a:tr>
+              <a:tr h="349476">
+                <a:tc>
+                  <a:txBody>
+                    <a:bodyPr/>
+                    <a:lstStyle/>
+                    <a:p>
+                      <a:r>
+                        <a:rPr lang="zh-CN" altLang="en-US" dirty="0"/>
+                        <a:t>售价</a:t>
+                      </a:r>
+                    </a:p>
+                  </a:txBody>
+                  <a:tcPr/>
+                </a:tc>
+                <a:extLst>
+                  <a:ext uri="{0D108BD9-81ED-4DB2-BD59-A6C34878D82A}">
+                    <a16:rowId xmlns:a16="http://schemas.microsoft.com/office/drawing/2014/main" val="2794376708"/>
+                  </a:ext>
+                </a:extLst>
+              </a:tr>
+              <a:tr h="349476">
+                <a:tc>
+                  <a:txBody>
+                    <a:bodyPr/>
+                    <a:lstStyle/>
+                    <a:p>
+                      <a:r>
+                        <a:rPr lang="zh-CN" altLang="en-US" dirty="0"/>
+                        <a:t>描述</a:t>
+                      </a:r>
+                    </a:p>
+                  </a:txBody>
+                  <a:tcPr/>
+                </a:tc>
+                <a:extLst>
+                  <a:ext uri="{0D108BD9-81ED-4DB2-BD59-A6C34878D82A}">
+                    <a16:rowId xmlns:a16="http://schemas.microsoft.com/office/drawing/2014/main" val="3957245386"/>
+                  </a:ext>
+                </a:extLst>
+              </a:tr>
+              <a:tr h="410848">
+                <a:tc>
+                  <a:txBody>
+                    <a:bodyPr/>
+                    <a:lstStyle/>
+                    <a:p>
+                      <a:r>
+                        <a:rPr lang="zh-CN" altLang="en-US" dirty="0"/>
+                        <a:t>封面图</a:t>
+                      </a:r>
+                    </a:p>
+                  </a:txBody>
+                  <a:tcPr/>
+                </a:tc>
+                <a:extLst>
+                  <a:ext uri="{0D108BD9-81ED-4DB2-BD59-A6C34878D82A}">
+                    <a16:rowId xmlns:a16="http://schemas.microsoft.com/office/drawing/2014/main" val="3157105769"/>
+                  </a:ext>
+                </a:extLst>
+              </a:tr>
+              <a:tr h="575418">
+                <a:tc>
+                  <a:txBody>
+                    <a:bodyPr/>
+                    <a:lstStyle/>
+                    <a:p>
+                      <a:r>
+                        <a:rPr lang="en-US" altLang="zh-CN" dirty="0"/>
+                        <a:t>{</a:t>
+                      </a:r>
+                      <a:r>
+                        <a:rPr lang="zh-CN" altLang="en-US" dirty="0"/>
+                        <a:t>描述图片</a:t>
+                      </a:r>
+                      <a:r>
+                        <a:rPr lang="en-US" altLang="zh-CN" dirty="0"/>
+                        <a:t>}</a:t>
+                      </a:r>
+                    </a:p>
+                  </a:txBody>
+                  <a:tcPr/>
+                </a:tc>
+                <a:extLst>
+                  <a:ext uri="{0D108BD9-81ED-4DB2-BD59-A6C34878D82A}">
+                    <a16:rowId xmlns:a16="http://schemas.microsoft.com/office/drawing/2014/main" val="2191881096"/>
+                  </a:ext>
+                </a:extLst>
+              </a:tr>
+            </a:tbl>
+          </a:graphicData>
+        </a:graphic>
+      </p:graphicFrame>
+      <p:sp>
+        <p:nvSpPr>
+          <p:cNvPr id="6" name="矩形 5">
+            <a:extLst>
+              <a:ext uri="{FF2B5EF4-FFF2-40B4-BE49-F238E27FC236}">
+                <a16:creationId xmlns:a16="http://schemas.microsoft.com/office/drawing/2014/main" id="{4F8148F2-540F-499F-AD35-34BBB55B9027}"/>
+              </a:ext>
+            </a:extLst>
+          </p:cNvPr>
+          <p:cNvSpPr/>
+          <p:nvPr/>
+        </p:nvSpPr>
+        <p:spPr>
+          <a:xfrm rot="18990800">
+            <a:off x="3040207" y="362128"/>
+            <a:ext cx="790850" cy="782475"/>
+          </a:xfrm>
+          <a:prstGeom prst="rect">
+            <a:avLst/>
+          </a:prstGeom>
+          <a:ln>
+            <a:solidFill>
+              <a:schemeClr val="accent1"/>
+            </a:solidFill>
+          </a:ln>
+        </p:spPr>
+        <p:style>
+          <a:lnRef idx="2">
+            <a:schemeClr val="accent6"/>
+          </a:lnRef>
+          <a:fillRef idx="1">
+            <a:schemeClr val="lt1"/>
+          </a:fillRef>
+          <a:effectRef idx="0">
+            <a:schemeClr val="accent6"/>
+          </a:effectRef>
+          <a:fontRef idx="minor">
+            <a:schemeClr val="dk1"/>
+          </a:fontRef>
+        </p:style>
+        <p:txBody>
+          <a:bodyPr rtlCol="0" anchor="ctr"/>
+          <a:lstStyle/>
+          <a:p>
+            <a:pPr algn="ctr"/>
+            <a:endParaRPr lang="zh-CN" altLang="en-US" dirty="0"/>
+          </a:p>
+        </p:txBody>
+      </p:sp>
+      <p:sp>
+        <p:nvSpPr>
+          <p:cNvPr id="8" name="文本框 7">
+            <a:extLst>
+              <a:ext uri="{FF2B5EF4-FFF2-40B4-BE49-F238E27FC236}">
+                <a16:creationId xmlns:a16="http://schemas.microsoft.com/office/drawing/2014/main" id="{494AE771-0D1B-48DC-A248-4FACA67CE4F8}"/>
+              </a:ext>
+            </a:extLst>
+          </p:cNvPr>
+          <p:cNvSpPr txBox="1"/>
+          <p:nvPr/>
+        </p:nvSpPr>
+        <p:spPr>
+          <a:xfrm>
+            <a:off x="3060425" y="568699"/>
+            <a:ext cx="646331" cy="369332"/>
+          </a:xfrm>
+          <a:prstGeom prst="rect">
+            <a:avLst/>
+          </a:prstGeom>
+          <a:noFill/>
+        </p:spPr>
+        <p:txBody>
+          <a:bodyPr wrap="none" rtlCol="0">
+            <a:spAutoFit/>
+          </a:bodyPr>
+          <a:lstStyle/>
+          <a:p>
+            <a:r>
+              <a:rPr lang="zh-CN" altLang="en-US" dirty="0"/>
+              <a:t>创建</a:t>
+            </a:r>
+          </a:p>
+        </p:txBody>
+      </p:sp>
+      <p:sp>
+        <p:nvSpPr>
+          <p:cNvPr id="10" name="文本框 9">
+            <a:extLst>
+              <a:ext uri="{FF2B5EF4-FFF2-40B4-BE49-F238E27FC236}">
+                <a16:creationId xmlns:a16="http://schemas.microsoft.com/office/drawing/2014/main" id="{F04F3FCA-1523-4194-B7B2-216A34957A12}"/>
+              </a:ext>
+            </a:extLst>
+          </p:cNvPr>
+          <p:cNvSpPr txBox="1"/>
+          <p:nvPr/>
+        </p:nvSpPr>
+        <p:spPr>
+          <a:xfrm>
+            <a:off x="4686295" y="2790962"/>
+            <a:ext cx="646331" cy="369332"/>
+          </a:xfrm>
+          <a:prstGeom prst="rect">
+            <a:avLst/>
+          </a:prstGeom>
+          <a:noFill/>
+        </p:spPr>
+        <p:txBody>
+          <a:bodyPr wrap="none" rtlCol="0">
+            <a:spAutoFit/>
+          </a:bodyPr>
+          <a:lstStyle/>
+          <a:p>
+            <a:r>
+              <a:rPr lang="zh-CN" altLang="en-US" dirty="0"/>
+              <a:t>创建</a:t>
+            </a:r>
+          </a:p>
+        </p:txBody>
+      </p:sp>
+      <p:sp>
+        <p:nvSpPr>
+          <p:cNvPr id="11" name="文本框 10">
+            <a:extLst>
+              <a:ext uri="{FF2B5EF4-FFF2-40B4-BE49-F238E27FC236}">
+                <a16:creationId xmlns:a16="http://schemas.microsoft.com/office/drawing/2014/main" id="{F2999460-1EB0-47F9-91A8-21DCE4E2E026}"/>
+              </a:ext>
+            </a:extLst>
+          </p:cNvPr>
+          <p:cNvSpPr txBox="1"/>
+          <p:nvPr/>
+        </p:nvSpPr>
+        <p:spPr>
+          <a:xfrm>
+            <a:off x="8815542" y="4097098"/>
+            <a:ext cx="646331" cy="369332"/>
+          </a:xfrm>
+          <a:prstGeom prst="rect">
+            <a:avLst/>
+          </a:prstGeom>
+          <a:noFill/>
+        </p:spPr>
+        <p:txBody>
+          <a:bodyPr wrap="none" rtlCol="0">
+            <a:spAutoFit/>
+          </a:bodyPr>
+          <a:lstStyle/>
+          <a:p>
+            <a:r>
+              <a:rPr lang="zh-CN" altLang="en-US" dirty="0"/>
+              <a:t>创建</a:t>
+            </a:r>
+          </a:p>
+        </p:txBody>
+      </p:sp>
+      <p:sp>
+        <p:nvSpPr>
+          <p:cNvPr id="12" name="矩形 11">
+            <a:extLst>
+              <a:ext uri="{FF2B5EF4-FFF2-40B4-BE49-F238E27FC236}">
+                <a16:creationId xmlns:a16="http://schemas.microsoft.com/office/drawing/2014/main" id="{97638746-B5D1-4C8B-B2B2-6C25594B4A2A}"/>
+              </a:ext>
+            </a:extLst>
+          </p:cNvPr>
+          <p:cNvSpPr/>
+          <p:nvPr/>
+        </p:nvSpPr>
+        <p:spPr>
+          <a:xfrm rot="18990800">
+            <a:off x="4614035" y="5565997"/>
+            <a:ext cx="790850" cy="782475"/>
+          </a:xfrm>
+          <a:prstGeom prst="rect">
+            <a:avLst/>
+          </a:prstGeom>
+          <a:ln>
+            <a:solidFill>
+              <a:schemeClr val="accent1"/>
+            </a:solidFill>
+          </a:ln>
+        </p:spPr>
+        <p:style>
+          <a:lnRef idx="2">
+            <a:schemeClr val="accent6"/>
+          </a:lnRef>
+          <a:fillRef idx="1">
+            <a:schemeClr val="lt1"/>
+          </a:fillRef>
+          <a:effectRef idx="0">
+            <a:schemeClr val="accent6"/>
+          </a:effectRef>
+          <a:fontRef idx="minor">
+            <a:schemeClr val="dk1"/>
+          </a:fontRef>
+        </p:style>
+        <p:txBody>
+          <a:bodyPr rtlCol="0" anchor="ctr"/>
+          <a:lstStyle/>
+          <a:p>
+            <a:pPr algn="ctr"/>
+            <a:endParaRPr lang="zh-CN" altLang="en-US" dirty="0"/>
+          </a:p>
+        </p:txBody>
+      </p:sp>
+      <p:sp>
+        <p:nvSpPr>
+          <p:cNvPr id="17" name="文本框 16">
+            <a:extLst>
+              <a:ext uri="{FF2B5EF4-FFF2-40B4-BE49-F238E27FC236}">
+                <a16:creationId xmlns:a16="http://schemas.microsoft.com/office/drawing/2014/main" id="{1311B1AF-37DE-4585-89D8-A23384D235D6}"/>
+              </a:ext>
+            </a:extLst>
+          </p:cNvPr>
+          <p:cNvSpPr txBox="1"/>
+          <p:nvPr/>
+        </p:nvSpPr>
+        <p:spPr>
+          <a:xfrm>
+            <a:off x="4463693" y="5772568"/>
+            <a:ext cx="1107996" cy="369332"/>
+          </a:xfrm>
+          <a:prstGeom prst="rect">
+            <a:avLst/>
+          </a:prstGeom>
+          <a:noFill/>
+        </p:spPr>
+        <p:txBody>
+          <a:bodyPr wrap="none" rtlCol="0">
+            <a:spAutoFit/>
+          </a:bodyPr>
+          <a:lstStyle/>
+          <a:p>
+            <a:r>
+              <a:rPr lang="zh-CN" altLang="en-US" dirty="0"/>
+              <a:t>浏览历史</a:t>
+            </a:r>
+          </a:p>
+        </p:txBody>
+      </p:sp>
       <p:cxnSp>
         <p:nvCxnSpPr>
-          <p:cNvPr id="38" name="直接连接符 37">
-            <a:extLst>
-              <a:ext uri="{FF2B5EF4-FFF2-40B4-BE49-F238E27FC236}">
-                <a16:creationId xmlns:a16="http://schemas.microsoft.com/office/drawing/2014/main" id="{BCBD261C-1712-44FC-BEFF-A6082CBBDF42}"/>
-              </a:ext>
-            </a:extLst>
-          </p:cNvPr>
-          <p:cNvCxnSpPr>
-            <a:cxnSpLocks/>
-            <a:stCxn id="35" idx="3"/>
-            <a:endCxn id="7" idx="2"/>
-          </p:cNvCxnSpPr>
+          <p:cNvPr id="25" name="直接连接符 24">
+            <a:extLst>
+              <a:ext uri="{FF2B5EF4-FFF2-40B4-BE49-F238E27FC236}">
+                <a16:creationId xmlns:a16="http://schemas.microsoft.com/office/drawing/2014/main" id="{325A86FE-EE17-4923-996E-79B04E37AFEB}"/>
+              </a:ext>
+            </a:extLst>
+          </p:cNvPr>
+          <p:cNvCxnSpPr/>
           <p:nvPr/>
         </p:nvCxnSpPr>
         <p:spPr>
-          <a:xfrm flipV="1">
-            <a:off x="6512942" y="4406336"/>
-            <a:ext cx="1422450" cy="117246"/>
+          <a:xfrm flipH="1">
+            <a:off x="1587819" y="753365"/>
+            <a:ext cx="1291674" cy="0"/>
           </a:xfrm>
           <a:prstGeom prst="line">
             <a:avLst/>
@@ -5544,23 +5763,22 @@
       </p:cxnSp>
       <p:cxnSp>
         <p:nvCxnSpPr>
-          <p:cNvPr id="40" name="直接连接符 39">
-            <a:extLst>
-              <a:ext uri="{FF2B5EF4-FFF2-40B4-BE49-F238E27FC236}">
-                <a16:creationId xmlns:a16="http://schemas.microsoft.com/office/drawing/2014/main" id="{3F0C18F9-0A90-421F-89E2-119B781EB09E}"/>
+          <p:cNvPr id="29" name="直接连接符 28">
+            <a:extLst>
+              <a:ext uri="{FF2B5EF4-FFF2-40B4-BE49-F238E27FC236}">
+                <a16:creationId xmlns:a16="http://schemas.microsoft.com/office/drawing/2014/main" id="{7653030E-4F11-48F9-95F1-1EC0137252AA}"/>
               </a:ext>
             </a:extLst>
           </p:cNvPr>
           <p:cNvCxnSpPr>
-            <a:stCxn id="35" idx="0"/>
-            <a:endCxn id="4" idx="2"/>
+            <a:cxnSpLocks/>
           </p:cNvCxnSpPr>
           <p:nvPr/>
         </p:nvCxnSpPr>
         <p:spPr>
-          <a:xfrm flipH="1" flipV="1">
-            <a:off x="4501603" y="3547854"/>
-            <a:ext cx="1197023" cy="952266"/>
+          <a:xfrm>
+            <a:off x="3991771" y="753365"/>
+            <a:ext cx="3240296" cy="0"/>
           </a:xfrm>
           <a:prstGeom prst="line">
             <a:avLst/>
@@ -5581,12 +5799,350 @@
           </a:fontRef>
         </p:style>
       </p:cxnSp>
-      <p:sp>
-        <p:nvSpPr>
-          <p:cNvPr id="41" name="文本框 40">
-            <a:extLst>
-              <a:ext uri="{FF2B5EF4-FFF2-40B4-BE49-F238E27FC236}">
-                <a16:creationId xmlns:a16="http://schemas.microsoft.com/office/drawing/2014/main" id="{53B604C8-8C53-4354-A16D-25BCAA3EC2A3}"/>
+      <p:cxnSp>
+        <p:nvCxnSpPr>
+          <p:cNvPr id="33" name="直接连接符 32">
+            <a:extLst>
+              <a:ext uri="{FF2B5EF4-FFF2-40B4-BE49-F238E27FC236}">
+                <a16:creationId xmlns:a16="http://schemas.microsoft.com/office/drawing/2014/main" id="{4D5434DD-AD3C-4AF2-A1AD-82AFC8916E6F}"/>
+              </a:ext>
+            </a:extLst>
+          </p:cNvPr>
+          <p:cNvCxnSpPr>
+            <a:cxnSpLocks/>
+          </p:cNvCxnSpPr>
+          <p:nvPr/>
+        </p:nvCxnSpPr>
+        <p:spPr>
+          <a:xfrm flipV="1">
+            <a:off x="7232067" y="753365"/>
+            <a:ext cx="0" cy="2077664"/>
+          </a:xfrm>
+          <a:prstGeom prst="line">
+            <a:avLst/>
+          </a:prstGeom>
+        </p:spPr>
+        <p:style>
+          <a:lnRef idx="1">
+            <a:schemeClr val="accent1"/>
+          </a:lnRef>
+          <a:fillRef idx="0">
+            <a:schemeClr val="accent1"/>
+          </a:fillRef>
+          <a:effectRef idx="0">
+            <a:schemeClr val="accent1"/>
+          </a:effectRef>
+          <a:fontRef idx="minor">
+            <a:schemeClr val="tx1"/>
+          </a:fontRef>
+        </p:style>
+      </p:cxnSp>
+      <p:cxnSp>
+        <p:nvCxnSpPr>
+          <p:cNvPr id="39" name="直接连接符 38">
+            <a:extLst>
+              <a:ext uri="{FF2B5EF4-FFF2-40B4-BE49-F238E27FC236}">
+                <a16:creationId xmlns:a16="http://schemas.microsoft.com/office/drawing/2014/main" id="{B001D9B2-BCBD-4DC9-9F8B-B4F0EC4EA9BE}"/>
+              </a:ext>
+            </a:extLst>
+          </p:cNvPr>
+          <p:cNvCxnSpPr>
+            <a:cxnSpLocks/>
+          </p:cNvCxnSpPr>
+          <p:nvPr/>
+        </p:nvCxnSpPr>
+        <p:spPr>
+          <a:xfrm flipH="1">
+            <a:off x="3060427" y="2975628"/>
+            <a:ext cx="1454119" cy="0"/>
+          </a:xfrm>
+          <a:prstGeom prst="line">
+            <a:avLst/>
+          </a:prstGeom>
+        </p:spPr>
+        <p:style>
+          <a:lnRef idx="1">
+            <a:schemeClr val="accent1"/>
+          </a:lnRef>
+          <a:fillRef idx="0">
+            <a:schemeClr val="accent1"/>
+          </a:fillRef>
+          <a:effectRef idx="0">
+            <a:schemeClr val="accent1"/>
+          </a:effectRef>
+          <a:fontRef idx="minor">
+            <a:schemeClr val="tx1"/>
+          </a:fontRef>
+        </p:style>
+      </p:cxnSp>
+      <p:cxnSp>
+        <p:nvCxnSpPr>
+          <p:cNvPr id="50" name="直接连接符 49">
+            <a:extLst>
+              <a:ext uri="{FF2B5EF4-FFF2-40B4-BE49-F238E27FC236}">
+                <a16:creationId xmlns:a16="http://schemas.microsoft.com/office/drawing/2014/main" id="{DB7B741D-4508-4416-B1B1-C886CAEE9788}"/>
+              </a:ext>
+            </a:extLst>
+          </p:cNvPr>
+          <p:cNvCxnSpPr/>
+          <p:nvPr/>
+        </p:nvCxnSpPr>
+        <p:spPr>
+          <a:xfrm>
+            <a:off x="5590835" y="2975628"/>
+            <a:ext cx="957972" cy="0"/>
+          </a:xfrm>
+          <a:prstGeom prst="line">
+            <a:avLst/>
+          </a:prstGeom>
+        </p:spPr>
+        <p:style>
+          <a:lnRef idx="1">
+            <a:schemeClr val="accent1"/>
+          </a:lnRef>
+          <a:fillRef idx="0">
+            <a:schemeClr val="accent1"/>
+          </a:fillRef>
+          <a:effectRef idx="0">
+            <a:schemeClr val="accent1"/>
+          </a:effectRef>
+          <a:fontRef idx="minor">
+            <a:schemeClr val="tx1"/>
+          </a:fontRef>
+        </p:style>
+      </p:cxnSp>
+      <p:cxnSp>
+        <p:nvCxnSpPr>
+          <p:cNvPr id="52" name="直接连接符 51">
+            <a:extLst>
+              <a:ext uri="{FF2B5EF4-FFF2-40B4-BE49-F238E27FC236}">
+                <a16:creationId xmlns:a16="http://schemas.microsoft.com/office/drawing/2014/main" id="{43DA0795-F252-486E-8430-245FE268E39C}"/>
+              </a:ext>
+            </a:extLst>
+          </p:cNvPr>
+          <p:cNvCxnSpPr>
+            <a:cxnSpLocks/>
+            <a:endCxn id="7" idx="3"/>
+          </p:cNvCxnSpPr>
+          <p:nvPr/>
+        </p:nvCxnSpPr>
+        <p:spPr>
+          <a:xfrm flipH="1">
+            <a:off x="3085401" y="4466430"/>
+            <a:ext cx="1367920" cy="17847"/>
+          </a:xfrm>
+          <a:prstGeom prst="line">
+            <a:avLst/>
+          </a:prstGeom>
+        </p:spPr>
+        <p:style>
+          <a:lnRef idx="1">
+            <a:schemeClr val="accent1"/>
+          </a:lnRef>
+          <a:fillRef idx="0">
+            <a:schemeClr val="accent1"/>
+          </a:fillRef>
+          <a:effectRef idx="0">
+            <a:schemeClr val="accent1"/>
+          </a:effectRef>
+          <a:fontRef idx="minor">
+            <a:schemeClr val="tx1"/>
+          </a:fontRef>
+        </p:style>
+      </p:cxnSp>
+      <p:cxnSp>
+        <p:nvCxnSpPr>
+          <p:cNvPr id="54" name="直接连接符 53">
+            <a:extLst>
+              <a:ext uri="{FF2B5EF4-FFF2-40B4-BE49-F238E27FC236}">
+                <a16:creationId xmlns:a16="http://schemas.microsoft.com/office/drawing/2014/main" id="{7D9C9315-3563-42CA-A308-79CD891830CA}"/>
+              </a:ext>
+            </a:extLst>
+          </p:cNvPr>
+          <p:cNvCxnSpPr>
+            <a:stCxn id="41" idx="3"/>
+          </p:cNvCxnSpPr>
+          <p:nvPr/>
+        </p:nvCxnSpPr>
+        <p:spPr>
+          <a:xfrm flipV="1">
+            <a:off x="5509266" y="4466430"/>
+            <a:ext cx="1039541" cy="1"/>
+          </a:xfrm>
+          <a:prstGeom prst="line">
+            <a:avLst/>
+          </a:prstGeom>
+        </p:spPr>
+        <p:style>
+          <a:lnRef idx="1">
+            <a:schemeClr val="accent1"/>
+          </a:lnRef>
+          <a:fillRef idx="0">
+            <a:schemeClr val="accent1"/>
+          </a:fillRef>
+          <a:effectRef idx="0">
+            <a:schemeClr val="accent1"/>
+          </a:effectRef>
+          <a:fontRef idx="minor">
+            <a:schemeClr val="tx1"/>
+          </a:fontRef>
+        </p:style>
+      </p:cxnSp>
+      <p:cxnSp>
+        <p:nvCxnSpPr>
+          <p:cNvPr id="57" name="直接连接符 56">
+            <a:extLst>
+              <a:ext uri="{FF2B5EF4-FFF2-40B4-BE49-F238E27FC236}">
+                <a16:creationId xmlns:a16="http://schemas.microsoft.com/office/drawing/2014/main" id="{0F3C2C8E-B1D8-4161-820B-4B1169B68B7D}"/>
+              </a:ext>
+            </a:extLst>
+          </p:cNvPr>
+          <p:cNvCxnSpPr>
+            <a:stCxn id="17" idx="3"/>
+          </p:cNvCxnSpPr>
+          <p:nvPr/>
+        </p:nvCxnSpPr>
+        <p:spPr>
+          <a:xfrm>
+            <a:off x="5571689" y="5957234"/>
+            <a:ext cx="977118" cy="28896"/>
+          </a:xfrm>
+          <a:prstGeom prst="line">
+            <a:avLst/>
+          </a:prstGeom>
+        </p:spPr>
+        <p:style>
+          <a:lnRef idx="1">
+            <a:schemeClr val="accent1"/>
+          </a:lnRef>
+          <a:fillRef idx="0">
+            <a:schemeClr val="accent1"/>
+          </a:fillRef>
+          <a:effectRef idx="0">
+            <a:schemeClr val="accent1"/>
+          </a:effectRef>
+          <a:fontRef idx="minor">
+            <a:schemeClr val="tx1"/>
+          </a:fontRef>
+        </p:style>
+      </p:cxnSp>
+      <p:cxnSp>
+        <p:nvCxnSpPr>
+          <p:cNvPr id="59" name="直接连接符 58">
+            <a:extLst>
+              <a:ext uri="{FF2B5EF4-FFF2-40B4-BE49-F238E27FC236}">
+                <a16:creationId xmlns:a16="http://schemas.microsoft.com/office/drawing/2014/main" id="{2AF31EDB-8809-4C82-A605-8503B21DC264}"/>
+              </a:ext>
+            </a:extLst>
+          </p:cNvPr>
+          <p:cNvCxnSpPr>
+            <a:cxnSpLocks/>
+            <a:stCxn id="17" idx="1"/>
+          </p:cNvCxnSpPr>
+          <p:nvPr/>
+        </p:nvCxnSpPr>
+        <p:spPr>
+          <a:xfrm flipH="1" flipV="1">
+            <a:off x="3095773" y="5939387"/>
+            <a:ext cx="1367920" cy="17847"/>
+          </a:xfrm>
+          <a:prstGeom prst="line">
+            <a:avLst/>
+          </a:prstGeom>
+        </p:spPr>
+        <p:style>
+          <a:lnRef idx="1">
+            <a:schemeClr val="accent1"/>
+          </a:lnRef>
+          <a:fillRef idx="0">
+            <a:schemeClr val="accent1"/>
+          </a:fillRef>
+          <a:effectRef idx="0">
+            <a:schemeClr val="accent1"/>
+          </a:effectRef>
+          <a:fontRef idx="minor">
+            <a:schemeClr val="tx1"/>
+          </a:fontRef>
+        </p:style>
+      </p:cxnSp>
+      <p:cxnSp>
+        <p:nvCxnSpPr>
+          <p:cNvPr id="62" name="直接连接符 61">
+            <a:extLst>
+              <a:ext uri="{FF2B5EF4-FFF2-40B4-BE49-F238E27FC236}">
+                <a16:creationId xmlns:a16="http://schemas.microsoft.com/office/drawing/2014/main" id="{C3D37454-EDDB-4295-9EB1-4E20D600E19A}"/>
+              </a:ext>
+            </a:extLst>
+          </p:cNvPr>
+          <p:cNvCxnSpPr/>
+          <p:nvPr/>
+        </p:nvCxnSpPr>
+        <p:spPr>
+          <a:xfrm flipH="1">
+            <a:off x="7915327" y="4281765"/>
+            <a:ext cx="659811" cy="0"/>
+          </a:xfrm>
+          <a:prstGeom prst="line">
+            <a:avLst/>
+          </a:prstGeom>
+        </p:spPr>
+        <p:style>
+          <a:lnRef idx="1">
+            <a:schemeClr val="accent1"/>
+          </a:lnRef>
+          <a:fillRef idx="0">
+            <a:schemeClr val="accent1"/>
+          </a:fillRef>
+          <a:effectRef idx="0">
+            <a:schemeClr val="accent1"/>
+          </a:effectRef>
+          <a:fontRef idx="minor">
+            <a:schemeClr val="tx1"/>
+          </a:fontRef>
+        </p:style>
+      </p:cxnSp>
+      <p:cxnSp>
+        <p:nvCxnSpPr>
+          <p:cNvPr id="64" name="直接连接符 63">
+            <a:extLst>
+              <a:ext uri="{FF2B5EF4-FFF2-40B4-BE49-F238E27FC236}">
+                <a16:creationId xmlns:a16="http://schemas.microsoft.com/office/drawing/2014/main" id="{CBDD2259-0BCD-44D2-B537-AC3589DFA68D}"/>
+              </a:ext>
+            </a:extLst>
+          </p:cNvPr>
+          <p:cNvCxnSpPr/>
+          <p:nvPr/>
+        </p:nvCxnSpPr>
+        <p:spPr>
+          <a:xfrm>
+            <a:off x="9702279" y="4281765"/>
+            <a:ext cx="659811" cy="0"/>
+          </a:xfrm>
+          <a:prstGeom prst="line">
+            <a:avLst/>
+          </a:prstGeom>
+        </p:spPr>
+        <p:style>
+          <a:lnRef idx="1">
+            <a:schemeClr val="accent1"/>
+          </a:lnRef>
+          <a:fillRef idx="0">
+            <a:schemeClr val="accent1"/>
+          </a:fillRef>
+          <a:effectRef idx="0">
+            <a:schemeClr val="accent1"/>
+          </a:effectRef>
+          <a:fontRef idx="minor">
+            <a:schemeClr val="tx1"/>
+          </a:fontRef>
+        </p:style>
+      </p:cxnSp>
+      <p:sp>
+        <p:nvSpPr>
+          <p:cNvPr id="65" name="文本框 64">
+            <a:extLst>
+              <a:ext uri="{FF2B5EF4-FFF2-40B4-BE49-F238E27FC236}">
+                <a16:creationId xmlns:a16="http://schemas.microsoft.com/office/drawing/2014/main" id="{CF28A832-E754-43B4-9547-BE8AE7852130}"/>
               </a:ext>
             </a:extLst>
           </p:cNvPr>
@@ -5595,8 +6151,8 @@
         </p:nvSpPr>
         <p:spPr>
           <a:xfrm>
-            <a:off x="5573829" y="4726585"/>
-            <a:ext cx="877163" cy="369332"/>
+            <a:off x="7336463" y="1722474"/>
+            <a:ext cx="653997" cy="369332"/>
           </a:xfrm>
           <a:prstGeom prst="rect">
             <a:avLst/>
@@ -5604,24 +6160,25 @@
           <a:noFill/>
         </p:spPr>
         <p:txBody>
-          <a:bodyPr wrap="none" rtlCol="0">
+          <a:bodyPr wrap="square" rtlCol="0">
             <a:spAutoFit/>
           </a:bodyPr>
           <a:lstStyle/>
           <a:p>
             <a:r>
-              <a:rPr lang="zh-CN" altLang="en-US" dirty="0"/>
-              <a:t>购物车</a:t>
-            </a:r>
-          </a:p>
-        </p:txBody>
-      </p:sp>
-      <p:sp>
-        <p:nvSpPr>
-          <p:cNvPr id="42" name="文本框 41">
-            <a:extLst>
-              <a:ext uri="{FF2B5EF4-FFF2-40B4-BE49-F238E27FC236}">
-                <a16:creationId xmlns:a16="http://schemas.microsoft.com/office/drawing/2014/main" id="{ADACFDA8-66F7-4F4C-914B-4AB1AF5C9FA3}"/>
+              <a:rPr lang="en-US" altLang="zh-CN" dirty="0"/>
+              <a:t>0..1</a:t>
+            </a:r>
+            <a:endParaRPr lang="zh-CN" altLang="en-US" dirty="0"/>
+          </a:p>
+        </p:txBody>
+      </p:sp>
+      <p:sp>
+        <p:nvSpPr>
+          <p:cNvPr id="66" name="文本框 65">
+            <a:extLst>
+              <a:ext uri="{FF2B5EF4-FFF2-40B4-BE49-F238E27FC236}">
+                <a16:creationId xmlns:a16="http://schemas.microsoft.com/office/drawing/2014/main" id="{162612DC-B33A-4DE3-A775-8FD1E8D96984}"/>
               </a:ext>
             </a:extLst>
           </p:cNvPr>
@@ -5629,9 +6186,9 @@
           <p:nvPr/>
         </p:nvSpPr>
         <p:spPr>
-          <a:xfrm rot="2346669">
-            <a:off x="4738405" y="3778348"/>
-            <a:ext cx="1303562" cy="369332"/>
+          <a:xfrm>
+            <a:off x="5865159" y="2604311"/>
+            <a:ext cx="530915" cy="369332"/>
           </a:xfrm>
           <a:prstGeom prst="rect">
             <a:avLst/>
@@ -5646,7 +6203,7 @@
           <a:p>
             <a:r>
               <a:rPr lang="en-US" altLang="zh-CN" dirty="0"/>
-              <a:t>1              1</a:t>
+              <a:t>0..1</a:t>
             </a:r>
             <a:endParaRPr lang="zh-CN" altLang="en-US" dirty="0"/>
           </a:p>
@@ -5654,10 +6211,10 @@
       </p:sp>
       <p:sp>
         <p:nvSpPr>
-          <p:cNvPr id="43" name="文本框 42">
-            <a:extLst>
-              <a:ext uri="{FF2B5EF4-FFF2-40B4-BE49-F238E27FC236}">
-                <a16:creationId xmlns:a16="http://schemas.microsoft.com/office/drawing/2014/main" id="{6A950E99-ED66-4E55-9861-B6AD903B2A47}"/>
+          <p:cNvPr id="67" name="文本框 66">
+            <a:extLst>
+              <a:ext uri="{FF2B5EF4-FFF2-40B4-BE49-F238E27FC236}">
+                <a16:creationId xmlns:a16="http://schemas.microsoft.com/office/drawing/2014/main" id="{DD7AA606-94EC-46C7-AED1-F2E3D372B8EB}"/>
               </a:ext>
             </a:extLst>
           </p:cNvPr>
@@ -5665,9 +6222,9 @@
           <p:nvPr/>
         </p:nvSpPr>
         <p:spPr>
-          <a:xfrm rot="20439377">
-            <a:off x="6865045" y="4363251"/>
-            <a:ext cx="1250663" cy="369332"/>
+          <a:xfrm>
+            <a:off x="5731841" y="4135392"/>
+            <a:ext cx="542253" cy="369332"/>
           </a:xfrm>
           <a:prstGeom prst="rect">
             <a:avLst/>
@@ -5675,6 +6232,42 @@
           <a:noFill/>
         </p:spPr>
         <p:txBody>
+          <a:bodyPr wrap="square" rtlCol="0">
+            <a:spAutoFit/>
+          </a:bodyPr>
+          <a:lstStyle/>
+          <a:p>
+            <a:r>
+              <a:rPr lang="en-US" altLang="zh-CN" dirty="0"/>
+              <a:t>0..*</a:t>
+            </a:r>
+            <a:endParaRPr lang="zh-CN" altLang="en-US" dirty="0"/>
+          </a:p>
+        </p:txBody>
+      </p:sp>
+      <p:sp>
+        <p:nvSpPr>
+          <p:cNvPr id="68" name="文本框 67">
+            <a:extLst>
+              <a:ext uri="{FF2B5EF4-FFF2-40B4-BE49-F238E27FC236}">
+                <a16:creationId xmlns:a16="http://schemas.microsoft.com/office/drawing/2014/main" id="{C0B361F2-9C5E-428F-AAB4-869C6DFC21A7}"/>
+              </a:ext>
+            </a:extLst>
+          </p:cNvPr>
+          <p:cNvSpPr txBox="1"/>
+          <p:nvPr/>
+        </p:nvSpPr>
+        <p:spPr>
+          <a:xfrm>
+            <a:off x="5788700" y="5549609"/>
+            <a:ext cx="530915" cy="369332"/>
+          </a:xfrm>
+          <a:prstGeom prst="rect">
+            <a:avLst/>
+          </a:prstGeom>
+          <a:noFill/>
+        </p:spPr>
+        <p:txBody>
           <a:bodyPr wrap="none" rtlCol="0">
             <a:spAutoFit/>
           </a:bodyPr>
@@ -5682,7 +6275,223 @@
           <a:p>
             <a:r>
               <a:rPr lang="en-US" altLang="zh-CN" dirty="0"/>
-              <a:t>1          0..*</a:t>
+              <a:t>0..1</a:t>
+            </a:r>
+            <a:endParaRPr lang="zh-CN" altLang="en-US" dirty="0"/>
+          </a:p>
+        </p:txBody>
+      </p:sp>
+      <p:sp>
+        <p:nvSpPr>
+          <p:cNvPr id="69" name="文本框 68">
+            <a:extLst>
+              <a:ext uri="{FF2B5EF4-FFF2-40B4-BE49-F238E27FC236}">
+                <a16:creationId xmlns:a16="http://schemas.microsoft.com/office/drawing/2014/main" id="{D35DAA55-21F6-4EA7-A705-EDA439FB624A}"/>
+              </a:ext>
+            </a:extLst>
+          </p:cNvPr>
+          <p:cNvSpPr txBox="1"/>
+          <p:nvPr/>
+        </p:nvSpPr>
+        <p:spPr>
+          <a:xfrm>
+            <a:off x="8092343" y="3930279"/>
+            <a:ext cx="530915" cy="369332"/>
+          </a:xfrm>
+          <a:prstGeom prst="rect">
+            <a:avLst/>
+          </a:prstGeom>
+          <a:noFill/>
+        </p:spPr>
+        <p:txBody>
+          <a:bodyPr wrap="none" rtlCol="0">
+            <a:spAutoFit/>
+          </a:bodyPr>
+          <a:lstStyle/>
+          <a:p>
+            <a:r>
+              <a:rPr lang="en-US" altLang="zh-CN" dirty="0"/>
+              <a:t>0..1</a:t>
+            </a:r>
+            <a:endParaRPr lang="zh-CN" altLang="en-US" dirty="0"/>
+          </a:p>
+        </p:txBody>
+      </p:sp>
+      <p:sp>
+        <p:nvSpPr>
+          <p:cNvPr id="70" name="文本框 69">
+            <a:extLst>
+              <a:ext uri="{FF2B5EF4-FFF2-40B4-BE49-F238E27FC236}">
+                <a16:creationId xmlns:a16="http://schemas.microsoft.com/office/drawing/2014/main" id="{E2F3F3E1-F42E-4542-84AB-2E6FB8E2D46A}"/>
+              </a:ext>
+            </a:extLst>
+          </p:cNvPr>
+          <p:cNvSpPr txBox="1"/>
+          <p:nvPr/>
+        </p:nvSpPr>
+        <p:spPr>
+          <a:xfrm>
+            <a:off x="9780352" y="3950726"/>
+            <a:ext cx="503664" cy="369332"/>
+          </a:xfrm>
+          <a:prstGeom prst="rect">
+            <a:avLst/>
+          </a:prstGeom>
+          <a:noFill/>
+        </p:spPr>
+        <p:txBody>
+          <a:bodyPr wrap="none" rtlCol="0">
+            <a:spAutoFit/>
+          </a:bodyPr>
+          <a:lstStyle/>
+          <a:p>
+            <a:r>
+              <a:rPr lang="en-US" altLang="zh-CN" dirty="0"/>
+              <a:t>0..*</a:t>
+            </a:r>
+            <a:endParaRPr lang="zh-CN" altLang="en-US" dirty="0"/>
+          </a:p>
+        </p:txBody>
+      </p:sp>
+      <p:sp>
+        <p:nvSpPr>
+          <p:cNvPr id="72" name="文本框 71">
+            <a:extLst>
+              <a:ext uri="{FF2B5EF4-FFF2-40B4-BE49-F238E27FC236}">
+                <a16:creationId xmlns:a16="http://schemas.microsoft.com/office/drawing/2014/main" id="{7826F8C7-C998-4210-B6A2-A1BE31534AF6}"/>
+              </a:ext>
+            </a:extLst>
+          </p:cNvPr>
+          <p:cNvSpPr txBox="1"/>
+          <p:nvPr/>
+        </p:nvSpPr>
+        <p:spPr>
+          <a:xfrm>
+            <a:off x="1882894" y="304904"/>
+            <a:ext cx="503664" cy="369332"/>
+          </a:xfrm>
+          <a:prstGeom prst="rect">
+            <a:avLst/>
+          </a:prstGeom>
+          <a:noFill/>
+        </p:spPr>
+        <p:txBody>
+          <a:bodyPr wrap="none" rtlCol="0">
+            <a:spAutoFit/>
+          </a:bodyPr>
+          <a:lstStyle/>
+          <a:p>
+            <a:r>
+              <a:rPr lang="en-US" altLang="zh-CN" dirty="0"/>
+              <a:t>0..*</a:t>
+            </a:r>
+            <a:endParaRPr lang="zh-CN" altLang="en-US" dirty="0"/>
+          </a:p>
+        </p:txBody>
+      </p:sp>
+      <p:sp>
+        <p:nvSpPr>
+          <p:cNvPr id="74" name="文本框 73">
+            <a:extLst>
+              <a:ext uri="{FF2B5EF4-FFF2-40B4-BE49-F238E27FC236}">
+                <a16:creationId xmlns:a16="http://schemas.microsoft.com/office/drawing/2014/main" id="{586894B6-BF3E-4980-92CE-C959B26D700B}"/>
+              </a:ext>
+            </a:extLst>
+          </p:cNvPr>
+          <p:cNvSpPr txBox="1"/>
+          <p:nvPr/>
+        </p:nvSpPr>
+        <p:spPr>
+          <a:xfrm>
+            <a:off x="3467023" y="2604311"/>
+            <a:ext cx="503664" cy="369332"/>
+          </a:xfrm>
+          <a:prstGeom prst="rect">
+            <a:avLst/>
+          </a:prstGeom>
+          <a:noFill/>
+        </p:spPr>
+        <p:txBody>
+          <a:bodyPr wrap="none" rtlCol="0">
+            <a:spAutoFit/>
+          </a:bodyPr>
+          <a:lstStyle/>
+          <a:p>
+            <a:r>
+              <a:rPr lang="en-US" altLang="zh-CN" dirty="0"/>
+              <a:t>0..*</a:t>
+            </a:r>
+            <a:endParaRPr lang="zh-CN" altLang="en-US" dirty="0"/>
+          </a:p>
+        </p:txBody>
+      </p:sp>
+      <p:sp>
+        <p:nvSpPr>
+          <p:cNvPr id="76" name="文本框 75">
+            <a:extLst>
+              <a:ext uri="{FF2B5EF4-FFF2-40B4-BE49-F238E27FC236}">
+                <a16:creationId xmlns:a16="http://schemas.microsoft.com/office/drawing/2014/main" id="{B40A7FF2-73FE-4395-B125-A47A375BCF5A}"/>
+              </a:ext>
+            </a:extLst>
+          </p:cNvPr>
+          <p:cNvSpPr txBox="1"/>
+          <p:nvPr/>
+        </p:nvSpPr>
+        <p:spPr>
+          <a:xfrm>
+            <a:off x="3481043" y="4059421"/>
+            <a:ext cx="503664" cy="369332"/>
+          </a:xfrm>
+          <a:prstGeom prst="rect">
+            <a:avLst/>
+          </a:prstGeom>
+          <a:noFill/>
+        </p:spPr>
+        <p:txBody>
+          <a:bodyPr wrap="none" rtlCol="0">
+            <a:spAutoFit/>
+          </a:bodyPr>
+          <a:lstStyle/>
+          <a:p>
+            <a:r>
+              <a:rPr lang="en-US" altLang="zh-CN" dirty="0"/>
+              <a:t>0..*</a:t>
+            </a:r>
+            <a:endParaRPr lang="zh-CN" altLang="en-US" dirty="0"/>
+          </a:p>
+        </p:txBody>
+      </p:sp>
+      <p:sp>
+        <p:nvSpPr>
+          <p:cNvPr id="77" name="文本框 76">
+            <a:extLst>
+              <a:ext uri="{FF2B5EF4-FFF2-40B4-BE49-F238E27FC236}">
+                <a16:creationId xmlns:a16="http://schemas.microsoft.com/office/drawing/2014/main" id="{4AE33373-0E85-4A8E-A334-90390BC2D945}"/>
+              </a:ext>
+            </a:extLst>
+          </p:cNvPr>
+          <p:cNvSpPr txBox="1"/>
+          <p:nvPr/>
+        </p:nvSpPr>
+        <p:spPr>
+          <a:xfrm>
+            <a:off x="3499038" y="5507697"/>
+            <a:ext cx="503664" cy="369332"/>
+          </a:xfrm>
+          <a:prstGeom prst="rect">
+            <a:avLst/>
+          </a:prstGeom>
+          <a:noFill/>
+        </p:spPr>
+        <p:txBody>
+          <a:bodyPr wrap="none" rtlCol="0">
+            <a:spAutoFit/>
+          </a:bodyPr>
+          <a:lstStyle/>
+          <a:p>
+            <a:r>
+              <a:rPr lang="en-US" altLang="zh-CN" dirty="0"/>
+              <a:t>0..*</a:t>
             </a:r>
             <a:endParaRPr lang="zh-CN" altLang="en-US" dirty="0"/>
           </a:p>

--- a/上交文档/E-R图.pptx
+++ b/上交文档/E-R图.pptx
@@ -6167,7 +6167,7 @@
           <a:p>
             <a:r>
               <a:rPr lang="en-US" altLang="zh-CN" dirty="0"/>
-              <a:t>0..1</a:t>
+              <a:t>1</a:t>
             </a:r>
             <a:endParaRPr lang="zh-CN" altLang="en-US" dirty="0"/>
           </a:p>
@@ -6188,7 +6188,7 @@
         <p:spPr>
           <a:xfrm>
             <a:off x="5865159" y="2604311"/>
-            <a:ext cx="530915" cy="369332"/>
+            <a:ext cx="306494" cy="369332"/>
           </a:xfrm>
           <a:prstGeom prst="rect">
             <a:avLst/>
@@ -6203,7 +6203,7 @@
           <a:p>
             <a:r>
               <a:rPr lang="en-US" altLang="zh-CN" dirty="0"/>
-              <a:t>0..1</a:t>
+              <a:t>1</a:t>
             </a:r>
             <a:endParaRPr lang="zh-CN" altLang="en-US" dirty="0"/>
           </a:p>
@@ -6260,7 +6260,7 @@
         <p:spPr>
           <a:xfrm>
             <a:off x="5788700" y="5549609"/>
-            <a:ext cx="530915" cy="369332"/>
+            <a:ext cx="306494" cy="369332"/>
           </a:xfrm>
           <a:prstGeom prst="rect">
             <a:avLst/>
@@ -6275,7 +6275,7 @@
           <a:p>
             <a:r>
               <a:rPr lang="en-US" altLang="zh-CN" dirty="0"/>
-              <a:t>0..1</a:t>
+              <a:t>1</a:t>
             </a:r>
             <a:endParaRPr lang="zh-CN" altLang="en-US" dirty="0"/>
           </a:p>
@@ -6296,7 +6296,7 @@
         <p:spPr>
           <a:xfrm>
             <a:off x="8092343" y="3930279"/>
-            <a:ext cx="530915" cy="369332"/>
+            <a:ext cx="306494" cy="369332"/>
           </a:xfrm>
           <a:prstGeom prst="rect">
             <a:avLst/>
@@ -6311,7 +6311,7 @@
           <a:p>
             <a:r>
               <a:rPr lang="en-US" altLang="zh-CN" dirty="0"/>
-              <a:t>0..1</a:t>
+              <a:t>1</a:t>
             </a:r>
             <a:endParaRPr lang="zh-CN" altLang="en-US" dirty="0"/>
           </a:p>

--- a/上交文档/E-R图.pptx
+++ b/上交文档/E-R图.pptx
@@ -5,8 +5,7 @@
     <p:sldMasterId id="2147483648" r:id="rId1"/>
   </p:sldMasterIdLst>
   <p:sldIdLst>
-    <p:sldId id="256" r:id="rId2"/>
-    <p:sldId id="257" r:id="rId3"/>
+    <p:sldId id="257" r:id="rId2"/>
   </p:sldIdLst>
   <p:sldSz cx="12192000" cy="6858000"/>
   <p:notesSz cx="6858000" cy="9144000"/>
@@ -3354,1053 +3353,6 @@
           <p:nvPr>
             <p:extLst>
               <p:ext uri="{D42A27DB-BD31-4B8C-83A1-F6EECF244321}">
-                <p14:modId xmlns:p14="http://schemas.microsoft.com/office/powerpoint/2010/main" val="2221158707"/>
-              </p:ext>
-            </p:extLst>
-          </p:nvPr>
-        </p:nvGraphicFramePr>
-        <p:xfrm>
-          <a:off x="3873500" y="938112"/>
-          <a:ext cx="1366520" cy="3432596"/>
-        </p:xfrm>
-        <a:graphic>
-          <a:graphicData uri="http://schemas.openxmlformats.org/drawingml/2006/table">
-            <a:tbl>
-              <a:tblPr firstRow="1" bandRow="1">
-                <a:tableStyleId>{5C22544A-7EE6-4342-B048-85BDC9FD1C3A}</a:tableStyleId>
-              </a:tblPr>
-              <a:tblGrid>
-                <a:gridCol w="1366520">
-                  <a:extLst>
-                    <a:ext uri="{9D8B030D-6E8A-4147-A177-3AD203B41FA5}">
-                      <a16:colId xmlns:a16="http://schemas.microsoft.com/office/drawing/2014/main" val="1794747928"/>
-                    </a:ext>
-                  </a:extLst>
-                </a:gridCol>
-              </a:tblGrid>
-              <a:tr h="385868">
-                <a:tc>
-                  <a:txBody>
-                    <a:bodyPr/>
-                    <a:lstStyle/>
-                    <a:p>
-                      <a:r>
-                        <a:rPr lang="zh-CN" altLang="en-US" dirty="0"/>
-                        <a:t>用户</a:t>
-                      </a:r>
-                    </a:p>
-                  </a:txBody>
-                  <a:tcPr/>
-                </a:tc>
-                <a:extLst>
-                  <a:ext uri="{0D108BD9-81ED-4DB2-BD59-A6C34878D82A}">
-                    <a16:rowId xmlns:a16="http://schemas.microsoft.com/office/drawing/2014/main" val="3993809138"/>
-                  </a:ext>
-                </a:extLst>
-              </a:tr>
-              <a:tr h="385868">
-                <a:tc>
-                  <a:txBody>
-                    <a:bodyPr/>
-                    <a:lstStyle/>
-                    <a:p>
-                      <a:r>
-                        <a:rPr lang="zh-CN" altLang="en-US" dirty="0"/>
-                        <a:t>用户</a:t>
-                      </a:r>
-                      <a:r>
-                        <a:rPr lang="en-US" altLang="zh-CN" dirty="0"/>
-                        <a:t>id</a:t>
-                      </a:r>
-                      <a:endParaRPr lang="zh-CN" altLang="en-US" dirty="0"/>
-                    </a:p>
-                  </a:txBody>
-                  <a:tcPr/>
-                </a:tc>
-                <a:extLst>
-                  <a:ext uri="{0D108BD9-81ED-4DB2-BD59-A6C34878D82A}">
-                    <a16:rowId xmlns:a16="http://schemas.microsoft.com/office/drawing/2014/main" val="3011970921"/>
-                  </a:ext>
-                </a:extLst>
-              </a:tr>
-              <a:tr h="385868">
-                <a:tc>
-                  <a:txBody>
-                    <a:bodyPr/>
-                    <a:lstStyle/>
-                    <a:p>
-                      <a:r>
-                        <a:rPr lang="zh-CN" altLang="en-US" dirty="0"/>
-                        <a:t>密码</a:t>
-                      </a:r>
-                    </a:p>
-                  </a:txBody>
-                  <a:tcPr/>
-                </a:tc>
-                <a:extLst>
-                  <a:ext uri="{0D108BD9-81ED-4DB2-BD59-A6C34878D82A}">
-                    <a16:rowId xmlns:a16="http://schemas.microsoft.com/office/drawing/2014/main" val="3837583194"/>
-                  </a:ext>
-                </a:extLst>
-              </a:tr>
-              <a:tr h="385868">
-                <a:tc>
-                  <a:txBody>
-                    <a:bodyPr/>
-                    <a:lstStyle/>
-                    <a:p>
-                      <a:r>
-                        <a:rPr lang="zh-CN" altLang="en-US" dirty="0"/>
-                        <a:t>操作令牌</a:t>
-                      </a:r>
-                    </a:p>
-                  </a:txBody>
-                  <a:tcPr/>
-                </a:tc>
-                <a:extLst>
-                  <a:ext uri="{0D108BD9-81ED-4DB2-BD59-A6C34878D82A}">
-                    <a16:rowId xmlns:a16="http://schemas.microsoft.com/office/drawing/2014/main" val="619324977"/>
-                  </a:ext>
-                </a:extLst>
-              </a:tr>
-              <a:tr h="385868">
-                <a:tc>
-                  <a:txBody>
-                    <a:bodyPr/>
-                    <a:lstStyle/>
-                    <a:p>
-                      <a:r>
-                        <a:rPr lang="zh-CN" altLang="en-US" dirty="0"/>
-                        <a:t>昵称</a:t>
-                      </a:r>
-                    </a:p>
-                  </a:txBody>
-                  <a:tcPr/>
-                </a:tc>
-                <a:extLst>
-                  <a:ext uri="{0D108BD9-81ED-4DB2-BD59-A6C34878D82A}">
-                    <a16:rowId xmlns:a16="http://schemas.microsoft.com/office/drawing/2014/main" val="2794376708"/>
-                  </a:ext>
-                </a:extLst>
-              </a:tr>
-              <a:tr h="385868">
-                <a:tc>
-                  <a:txBody>
-                    <a:bodyPr/>
-                    <a:lstStyle/>
-                    <a:p>
-                      <a:r>
-                        <a:rPr lang="zh-CN" altLang="en-US" dirty="0"/>
-                        <a:t>联系方式</a:t>
-                      </a:r>
-                    </a:p>
-                  </a:txBody>
-                  <a:tcPr/>
-                </a:tc>
-                <a:extLst>
-                  <a:ext uri="{0D108BD9-81ED-4DB2-BD59-A6C34878D82A}">
-                    <a16:rowId xmlns:a16="http://schemas.microsoft.com/office/drawing/2014/main" val="3957245386"/>
-                  </a:ext>
-                </a:extLst>
-              </a:tr>
-              <a:tr h="385868">
-                <a:tc>
-                  <a:txBody>
-                    <a:bodyPr/>
-                    <a:lstStyle/>
-                    <a:p>
-                      <a:r>
-                        <a:rPr lang="zh-CN" altLang="en-US" dirty="0"/>
-                        <a:t>校区</a:t>
-                      </a:r>
-                    </a:p>
-                  </a:txBody>
-                  <a:tcPr/>
-                </a:tc>
-                <a:extLst>
-                  <a:ext uri="{0D108BD9-81ED-4DB2-BD59-A6C34878D82A}">
-                    <a16:rowId xmlns:a16="http://schemas.microsoft.com/office/drawing/2014/main" val="3157105769"/>
-                  </a:ext>
-                </a:extLst>
-              </a:tr>
-              <a:tr h="192934">
-                <a:tc>
-                  <a:txBody>
-                    <a:bodyPr/>
-                    <a:lstStyle/>
-                    <a:p>
-                      <a:r>
-                        <a:rPr lang="zh-CN" altLang="en-US" dirty="0"/>
-                        <a:t>宿舍</a:t>
-                      </a:r>
-                    </a:p>
-                  </a:txBody>
-                  <a:tcPr/>
-                </a:tc>
-                <a:extLst>
-                  <a:ext uri="{0D108BD9-81ED-4DB2-BD59-A6C34878D82A}">
-                    <a16:rowId xmlns:a16="http://schemas.microsoft.com/office/drawing/2014/main" val="2191881096"/>
-                  </a:ext>
-                </a:extLst>
-              </a:tr>
-              <a:tr h="192934">
-                <a:tc>
-                  <a:txBody>
-                    <a:bodyPr/>
-                    <a:lstStyle/>
-                    <a:p>
-                      <a:r>
-                        <a:rPr lang="zh-CN" altLang="en-US" dirty="0"/>
-                        <a:t>学院</a:t>
-                      </a:r>
-                    </a:p>
-                  </a:txBody>
-                  <a:tcPr/>
-                </a:tc>
-                <a:extLst>
-                  <a:ext uri="{0D108BD9-81ED-4DB2-BD59-A6C34878D82A}">
-                    <a16:rowId xmlns:a16="http://schemas.microsoft.com/office/drawing/2014/main" val="4252436105"/>
-                  </a:ext>
-                </a:extLst>
-              </a:tr>
-            </a:tbl>
-          </a:graphicData>
-        </a:graphic>
-      </p:graphicFrame>
-      <p:graphicFrame>
-        <p:nvGraphicFramePr>
-          <p:cNvPr id="7" name="表格 4">
-            <a:extLst>
-              <a:ext uri="{FF2B5EF4-FFF2-40B4-BE49-F238E27FC236}">
-                <a16:creationId xmlns:a16="http://schemas.microsoft.com/office/drawing/2014/main" id="{6AD2B471-4BBF-44BA-827F-A75E7B2F4D0F}"/>
-              </a:ext>
-            </a:extLst>
-          </p:cNvPr>
-          <p:cNvGraphicFramePr>
-            <a:graphicFrameLocks noGrp="1"/>
-          </p:cNvGraphicFramePr>
-          <p:nvPr>
-            <p:extLst>
-              <p:ext uri="{D42A27DB-BD31-4B8C-83A1-F6EECF244321}">
-                <p14:modId xmlns:p14="http://schemas.microsoft.com/office/powerpoint/2010/main" val="2262257835"/>
-              </p:ext>
-            </p:extLst>
-          </p:nvPr>
-        </p:nvGraphicFramePr>
-        <p:xfrm>
-          <a:off x="7919720" y="684112"/>
-          <a:ext cx="1366520" cy="3798356"/>
-        </p:xfrm>
-        <a:graphic>
-          <a:graphicData uri="http://schemas.openxmlformats.org/drawingml/2006/table">
-            <a:tbl>
-              <a:tblPr firstRow="1" bandRow="1">
-                <a:tableStyleId>{5C22544A-7EE6-4342-B048-85BDC9FD1C3A}</a:tableStyleId>
-              </a:tblPr>
-              <a:tblGrid>
-                <a:gridCol w="1366520">
-                  <a:extLst>
-                    <a:ext uri="{9D8B030D-6E8A-4147-A177-3AD203B41FA5}">
-                      <a16:colId xmlns:a16="http://schemas.microsoft.com/office/drawing/2014/main" val="1794747928"/>
-                    </a:ext>
-                  </a:extLst>
-                </a:gridCol>
-              </a:tblGrid>
-              <a:tr h="385868">
-                <a:tc>
-                  <a:txBody>
-                    <a:bodyPr/>
-                    <a:lstStyle/>
-                    <a:p>
-                      <a:r>
-                        <a:rPr lang="zh-CN" altLang="en-US" dirty="0"/>
-                        <a:t>出售物品</a:t>
-                      </a:r>
-                    </a:p>
-                  </a:txBody>
-                  <a:tcPr/>
-                </a:tc>
-                <a:extLst>
-                  <a:ext uri="{0D108BD9-81ED-4DB2-BD59-A6C34878D82A}">
-                    <a16:rowId xmlns:a16="http://schemas.microsoft.com/office/drawing/2014/main" val="3993809138"/>
-                  </a:ext>
-                </a:extLst>
-              </a:tr>
-              <a:tr h="385868">
-                <a:tc>
-                  <a:txBody>
-                    <a:bodyPr/>
-                    <a:lstStyle/>
-                    <a:p>
-                      <a:r>
-                        <a:rPr lang="zh-CN" altLang="en-US" dirty="0"/>
-                        <a:t>物品名</a:t>
-                      </a:r>
-                    </a:p>
-                  </a:txBody>
-                  <a:tcPr/>
-                </a:tc>
-                <a:extLst>
-                  <a:ext uri="{0D108BD9-81ED-4DB2-BD59-A6C34878D82A}">
-                    <a16:rowId xmlns:a16="http://schemas.microsoft.com/office/drawing/2014/main" val="3011970921"/>
-                  </a:ext>
-                </a:extLst>
-              </a:tr>
-              <a:tr h="385868">
-                <a:tc>
-                  <a:txBody>
-                    <a:bodyPr/>
-                    <a:lstStyle/>
-                    <a:p>
-                      <a:r>
-                        <a:rPr lang="zh-CN" altLang="en-US" dirty="0"/>
-                        <a:t>所属类型</a:t>
-                      </a:r>
-                    </a:p>
-                  </a:txBody>
-                  <a:tcPr/>
-                </a:tc>
-                <a:extLst>
-                  <a:ext uri="{0D108BD9-81ED-4DB2-BD59-A6C34878D82A}">
-                    <a16:rowId xmlns:a16="http://schemas.microsoft.com/office/drawing/2014/main" val="3837583194"/>
-                  </a:ext>
-                </a:extLst>
-              </a:tr>
-              <a:tr h="385868">
-                <a:tc>
-                  <a:txBody>
-                    <a:bodyPr/>
-                    <a:lstStyle/>
-                    <a:p>
-                      <a:r>
-                        <a:rPr lang="zh-CN" altLang="en-US" dirty="0"/>
-                        <a:t>原价</a:t>
-                      </a:r>
-                    </a:p>
-                  </a:txBody>
-                  <a:tcPr/>
-                </a:tc>
-                <a:extLst>
-                  <a:ext uri="{0D108BD9-81ED-4DB2-BD59-A6C34878D82A}">
-                    <a16:rowId xmlns:a16="http://schemas.microsoft.com/office/drawing/2014/main" val="619324977"/>
-                  </a:ext>
-                </a:extLst>
-              </a:tr>
-              <a:tr h="385868">
-                <a:tc>
-                  <a:txBody>
-                    <a:bodyPr/>
-                    <a:lstStyle/>
-                    <a:p>
-                      <a:r>
-                        <a:rPr lang="zh-CN" altLang="en-US" dirty="0"/>
-                        <a:t>售价</a:t>
-                      </a:r>
-                    </a:p>
-                  </a:txBody>
-                  <a:tcPr/>
-                </a:tc>
-                <a:extLst>
-                  <a:ext uri="{0D108BD9-81ED-4DB2-BD59-A6C34878D82A}">
-                    <a16:rowId xmlns:a16="http://schemas.microsoft.com/office/drawing/2014/main" val="2794376708"/>
-                  </a:ext>
-                </a:extLst>
-              </a:tr>
-              <a:tr h="385868">
-                <a:tc>
-                  <a:txBody>
-                    <a:bodyPr/>
-                    <a:lstStyle/>
-                    <a:p>
-                      <a:r>
-                        <a:rPr lang="zh-CN" altLang="en-US" dirty="0"/>
-                        <a:t>描述</a:t>
-                      </a:r>
-                    </a:p>
-                  </a:txBody>
-                  <a:tcPr/>
-                </a:tc>
-                <a:extLst>
-                  <a:ext uri="{0D108BD9-81ED-4DB2-BD59-A6C34878D82A}">
-                    <a16:rowId xmlns:a16="http://schemas.microsoft.com/office/drawing/2014/main" val="3957245386"/>
-                  </a:ext>
-                </a:extLst>
-              </a:tr>
-              <a:tr h="385868">
-                <a:tc>
-                  <a:txBody>
-                    <a:bodyPr/>
-                    <a:lstStyle/>
-                    <a:p>
-                      <a:r>
-                        <a:rPr lang="zh-CN" altLang="en-US" dirty="0"/>
-                        <a:t>封面图</a:t>
-                      </a:r>
-                    </a:p>
-                  </a:txBody>
-                  <a:tcPr/>
-                </a:tc>
-                <a:extLst>
-                  <a:ext uri="{0D108BD9-81ED-4DB2-BD59-A6C34878D82A}">
-                    <a16:rowId xmlns:a16="http://schemas.microsoft.com/office/drawing/2014/main" val="3157105769"/>
-                  </a:ext>
-                </a:extLst>
-              </a:tr>
-              <a:tr h="128623">
-                <a:tc>
-                  <a:txBody>
-                    <a:bodyPr/>
-                    <a:lstStyle/>
-                    <a:p>
-                      <a:r>
-                        <a:rPr lang="zh-CN" altLang="en-US" dirty="0"/>
-                        <a:t>描述图片</a:t>
-                      </a:r>
-                      <a:r>
-                        <a:rPr lang="en-US" altLang="zh-CN" dirty="0"/>
-                        <a:t>1</a:t>
-                      </a:r>
-                      <a:endParaRPr lang="zh-CN" altLang="en-US" dirty="0"/>
-                    </a:p>
-                  </a:txBody>
-                  <a:tcPr/>
-                </a:tc>
-                <a:extLst>
-                  <a:ext uri="{0D108BD9-81ED-4DB2-BD59-A6C34878D82A}">
-                    <a16:rowId xmlns:a16="http://schemas.microsoft.com/office/drawing/2014/main" val="2191881096"/>
-                  </a:ext>
-                </a:extLst>
-              </a:tr>
-              <a:tr h="237137">
-                <a:tc>
-                  <a:txBody>
-                    <a:bodyPr/>
-                    <a:lstStyle/>
-                    <a:p>
-                      <a:pPr marL="0" marR="0" lvl="0" indent="0" algn="l" defTabSz="914400" rtl="0" eaLnBrk="1" fontAlgn="auto" latinLnBrk="0" hangingPunct="1">
-                        <a:lnSpc>
-                          <a:spcPct val="100000"/>
-                        </a:lnSpc>
-                        <a:spcBef>
-                          <a:spcPts val="0"/>
-                        </a:spcBef>
-                        <a:spcAft>
-                          <a:spcPts val="0"/>
-                        </a:spcAft>
-                        <a:buClrTx/>
-                        <a:buSzTx/>
-                        <a:buFontTx/>
-                        <a:buNone/>
-                        <a:tabLst/>
-                        <a:defRPr/>
-                      </a:pPr>
-                      <a:r>
-                        <a:rPr lang="zh-CN" altLang="en-US" dirty="0"/>
-                        <a:t>描述图片</a:t>
-                      </a:r>
-                      <a:r>
-                        <a:rPr lang="en-US" altLang="zh-CN" dirty="0"/>
-                        <a:t>2</a:t>
-                      </a:r>
-                      <a:endParaRPr lang="zh-CN" altLang="en-US" dirty="0"/>
-                    </a:p>
-                  </a:txBody>
-                  <a:tcPr/>
-                </a:tc>
-                <a:extLst>
-                  <a:ext uri="{0D108BD9-81ED-4DB2-BD59-A6C34878D82A}">
-                    <a16:rowId xmlns:a16="http://schemas.microsoft.com/office/drawing/2014/main" val="4225003604"/>
-                  </a:ext>
-                </a:extLst>
-              </a:tr>
-              <a:tr h="128623">
-                <a:tc>
-                  <a:txBody>
-                    <a:bodyPr/>
-                    <a:lstStyle/>
-                    <a:p>
-                      <a:pPr marL="0" marR="0" lvl="0" indent="0" algn="l" defTabSz="914400" rtl="0" eaLnBrk="1" fontAlgn="auto" latinLnBrk="0" hangingPunct="1">
-                        <a:lnSpc>
-                          <a:spcPct val="100000"/>
-                        </a:lnSpc>
-                        <a:spcBef>
-                          <a:spcPts val="0"/>
-                        </a:spcBef>
-                        <a:spcAft>
-                          <a:spcPts val="0"/>
-                        </a:spcAft>
-                        <a:buClrTx/>
-                        <a:buSzTx/>
-                        <a:buFontTx/>
-                        <a:buNone/>
-                        <a:tabLst/>
-                        <a:defRPr/>
-                      </a:pPr>
-                      <a:r>
-                        <a:rPr lang="zh-CN" altLang="en-US" dirty="0"/>
-                        <a:t>描述图片</a:t>
-                      </a:r>
-                      <a:r>
-                        <a:rPr lang="en-US" altLang="zh-CN" dirty="0"/>
-                        <a:t>3</a:t>
-                      </a:r>
-                      <a:endParaRPr lang="zh-CN" altLang="en-US" dirty="0"/>
-                    </a:p>
-                  </a:txBody>
-                  <a:tcPr/>
-                </a:tc>
-                <a:extLst>
-                  <a:ext uri="{0D108BD9-81ED-4DB2-BD59-A6C34878D82A}">
-                    <a16:rowId xmlns:a16="http://schemas.microsoft.com/office/drawing/2014/main" val="2258934420"/>
-                  </a:ext>
-                </a:extLst>
-              </a:tr>
-            </a:tbl>
-          </a:graphicData>
-        </a:graphic>
-      </p:graphicFrame>
-      <p:graphicFrame>
-        <p:nvGraphicFramePr>
-          <p:cNvPr id="21" name="表格 4">
-            <a:extLst>
-              <a:ext uri="{FF2B5EF4-FFF2-40B4-BE49-F238E27FC236}">
-                <a16:creationId xmlns:a16="http://schemas.microsoft.com/office/drawing/2014/main" id="{3BA4D91E-4D83-4B47-9654-6FF8146D9D10}"/>
-              </a:ext>
-            </a:extLst>
-          </p:cNvPr>
-          <p:cNvGraphicFramePr>
-            <a:graphicFrameLocks noGrp="1"/>
-          </p:cNvGraphicFramePr>
-          <p:nvPr>
-            <p:extLst>
-              <p:ext uri="{D42A27DB-BD31-4B8C-83A1-F6EECF244321}">
-                <p14:modId xmlns:p14="http://schemas.microsoft.com/office/powerpoint/2010/main" val="447169060"/>
-              </p:ext>
-            </p:extLst>
-          </p:nvPr>
-        </p:nvGraphicFramePr>
-        <p:xfrm>
-          <a:off x="403860" y="1110938"/>
-          <a:ext cx="1366520" cy="3086944"/>
-        </p:xfrm>
-        <a:graphic>
-          <a:graphicData uri="http://schemas.openxmlformats.org/drawingml/2006/table">
-            <a:tbl>
-              <a:tblPr firstRow="1" bandRow="1">
-                <a:tableStyleId>{5C22544A-7EE6-4342-B048-85BDC9FD1C3A}</a:tableStyleId>
-              </a:tblPr>
-              <a:tblGrid>
-                <a:gridCol w="1366520">
-                  <a:extLst>
-                    <a:ext uri="{9D8B030D-6E8A-4147-A177-3AD203B41FA5}">
-                      <a16:colId xmlns:a16="http://schemas.microsoft.com/office/drawing/2014/main" val="1794747928"/>
-                    </a:ext>
-                  </a:extLst>
-                </a:gridCol>
-              </a:tblGrid>
-              <a:tr h="385868">
-                <a:tc>
-                  <a:txBody>
-                    <a:bodyPr/>
-                    <a:lstStyle/>
-                    <a:p>
-                      <a:r>
-                        <a:rPr lang="zh-CN" altLang="en-US" dirty="0"/>
-                        <a:t>求物品</a:t>
-                      </a:r>
-                    </a:p>
-                  </a:txBody>
-                  <a:tcPr/>
-                </a:tc>
-                <a:extLst>
-                  <a:ext uri="{0D108BD9-81ED-4DB2-BD59-A6C34878D82A}">
-                    <a16:rowId xmlns:a16="http://schemas.microsoft.com/office/drawing/2014/main" val="3993809138"/>
-                  </a:ext>
-                </a:extLst>
-              </a:tr>
-              <a:tr h="385868">
-                <a:tc>
-                  <a:txBody>
-                    <a:bodyPr/>
-                    <a:lstStyle/>
-                    <a:p>
-                      <a:r>
-                        <a:rPr lang="zh-CN" altLang="en-US" dirty="0"/>
-                        <a:t>物品名</a:t>
-                      </a:r>
-                    </a:p>
-                  </a:txBody>
-                  <a:tcPr/>
-                </a:tc>
-                <a:extLst>
-                  <a:ext uri="{0D108BD9-81ED-4DB2-BD59-A6C34878D82A}">
-                    <a16:rowId xmlns:a16="http://schemas.microsoft.com/office/drawing/2014/main" val="3011970921"/>
-                  </a:ext>
-                </a:extLst>
-              </a:tr>
-              <a:tr h="385868">
-                <a:tc>
-                  <a:txBody>
-                    <a:bodyPr/>
-                    <a:lstStyle/>
-                    <a:p>
-                      <a:r>
-                        <a:rPr lang="zh-CN" altLang="en-US" dirty="0"/>
-                        <a:t>所属类型</a:t>
-                      </a:r>
-                    </a:p>
-                  </a:txBody>
-                  <a:tcPr/>
-                </a:tc>
-                <a:extLst>
-                  <a:ext uri="{0D108BD9-81ED-4DB2-BD59-A6C34878D82A}">
-                    <a16:rowId xmlns:a16="http://schemas.microsoft.com/office/drawing/2014/main" val="3837583194"/>
-                  </a:ext>
-                </a:extLst>
-              </a:tr>
-              <a:tr h="385868">
-                <a:tc>
-                  <a:txBody>
-                    <a:bodyPr/>
-                    <a:lstStyle/>
-                    <a:p>
-                      <a:pPr marL="0" marR="0" lvl="0" indent="0" algn="l" defTabSz="914400" rtl="0" eaLnBrk="1" fontAlgn="auto" latinLnBrk="0" hangingPunct="1">
-                        <a:lnSpc>
-                          <a:spcPct val="100000"/>
-                        </a:lnSpc>
-                        <a:spcBef>
-                          <a:spcPts val="0"/>
-                        </a:spcBef>
-                        <a:spcAft>
-                          <a:spcPts val="0"/>
-                        </a:spcAft>
-                        <a:buClrTx/>
-                        <a:buSzTx/>
-                        <a:buFontTx/>
-                        <a:buNone/>
-                        <a:tabLst/>
-                        <a:defRPr/>
-                      </a:pPr>
-                      <a:r>
-                        <a:rPr lang="zh-CN" altLang="en-US" dirty="0"/>
-                        <a:t>描述</a:t>
-                      </a:r>
-                    </a:p>
-                  </a:txBody>
-                  <a:tcPr/>
-                </a:tc>
-                <a:extLst>
-                  <a:ext uri="{0D108BD9-81ED-4DB2-BD59-A6C34878D82A}">
-                    <a16:rowId xmlns:a16="http://schemas.microsoft.com/office/drawing/2014/main" val="619324977"/>
-                  </a:ext>
-                </a:extLst>
-              </a:tr>
-              <a:tr h="385868">
-                <a:tc>
-                  <a:txBody>
-                    <a:bodyPr/>
-                    <a:lstStyle/>
-                    <a:p>
-                      <a:pPr marL="0" marR="0" lvl="0" indent="0" algn="l" defTabSz="914400" rtl="0" eaLnBrk="1" fontAlgn="auto" latinLnBrk="0" hangingPunct="1">
-                        <a:lnSpc>
-                          <a:spcPct val="100000"/>
-                        </a:lnSpc>
-                        <a:spcBef>
-                          <a:spcPts val="0"/>
-                        </a:spcBef>
-                        <a:spcAft>
-                          <a:spcPts val="0"/>
-                        </a:spcAft>
-                        <a:buClrTx/>
-                        <a:buSzTx/>
-                        <a:buFontTx/>
-                        <a:buNone/>
-                        <a:tabLst/>
-                        <a:defRPr/>
-                      </a:pPr>
-                      <a:r>
-                        <a:rPr lang="zh-CN" altLang="en-US" dirty="0"/>
-                        <a:t>封面图</a:t>
-                      </a:r>
-                    </a:p>
-                  </a:txBody>
-                  <a:tcPr/>
-                </a:tc>
-                <a:extLst>
-                  <a:ext uri="{0D108BD9-81ED-4DB2-BD59-A6C34878D82A}">
-                    <a16:rowId xmlns:a16="http://schemas.microsoft.com/office/drawing/2014/main" val="2794376708"/>
-                  </a:ext>
-                </a:extLst>
-              </a:tr>
-              <a:tr h="385868">
-                <a:tc>
-                  <a:txBody>
-                    <a:bodyPr/>
-                    <a:lstStyle/>
-                    <a:p>
-                      <a:endParaRPr lang="zh-CN" altLang="en-US" dirty="0"/>
-                    </a:p>
-                  </a:txBody>
-                  <a:tcPr/>
-                </a:tc>
-                <a:extLst>
-                  <a:ext uri="{0D108BD9-81ED-4DB2-BD59-A6C34878D82A}">
-                    <a16:rowId xmlns:a16="http://schemas.microsoft.com/office/drawing/2014/main" val="3957245386"/>
-                  </a:ext>
-                </a:extLst>
-              </a:tr>
-              <a:tr h="385868">
-                <a:tc>
-                  <a:txBody>
-                    <a:bodyPr/>
-                    <a:lstStyle/>
-                    <a:p>
-                      <a:endParaRPr lang="zh-CN" altLang="en-US" dirty="0"/>
-                    </a:p>
-                  </a:txBody>
-                  <a:tcPr/>
-                </a:tc>
-                <a:extLst>
-                  <a:ext uri="{0D108BD9-81ED-4DB2-BD59-A6C34878D82A}">
-                    <a16:rowId xmlns:a16="http://schemas.microsoft.com/office/drawing/2014/main" val="3157105769"/>
-                  </a:ext>
-                </a:extLst>
-              </a:tr>
-              <a:tr h="385868">
-                <a:tc>
-                  <a:txBody>
-                    <a:bodyPr/>
-                    <a:lstStyle/>
-                    <a:p>
-                      <a:endParaRPr lang="zh-CN" altLang="en-US" dirty="0"/>
-                    </a:p>
-                  </a:txBody>
-                  <a:tcPr/>
-                </a:tc>
-                <a:extLst>
-                  <a:ext uri="{0D108BD9-81ED-4DB2-BD59-A6C34878D82A}">
-                    <a16:rowId xmlns:a16="http://schemas.microsoft.com/office/drawing/2014/main" val="2191881096"/>
-                  </a:ext>
-                </a:extLst>
-              </a:tr>
-            </a:tbl>
-          </a:graphicData>
-        </a:graphic>
-      </p:graphicFrame>
-      <p:cxnSp>
-        <p:nvCxnSpPr>
-          <p:cNvPr id="9" name="直接连接符 8">
-            <a:extLst>
-              <a:ext uri="{FF2B5EF4-FFF2-40B4-BE49-F238E27FC236}">
-                <a16:creationId xmlns:a16="http://schemas.microsoft.com/office/drawing/2014/main" id="{F1C9E8E7-51BD-4751-9A9C-06939CC8EEE8}"/>
-              </a:ext>
-            </a:extLst>
-          </p:cNvPr>
-          <p:cNvCxnSpPr>
-            <a:cxnSpLocks/>
-            <a:stCxn id="21" idx="3"/>
-            <a:endCxn id="4" idx="1"/>
-          </p:cNvCxnSpPr>
-          <p:nvPr/>
-        </p:nvCxnSpPr>
-        <p:spPr>
-          <a:xfrm>
-            <a:off x="1770380" y="2654410"/>
-            <a:ext cx="2103120" cy="0"/>
-          </a:xfrm>
-          <a:prstGeom prst="line">
-            <a:avLst/>
-          </a:prstGeom>
-        </p:spPr>
-        <p:style>
-          <a:lnRef idx="1">
-            <a:schemeClr val="accent1"/>
-          </a:lnRef>
-          <a:fillRef idx="0">
-            <a:schemeClr val="accent1"/>
-          </a:fillRef>
-          <a:effectRef idx="0">
-            <a:schemeClr val="accent1"/>
-          </a:effectRef>
-          <a:fontRef idx="minor">
-            <a:schemeClr val="tx1"/>
-          </a:fontRef>
-        </p:style>
-      </p:cxnSp>
-      <p:sp>
-        <p:nvSpPr>
-          <p:cNvPr id="13" name="文本框 12">
-            <a:extLst>
-              <a:ext uri="{FF2B5EF4-FFF2-40B4-BE49-F238E27FC236}">
-                <a16:creationId xmlns:a16="http://schemas.microsoft.com/office/drawing/2014/main" id="{9075EA83-AB5E-4B3C-B6D6-BAFF42D5D33D}"/>
-              </a:ext>
-            </a:extLst>
-          </p:cNvPr>
-          <p:cNvSpPr txBox="1"/>
-          <p:nvPr/>
-        </p:nvSpPr>
-        <p:spPr>
-          <a:xfrm>
-            <a:off x="1904862" y="2285078"/>
-            <a:ext cx="2024913" cy="369332"/>
-          </a:xfrm>
-          <a:prstGeom prst="rect">
-            <a:avLst/>
-          </a:prstGeom>
-          <a:noFill/>
-        </p:spPr>
-        <p:txBody>
-          <a:bodyPr wrap="none" rtlCol="0">
-            <a:spAutoFit/>
-          </a:bodyPr>
-          <a:lstStyle/>
-          <a:p>
-            <a:r>
-              <a:rPr lang="zh-CN" altLang="en-US" dirty="0"/>
-              <a:t> </a:t>
-            </a:r>
-            <a:r>
-              <a:rPr lang="en-US" altLang="zh-CN" dirty="0"/>
-              <a:t>0..*</a:t>
-            </a:r>
-            <a:r>
-              <a:rPr lang="zh-CN" altLang="en-US" dirty="0"/>
-              <a:t>    创建       </a:t>
-            </a:r>
-            <a:r>
-              <a:rPr lang="en-US" altLang="zh-CN" dirty="0"/>
-              <a:t>1</a:t>
-            </a:r>
-            <a:r>
-              <a:rPr lang="zh-CN" altLang="en-US" dirty="0"/>
-              <a:t>   </a:t>
-            </a:r>
-          </a:p>
-        </p:txBody>
-      </p:sp>
-      <p:cxnSp>
-        <p:nvCxnSpPr>
-          <p:cNvPr id="15" name="直接连接符 14">
-            <a:extLst>
-              <a:ext uri="{FF2B5EF4-FFF2-40B4-BE49-F238E27FC236}">
-                <a16:creationId xmlns:a16="http://schemas.microsoft.com/office/drawing/2014/main" id="{96D680A4-15FA-4A73-BEE7-0B50D69D7E61}"/>
-              </a:ext>
-            </a:extLst>
-          </p:cNvPr>
-          <p:cNvCxnSpPr>
-            <a:cxnSpLocks/>
-            <a:stCxn id="4" idx="3"/>
-            <a:endCxn id="7" idx="1"/>
-          </p:cNvCxnSpPr>
-          <p:nvPr/>
-        </p:nvCxnSpPr>
-        <p:spPr>
-          <a:xfrm flipV="1">
-            <a:off x="5240020" y="2583290"/>
-            <a:ext cx="2679700" cy="71120"/>
-          </a:xfrm>
-          <a:prstGeom prst="line">
-            <a:avLst/>
-          </a:prstGeom>
-        </p:spPr>
-        <p:style>
-          <a:lnRef idx="1">
-            <a:schemeClr val="accent1"/>
-          </a:lnRef>
-          <a:fillRef idx="0">
-            <a:schemeClr val="accent1"/>
-          </a:fillRef>
-          <a:effectRef idx="0">
-            <a:schemeClr val="accent1"/>
-          </a:effectRef>
-          <a:fontRef idx="minor">
-            <a:schemeClr val="tx1"/>
-          </a:fontRef>
-        </p:style>
-      </p:cxnSp>
-      <p:cxnSp>
-        <p:nvCxnSpPr>
-          <p:cNvPr id="18" name="直接连接符 17">
-            <a:extLst>
-              <a:ext uri="{FF2B5EF4-FFF2-40B4-BE49-F238E27FC236}">
-                <a16:creationId xmlns:a16="http://schemas.microsoft.com/office/drawing/2014/main" id="{6E6568B0-48A2-4996-AA67-1F496E1CFDE9}"/>
-              </a:ext>
-            </a:extLst>
-          </p:cNvPr>
-          <p:cNvCxnSpPr/>
-          <p:nvPr/>
-        </p:nvCxnSpPr>
-        <p:spPr>
-          <a:xfrm>
-            <a:off x="5240020" y="3891280"/>
-            <a:ext cx="2679700" cy="0"/>
-          </a:xfrm>
-          <a:prstGeom prst="line">
-            <a:avLst/>
-          </a:prstGeom>
-        </p:spPr>
-        <p:style>
-          <a:lnRef idx="1">
-            <a:schemeClr val="accent1"/>
-          </a:lnRef>
-          <a:fillRef idx="0">
-            <a:schemeClr val="accent1"/>
-          </a:fillRef>
-          <a:effectRef idx="0">
-            <a:schemeClr val="accent1"/>
-          </a:effectRef>
-          <a:fontRef idx="minor">
-            <a:schemeClr val="tx1"/>
-          </a:fontRef>
-        </p:style>
-      </p:cxnSp>
-      <p:sp>
-        <p:nvSpPr>
-          <p:cNvPr id="22" name="文本框 21">
-            <a:extLst>
-              <a:ext uri="{FF2B5EF4-FFF2-40B4-BE49-F238E27FC236}">
-                <a16:creationId xmlns:a16="http://schemas.microsoft.com/office/drawing/2014/main" id="{800E3CF4-CCB6-472D-9CB1-2127159353E0}"/>
-              </a:ext>
-            </a:extLst>
-          </p:cNvPr>
-          <p:cNvSpPr txBox="1"/>
-          <p:nvPr/>
-        </p:nvSpPr>
-        <p:spPr>
-          <a:xfrm>
-            <a:off x="5412723" y="2213958"/>
-            <a:ext cx="2775119" cy="369332"/>
-          </a:xfrm>
-          <a:prstGeom prst="rect">
-            <a:avLst/>
-          </a:prstGeom>
-          <a:noFill/>
-        </p:spPr>
-        <p:txBody>
-          <a:bodyPr wrap="none" rtlCol="0">
-            <a:spAutoFit/>
-          </a:bodyPr>
-          <a:lstStyle/>
-          <a:p>
-            <a:r>
-              <a:rPr lang="zh-CN" altLang="en-US" dirty="0"/>
-              <a:t>  </a:t>
-            </a:r>
-            <a:r>
-              <a:rPr lang="en-US" altLang="zh-CN" dirty="0"/>
-              <a:t>1</a:t>
-            </a:r>
-            <a:r>
-              <a:rPr lang="zh-CN" altLang="en-US" dirty="0"/>
-              <a:t>         创建          </a:t>
-            </a:r>
-            <a:r>
-              <a:rPr lang="en-US" altLang="zh-CN" dirty="0"/>
-              <a:t>0..*</a:t>
-            </a:r>
-            <a:r>
-              <a:rPr lang="zh-CN" altLang="en-US" dirty="0"/>
-              <a:t>      </a:t>
-            </a:r>
-          </a:p>
-        </p:txBody>
-      </p:sp>
-      <p:sp>
-        <p:nvSpPr>
-          <p:cNvPr id="36" name="文本框 35">
-            <a:extLst>
-              <a:ext uri="{FF2B5EF4-FFF2-40B4-BE49-F238E27FC236}">
-                <a16:creationId xmlns:a16="http://schemas.microsoft.com/office/drawing/2014/main" id="{2800D151-94A6-423B-923B-4488A2ECC039}"/>
-              </a:ext>
-            </a:extLst>
-          </p:cNvPr>
-          <p:cNvSpPr txBox="1"/>
-          <p:nvPr/>
-        </p:nvSpPr>
-        <p:spPr>
-          <a:xfrm>
-            <a:off x="5278662" y="3429000"/>
-            <a:ext cx="3092513" cy="369332"/>
-          </a:xfrm>
-          <a:prstGeom prst="rect">
-            <a:avLst/>
-          </a:prstGeom>
-          <a:noFill/>
-        </p:spPr>
-        <p:txBody>
-          <a:bodyPr wrap="none" rtlCol="0">
-            <a:spAutoFit/>
-          </a:bodyPr>
-          <a:lstStyle/>
-          <a:p>
-            <a:r>
-              <a:rPr lang="zh-CN" altLang="en-US" dirty="0"/>
-              <a:t>  </a:t>
-            </a:r>
-            <a:r>
-              <a:rPr lang="en-US" altLang="zh-CN" dirty="0"/>
-              <a:t>1</a:t>
-            </a:r>
-            <a:r>
-              <a:rPr lang="zh-CN" altLang="en-US" dirty="0"/>
-              <a:t>      加入购物车      </a:t>
-            </a:r>
-            <a:r>
-              <a:rPr lang="en-US" altLang="zh-CN" dirty="0"/>
-              <a:t>0..*</a:t>
-            </a:r>
-            <a:r>
-              <a:rPr lang="zh-CN" altLang="en-US" dirty="0"/>
-              <a:t>      </a:t>
-            </a:r>
-          </a:p>
-        </p:txBody>
-      </p:sp>
-    </p:spTree>
-    <p:extLst>
-      <p:ext uri="{BB962C8B-B14F-4D97-AF65-F5344CB8AC3E}">
-        <p14:creationId xmlns:p14="http://schemas.microsoft.com/office/powerpoint/2010/main" val="2617157510"/>
-      </p:ext>
-    </p:extLst>
-  </p:cSld>
-  <p:clrMapOvr>
-    <a:masterClrMapping/>
-  </p:clrMapOvr>
-</p:sld>
-</file>
-
-<file path=ppt/slides/slide2.xml><?xml version="1.0" encoding="utf-8"?>
-<p:sld xmlns:a="http://schemas.openxmlformats.org/drawingml/2006/main" xmlns:r="http://schemas.openxmlformats.org/officeDocument/2006/relationships" xmlns:p="http://schemas.openxmlformats.org/presentationml/2006/main">
-  <p:cSld>
-    <p:spTree>
-      <p:nvGrpSpPr>
-        <p:cNvPr id="1" name=""/>
-        <p:cNvGrpSpPr/>
-        <p:nvPr/>
-      </p:nvGrpSpPr>
-      <p:grpSpPr>
-        <a:xfrm>
-          <a:off x="0" y="0"/>
-          <a:ext cx="0" cy="0"/>
-          <a:chOff x="0" y="0"/>
-          <a:chExt cx="0" cy="0"/>
-        </a:xfrm>
-      </p:grpSpPr>
-      <p:graphicFrame>
-        <p:nvGraphicFramePr>
-          <p:cNvPr id="4" name="表格 4">
-            <a:extLst>
-              <a:ext uri="{FF2B5EF4-FFF2-40B4-BE49-F238E27FC236}">
-                <a16:creationId xmlns:a16="http://schemas.microsoft.com/office/drawing/2014/main" id="{68DD9BB7-E9C5-49A1-B97E-62B98CF54E00}"/>
-              </a:ext>
-            </a:extLst>
-          </p:cNvPr>
-          <p:cNvGraphicFramePr>
-            <a:graphicFrameLocks noGrp="1"/>
-          </p:cNvGraphicFramePr>
-          <p:nvPr>
-            <p:extLst>
-              <p:ext uri="{D42A27DB-BD31-4B8C-83A1-F6EECF244321}">
                 <p14:modId xmlns:p14="http://schemas.microsoft.com/office/powerpoint/2010/main" val="3443316677"/>
               </p:ext>
             </p:extLst>
@@ -4629,7 +3581,7 @@
           <p:nvPr>
             <p:extLst>
               <p:ext uri="{D42A27DB-BD31-4B8C-83A1-F6EECF244321}">
-                <p14:modId xmlns:p14="http://schemas.microsoft.com/office/powerpoint/2010/main" val="386196313"/>
+                <p14:modId xmlns:p14="http://schemas.microsoft.com/office/powerpoint/2010/main" val="1492295198"/>
               </p:ext>
             </p:extLst>
           </p:nvPr>
@@ -4661,7 +3613,7 @@
                     <a:p>
                       <a:r>
                         <a:rPr lang="zh-CN" altLang="en-US" dirty="0"/>
-                        <a:t>出售物品</a:t>
+                        <a:t>二手商品</a:t>
                       </a:r>
                     </a:p>
                   </a:txBody>
@@ -4865,13 +3817,13 @@
           <p:nvPr>
             <p:extLst>
               <p:ext uri="{D42A27DB-BD31-4B8C-83A1-F6EECF244321}">
-                <p14:modId xmlns:p14="http://schemas.microsoft.com/office/powerpoint/2010/main" val="2708805394"/>
+                <p14:modId xmlns:p14="http://schemas.microsoft.com/office/powerpoint/2010/main" val="2923588007"/>
               </p:ext>
             </p:extLst>
           </p:nvPr>
         </p:nvGraphicFramePr>
         <p:xfrm>
-          <a:off x="10362090" y="3208191"/>
+          <a:off x="10425536" y="4173826"/>
           <a:ext cx="1366520" cy="2564377"/>
         </p:xfrm>
         <a:graphic>
@@ -4897,7 +3849,7 @@
                     <a:p>
                       <a:r>
                         <a:rPr lang="zh-CN" altLang="en-US" dirty="0"/>
-                        <a:t>求物品</a:t>
+                        <a:t>求物</a:t>
                       </a:r>
                     </a:p>
                   </a:txBody>
@@ -5216,7 +4168,7 @@
         </p:nvSpPr>
         <p:spPr>
           <a:xfrm rot="18990800">
-            <a:off x="8733710" y="3889822"/>
+            <a:off x="8786923" y="5488953"/>
             <a:ext cx="809997" cy="783885"/>
           </a:xfrm>
           <a:prstGeom prst="rect">
@@ -5266,7 +4218,7 @@
           <p:nvPr>
             <p:extLst>
               <p:ext uri="{D42A27DB-BD31-4B8C-83A1-F6EECF244321}">
-                <p14:modId xmlns:p14="http://schemas.microsoft.com/office/powerpoint/2010/main" val="1633669670"/>
+                <p14:modId xmlns:p14="http://schemas.microsoft.com/office/powerpoint/2010/main" val="1449217313"/>
               </p:ext>
             </p:extLst>
           </p:nvPr>
@@ -5298,7 +4250,18 @@
                     <a:p>
                       <a:r>
                         <a:rPr lang="zh-CN" altLang="en-US" dirty="0"/>
-                        <a:t>完成交易物品</a:t>
+                        <a:t>已交易的</a:t>
+                      </a:r>
+                      <a:endParaRPr lang="en-US" altLang="zh-CN"/>
+                    </a:p>
+                    <a:p>
+                      <a:r>
+                        <a:rPr lang="zh-CN" altLang="en-US"/>
+                        <a:t>二手</a:t>
+                      </a:r>
+                      <a:r>
+                        <a:rPr lang="zh-CN" altLang="en-US" dirty="0"/>
+                        <a:t>商品</a:t>
                       </a:r>
                     </a:p>
                   </a:txBody>
@@ -5501,7 +4464,7 @@
         </p:nvSpPr>
         <p:spPr>
           <a:xfrm rot="18990800">
-            <a:off x="3040207" y="362128"/>
+            <a:off x="3037380" y="999245"/>
             <a:ext cx="790850" cy="782475"/>
           </a:xfrm>
           <a:prstGeom prst="rect">
@@ -5550,7 +4513,7 @@
         </p:nvSpPr>
         <p:spPr>
           <a:xfrm>
-            <a:off x="3060425" y="568699"/>
+            <a:off x="3092154" y="1165892"/>
             <a:ext cx="646331" cy="369332"/>
           </a:xfrm>
           <a:prstGeom prst="rect">
@@ -5585,7 +4548,7 @@
         </p:nvSpPr>
         <p:spPr>
           <a:xfrm>
-            <a:off x="4686295" y="2790962"/>
+            <a:off x="4745146" y="2790962"/>
             <a:ext cx="646331" cy="369332"/>
           </a:xfrm>
           <a:prstGeom prst="rect">
@@ -5620,7 +4583,7 @@
         </p:nvSpPr>
         <p:spPr>
           <a:xfrm>
-            <a:off x="8815542" y="4097098"/>
+            <a:off x="8837310" y="5720651"/>
             <a:ext cx="646331" cy="369332"/>
           </a:xfrm>
           <a:prstGeom prst="rect">
@@ -5655,7 +4618,7 @@
         </p:nvSpPr>
         <p:spPr>
           <a:xfrm rot="18990800">
-            <a:off x="4614035" y="5565997"/>
+            <a:off x="4599242" y="5395820"/>
             <a:ext cx="790850" cy="782475"/>
           </a:xfrm>
           <a:prstGeom prst="rect">
@@ -5704,7 +4667,7 @@
         </p:nvSpPr>
         <p:spPr>
           <a:xfrm>
-            <a:off x="4463693" y="5772568"/>
+            <a:off x="4482839" y="5602391"/>
             <a:ext cx="1107996" cy="369332"/>
           </a:xfrm>
           <a:prstGeom prst="rect">
@@ -5739,7 +4702,7 @@
         </p:nvCxnSpPr>
         <p:spPr>
           <a:xfrm flipH="1">
-            <a:off x="1587819" y="753365"/>
+            <a:off x="1587819" y="1402077"/>
             <a:ext cx="1291674" cy="0"/>
           </a:xfrm>
           <a:prstGeom prst="line">
@@ -5777,8 +4740,8 @@
         </p:nvCxnSpPr>
         <p:spPr>
           <a:xfrm>
-            <a:off x="3991771" y="753365"/>
-            <a:ext cx="3240296" cy="0"/>
+            <a:off x="3991482" y="1402077"/>
+            <a:ext cx="3270683" cy="0"/>
           </a:xfrm>
           <a:prstGeom prst="line">
             <a:avLst/>
@@ -5810,13 +4773,14 @@
           </p:cNvPr>
           <p:cNvCxnSpPr>
             <a:cxnSpLocks/>
+            <a:stCxn id="4" idx="0"/>
           </p:cNvCxnSpPr>
           <p:nvPr/>
         </p:nvCxnSpPr>
         <p:spPr>
           <a:xfrm flipV="1">
-            <a:off x="7232067" y="753365"/>
-            <a:ext cx="0" cy="2077664"/>
+            <a:off x="7232067" y="1402077"/>
+            <a:ext cx="0" cy="1428952"/>
           </a:xfrm>
           <a:prstGeom prst="line">
             <a:avLst/>
@@ -5960,14 +4924,14 @@
             </a:extLst>
           </p:cNvPr>
           <p:cNvCxnSpPr>
-            <a:stCxn id="41" idx="3"/>
+            <a:cxnSpLocks/>
           </p:cNvCxnSpPr>
           <p:nvPr/>
         </p:nvCxnSpPr>
         <p:spPr>
           <a:xfrm flipV="1">
-            <a:off x="5509266" y="4466430"/>
-            <a:ext cx="1039541" cy="1"/>
+            <a:off x="5598767" y="4466431"/>
+            <a:ext cx="950040" cy="17846"/>
           </a:xfrm>
           <a:prstGeom prst="line">
             <a:avLst/>
@@ -5998,14 +4962,15 @@
             </a:extLst>
           </p:cNvPr>
           <p:cNvCxnSpPr>
+            <a:cxnSpLocks/>
             <a:stCxn id="17" idx="3"/>
           </p:cNvCxnSpPr>
           <p:nvPr/>
         </p:nvCxnSpPr>
         <p:spPr>
           <a:xfrm>
-            <a:off x="5571689" y="5957234"/>
-            <a:ext cx="977118" cy="28896"/>
+            <a:off x="5590835" y="5787057"/>
+            <a:ext cx="930550" cy="38290"/>
           </a:xfrm>
           <a:prstGeom prst="line">
             <a:avLst/>
@@ -6037,14 +5002,13 @@
           </p:cNvPr>
           <p:cNvCxnSpPr>
             <a:cxnSpLocks/>
-            <a:stCxn id="17" idx="1"/>
           </p:cNvCxnSpPr>
           <p:nvPr/>
         </p:nvCxnSpPr>
         <p:spPr>
-          <a:xfrm flipH="1" flipV="1">
-            <a:off x="3095773" y="5939387"/>
-            <a:ext cx="1367920" cy="17847"/>
+          <a:xfrm flipH="1">
+            <a:off x="3149850" y="5771033"/>
+            <a:ext cx="1303471" cy="0"/>
           </a:xfrm>
           <a:prstGeom prst="line">
             <a:avLst/>
@@ -6074,13 +5038,15 @@
               </a:ext>
             </a:extLst>
           </p:cNvPr>
-          <p:cNvCxnSpPr/>
+          <p:cNvCxnSpPr>
+            <a:cxnSpLocks/>
+          </p:cNvCxnSpPr>
           <p:nvPr/>
         </p:nvCxnSpPr>
         <p:spPr>
           <a:xfrm flipH="1">
-            <a:off x="7915327" y="4281765"/>
-            <a:ext cx="659811" cy="0"/>
+            <a:off x="7915328" y="5880895"/>
+            <a:ext cx="713023" cy="0"/>
           </a:xfrm>
           <a:prstGeom prst="line">
             <a:avLst/>
@@ -6115,7 +5081,7 @@
         </p:nvCxnSpPr>
         <p:spPr>
           <a:xfrm>
-            <a:off x="9702279" y="4281765"/>
+            <a:off x="9755492" y="5880895"/>
             <a:ext cx="659811" cy="0"/>
           </a:xfrm>
           <a:prstGeom prst="line">
@@ -6151,7 +5117,7 @@
         </p:nvSpPr>
         <p:spPr>
           <a:xfrm>
-            <a:off x="7336463" y="1722474"/>
+            <a:off x="1905244" y="989754"/>
             <a:ext cx="653997" cy="369332"/>
           </a:xfrm>
           <a:prstGeom prst="rect">
@@ -6167,7 +5133,7 @@
           <a:p>
             <a:r>
               <a:rPr lang="en-US" altLang="zh-CN" dirty="0"/>
-              <a:t>1</a:t>
+              <a:t>1..1</a:t>
             </a:r>
             <a:endParaRPr lang="zh-CN" altLang="en-US" dirty="0"/>
           </a:p>
@@ -6187,8 +5153,8 @@
         </p:nvSpPr>
         <p:spPr>
           <a:xfrm>
-            <a:off x="5865159" y="2604311"/>
-            <a:ext cx="306494" cy="369332"/>
+            <a:off x="3615414" y="2646363"/>
+            <a:ext cx="530915" cy="369332"/>
           </a:xfrm>
           <a:prstGeom prst="rect">
             <a:avLst/>
@@ -6203,7 +5169,7 @@
           <a:p>
             <a:r>
               <a:rPr lang="en-US" altLang="zh-CN" dirty="0"/>
-              <a:t>1</a:t>
+              <a:t>1..1</a:t>
             </a:r>
             <a:endParaRPr lang="zh-CN" altLang="en-US" dirty="0"/>
           </a:p>
@@ -6223,7 +5189,7 @@
         </p:nvSpPr>
         <p:spPr>
           <a:xfrm>
-            <a:off x="5731841" y="4135392"/>
+            <a:off x="3528847" y="4065919"/>
             <a:ext cx="542253" cy="369332"/>
           </a:xfrm>
           <a:prstGeom prst="rect">
@@ -6259,8 +5225,8 @@
         </p:nvSpPr>
         <p:spPr>
           <a:xfrm>
-            <a:off x="5788700" y="5549609"/>
-            <a:ext cx="306494" cy="369332"/>
+            <a:off x="3602872" y="5456015"/>
+            <a:ext cx="530915" cy="369332"/>
           </a:xfrm>
           <a:prstGeom prst="rect">
             <a:avLst/>
@@ -6275,7 +5241,7 @@
           <a:p>
             <a:r>
               <a:rPr lang="en-US" altLang="zh-CN" dirty="0"/>
-              <a:t>1</a:t>
+              <a:t>1..1</a:t>
             </a:r>
             <a:endParaRPr lang="zh-CN" altLang="en-US" dirty="0"/>
           </a:p>
@@ -6295,8 +5261,8 @@
         </p:nvSpPr>
         <p:spPr>
           <a:xfrm>
-            <a:off x="8092343" y="3930279"/>
-            <a:ext cx="306494" cy="369332"/>
+            <a:off x="9755492" y="5456015"/>
+            <a:ext cx="530915" cy="369332"/>
           </a:xfrm>
           <a:prstGeom prst="rect">
             <a:avLst/>
@@ -6311,7 +5277,7 @@
           <a:p>
             <a:r>
               <a:rPr lang="en-US" altLang="zh-CN" dirty="0"/>
-              <a:t>1</a:t>
+              <a:t>1..1</a:t>
             </a:r>
             <a:endParaRPr lang="zh-CN" altLang="en-US" dirty="0"/>
           </a:p>
@@ -6331,7 +5297,7 @@
         </p:nvSpPr>
         <p:spPr>
           <a:xfrm>
-            <a:off x="9780352" y="3950726"/>
+            <a:off x="7942749" y="5504257"/>
             <a:ext cx="503664" cy="369332"/>
           </a:xfrm>
           <a:prstGeom prst="rect">
@@ -6367,7 +5333,7 @@
         </p:nvSpPr>
         <p:spPr>
           <a:xfrm>
-            <a:off x="1882894" y="304904"/>
+            <a:off x="7353616" y="1607531"/>
             <a:ext cx="503664" cy="369332"/>
           </a:xfrm>
           <a:prstGeom prst="rect">
@@ -6403,7 +5369,7 @@
         </p:nvSpPr>
         <p:spPr>
           <a:xfrm>
-            <a:off x="3467023" y="2604311"/>
+            <a:off x="5655955" y="2587150"/>
             <a:ext cx="503664" cy="369332"/>
           </a:xfrm>
           <a:prstGeom prst="rect">
@@ -6439,7 +5405,7 @@
         </p:nvSpPr>
         <p:spPr>
           <a:xfrm>
-            <a:off x="3481043" y="4059421"/>
+            <a:off x="5711047" y="4097098"/>
             <a:ext cx="503664" cy="369332"/>
           </a:xfrm>
           <a:prstGeom prst="rect">
@@ -6475,7 +5441,7 @@
         </p:nvSpPr>
         <p:spPr>
           <a:xfrm>
-            <a:off x="3499038" y="5507697"/>
+            <a:off x="5688162" y="5351319"/>
             <a:ext cx="503664" cy="369332"/>
           </a:xfrm>
           <a:prstGeom prst="rect">
@@ -6494,6 +5460,840 @@
               <a:t>0..*</a:t>
             </a:r>
             <a:endParaRPr lang="zh-CN" altLang="en-US" dirty="0"/>
+          </a:p>
+        </p:txBody>
+      </p:sp>
+      <p:cxnSp>
+        <p:nvCxnSpPr>
+          <p:cNvPr id="15" name="直接连接符 14">
+            <a:extLst>
+              <a:ext uri="{FF2B5EF4-FFF2-40B4-BE49-F238E27FC236}">
+                <a16:creationId xmlns:a16="http://schemas.microsoft.com/office/drawing/2014/main" id="{FE3CD6C3-9CD8-4D34-8EBC-2A83FA725B3F}"/>
+              </a:ext>
+            </a:extLst>
+          </p:cNvPr>
+          <p:cNvCxnSpPr>
+            <a:cxnSpLocks/>
+            <a:endCxn id="18" idx="2"/>
+          </p:cNvCxnSpPr>
+          <p:nvPr/>
+        </p:nvCxnSpPr>
+        <p:spPr>
+          <a:xfrm flipV="1">
+            <a:off x="5060483" y="2061922"/>
+            <a:ext cx="0" cy="357724"/>
+          </a:xfrm>
+          <a:prstGeom prst="line">
+            <a:avLst/>
+          </a:prstGeom>
+          <a:ln>
+            <a:solidFill>
+              <a:schemeClr val="accent1"/>
+            </a:solidFill>
+            <a:prstDash val="dash"/>
+          </a:ln>
+        </p:spPr>
+        <p:style>
+          <a:lnRef idx="1">
+            <a:schemeClr val="accent1"/>
+          </a:lnRef>
+          <a:fillRef idx="0">
+            <a:schemeClr val="accent1"/>
+          </a:fillRef>
+          <a:effectRef idx="0">
+            <a:schemeClr val="accent1"/>
+          </a:effectRef>
+          <a:fontRef idx="minor">
+            <a:schemeClr val="tx1"/>
+          </a:fontRef>
+        </p:style>
+      </p:cxnSp>
+      <p:sp>
+        <p:nvSpPr>
+          <p:cNvPr id="16" name="矩形 15">
+            <a:extLst>
+              <a:ext uri="{FF2B5EF4-FFF2-40B4-BE49-F238E27FC236}">
+                <a16:creationId xmlns:a16="http://schemas.microsoft.com/office/drawing/2014/main" id="{E9CF95B1-1DFF-4D63-B164-FE8A548E656D}"/>
+              </a:ext>
+            </a:extLst>
+          </p:cNvPr>
+          <p:cNvSpPr/>
+          <p:nvPr/>
+        </p:nvSpPr>
+        <p:spPr>
+          <a:xfrm>
+            <a:off x="2819990" y="83842"/>
+            <a:ext cx="1190945" cy="526068"/>
+          </a:xfrm>
+          <a:prstGeom prst="rect">
+            <a:avLst/>
+          </a:prstGeom>
+        </p:spPr>
+        <p:style>
+          <a:lnRef idx="2">
+            <a:schemeClr val="accent1"/>
+          </a:lnRef>
+          <a:fillRef idx="1">
+            <a:schemeClr val="lt1"/>
+          </a:fillRef>
+          <a:effectRef idx="0">
+            <a:schemeClr val="accent1"/>
+          </a:effectRef>
+          <a:fontRef idx="minor">
+            <a:schemeClr val="dk1"/>
+          </a:fontRef>
+        </p:style>
+        <p:txBody>
+          <a:bodyPr rtlCol="0" anchor="ctr"/>
+          <a:lstStyle/>
+          <a:p>
+            <a:pPr algn="ctr"/>
+            <a:r>
+              <a:rPr lang="zh-CN" altLang="en-US" dirty="0"/>
+              <a:t>创建时间</a:t>
+            </a:r>
+          </a:p>
+        </p:txBody>
+      </p:sp>
+      <p:sp>
+        <p:nvSpPr>
+          <p:cNvPr id="18" name="矩形 17">
+            <a:extLst>
+              <a:ext uri="{FF2B5EF4-FFF2-40B4-BE49-F238E27FC236}">
+                <a16:creationId xmlns:a16="http://schemas.microsoft.com/office/drawing/2014/main" id="{228D0738-1EA5-4500-A8FD-0E49B821FA03}"/>
+              </a:ext>
+            </a:extLst>
+          </p:cNvPr>
+          <p:cNvSpPr/>
+          <p:nvPr/>
+        </p:nvSpPr>
+        <p:spPr>
+          <a:xfrm>
+            <a:off x="4465010" y="1535854"/>
+            <a:ext cx="1190945" cy="526068"/>
+          </a:xfrm>
+          <a:prstGeom prst="rect">
+            <a:avLst/>
+          </a:prstGeom>
+        </p:spPr>
+        <p:style>
+          <a:lnRef idx="2">
+            <a:schemeClr val="accent1"/>
+          </a:lnRef>
+          <a:fillRef idx="1">
+            <a:schemeClr val="lt1"/>
+          </a:fillRef>
+          <a:effectRef idx="0">
+            <a:schemeClr val="accent1"/>
+          </a:effectRef>
+          <a:fontRef idx="minor">
+            <a:schemeClr val="dk1"/>
+          </a:fontRef>
+        </p:style>
+        <p:txBody>
+          <a:bodyPr rtlCol="0" anchor="ctr"/>
+          <a:lstStyle/>
+          <a:p>
+            <a:pPr algn="ctr"/>
+            <a:r>
+              <a:rPr lang="zh-CN" altLang="en-US" dirty="0"/>
+              <a:t>创建时间</a:t>
+            </a:r>
+          </a:p>
+        </p:txBody>
+      </p:sp>
+      <p:sp>
+        <p:nvSpPr>
+          <p:cNvPr id="19" name="矩形 18">
+            <a:extLst>
+              <a:ext uri="{FF2B5EF4-FFF2-40B4-BE49-F238E27FC236}">
+                <a16:creationId xmlns:a16="http://schemas.microsoft.com/office/drawing/2014/main" id="{AABD63FE-2820-4766-AB6E-44EB2FB418F3}"/>
+              </a:ext>
+            </a:extLst>
+          </p:cNvPr>
+          <p:cNvSpPr/>
+          <p:nvPr/>
+        </p:nvSpPr>
+        <p:spPr>
+          <a:xfrm>
+            <a:off x="8585371" y="4409016"/>
+            <a:ext cx="1190945" cy="526068"/>
+          </a:xfrm>
+          <a:prstGeom prst="rect">
+            <a:avLst/>
+          </a:prstGeom>
+        </p:spPr>
+        <p:style>
+          <a:lnRef idx="2">
+            <a:schemeClr val="accent1"/>
+          </a:lnRef>
+          <a:fillRef idx="1">
+            <a:schemeClr val="lt1"/>
+          </a:fillRef>
+          <a:effectRef idx="0">
+            <a:schemeClr val="accent1"/>
+          </a:effectRef>
+          <a:fontRef idx="minor">
+            <a:schemeClr val="dk1"/>
+          </a:fontRef>
+        </p:style>
+        <p:txBody>
+          <a:bodyPr rtlCol="0" anchor="ctr"/>
+          <a:lstStyle/>
+          <a:p>
+            <a:pPr algn="ctr"/>
+            <a:r>
+              <a:rPr lang="zh-CN" altLang="en-US" dirty="0"/>
+              <a:t>创建时间</a:t>
+            </a:r>
+          </a:p>
+        </p:txBody>
+      </p:sp>
+      <p:sp>
+        <p:nvSpPr>
+          <p:cNvPr id="20" name="矩形 19">
+            <a:extLst>
+              <a:ext uri="{FF2B5EF4-FFF2-40B4-BE49-F238E27FC236}">
+                <a16:creationId xmlns:a16="http://schemas.microsoft.com/office/drawing/2014/main" id="{D9A570D2-04F0-4396-A964-2BE7387689F4}"/>
+              </a:ext>
+            </a:extLst>
+          </p:cNvPr>
+          <p:cNvSpPr/>
+          <p:nvPr/>
+        </p:nvSpPr>
+        <p:spPr>
+          <a:xfrm>
+            <a:off x="5655955" y="6343040"/>
+            <a:ext cx="1366518" cy="395163"/>
+          </a:xfrm>
+          <a:prstGeom prst="rect">
+            <a:avLst/>
+          </a:prstGeom>
+        </p:spPr>
+        <p:style>
+          <a:lnRef idx="2">
+            <a:schemeClr val="accent1"/>
+          </a:lnRef>
+          <a:fillRef idx="1">
+            <a:schemeClr val="lt1"/>
+          </a:fillRef>
+          <a:effectRef idx="0">
+            <a:schemeClr val="accent1"/>
+          </a:effectRef>
+          <a:fontRef idx="minor">
+            <a:schemeClr val="dk1"/>
+          </a:fontRef>
+        </p:style>
+        <p:txBody>
+          <a:bodyPr rtlCol="0" anchor="ctr"/>
+          <a:lstStyle/>
+          <a:p>
+            <a:pPr algn="ctr"/>
+            <a:r>
+              <a:rPr lang="zh-CN" altLang="en-US" dirty="0"/>
+              <a:t>访问时间</a:t>
+            </a:r>
+          </a:p>
+        </p:txBody>
+      </p:sp>
+      <p:cxnSp>
+        <p:nvCxnSpPr>
+          <p:cNvPr id="55" name="直接连接符 54">
+            <a:extLst>
+              <a:ext uri="{FF2B5EF4-FFF2-40B4-BE49-F238E27FC236}">
+                <a16:creationId xmlns:a16="http://schemas.microsoft.com/office/drawing/2014/main" id="{CB7642DD-7DAF-492D-8E69-792750222809}"/>
+              </a:ext>
+            </a:extLst>
+          </p:cNvPr>
+          <p:cNvCxnSpPr>
+            <a:cxnSpLocks/>
+          </p:cNvCxnSpPr>
+          <p:nvPr/>
+        </p:nvCxnSpPr>
+        <p:spPr>
+          <a:xfrm flipV="1">
+            <a:off x="3445043" y="609910"/>
+            <a:ext cx="0" cy="239826"/>
+          </a:xfrm>
+          <a:prstGeom prst="line">
+            <a:avLst/>
+          </a:prstGeom>
+          <a:ln>
+            <a:solidFill>
+              <a:schemeClr val="accent1"/>
+            </a:solidFill>
+            <a:prstDash val="dash"/>
+          </a:ln>
+        </p:spPr>
+        <p:style>
+          <a:lnRef idx="1">
+            <a:schemeClr val="accent1"/>
+          </a:lnRef>
+          <a:fillRef idx="0">
+            <a:schemeClr val="accent1"/>
+          </a:fillRef>
+          <a:effectRef idx="0">
+            <a:schemeClr val="accent1"/>
+          </a:effectRef>
+          <a:fontRef idx="minor">
+            <a:schemeClr val="tx1"/>
+          </a:fontRef>
+        </p:style>
+      </p:cxnSp>
+      <p:cxnSp>
+        <p:nvCxnSpPr>
+          <p:cNvPr id="58" name="直接连接符 57">
+            <a:extLst>
+              <a:ext uri="{FF2B5EF4-FFF2-40B4-BE49-F238E27FC236}">
+                <a16:creationId xmlns:a16="http://schemas.microsoft.com/office/drawing/2014/main" id="{97052BD0-5AD8-43A4-876F-5C7C5E2F3454}"/>
+              </a:ext>
+            </a:extLst>
+          </p:cNvPr>
+          <p:cNvCxnSpPr>
+            <a:cxnSpLocks/>
+          </p:cNvCxnSpPr>
+          <p:nvPr/>
+        </p:nvCxnSpPr>
+        <p:spPr>
+          <a:xfrm flipV="1">
+            <a:off x="4975730" y="6334964"/>
+            <a:ext cx="0" cy="263034"/>
+          </a:xfrm>
+          <a:prstGeom prst="line">
+            <a:avLst/>
+          </a:prstGeom>
+          <a:ln>
+            <a:solidFill>
+              <a:schemeClr val="accent1"/>
+            </a:solidFill>
+            <a:prstDash val="dash"/>
+          </a:ln>
+        </p:spPr>
+        <p:style>
+          <a:lnRef idx="1">
+            <a:schemeClr val="accent1"/>
+          </a:lnRef>
+          <a:fillRef idx="0">
+            <a:schemeClr val="accent1"/>
+          </a:fillRef>
+          <a:effectRef idx="0">
+            <a:schemeClr val="accent1"/>
+          </a:effectRef>
+          <a:fontRef idx="minor">
+            <a:schemeClr val="tx1"/>
+          </a:fontRef>
+        </p:style>
+      </p:cxnSp>
+      <p:cxnSp>
+        <p:nvCxnSpPr>
+          <p:cNvPr id="71" name="直接连接符 70">
+            <a:extLst>
+              <a:ext uri="{FF2B5EF4-FFF2-40B4-BE49-F238E27FC236}">
+                <a16:creationId xmlns:a16="http://schemas.microsoft.com/office/drawing/2014/main" id="{AEAD8A09-50FB-43FF-B785-CEE4501418B1}"/>
+              </a:ext>
+            </a:extLst>
+          </p:cNvPr>
+          <p:cNvCxnSpPr>
+            <a:cxnSpLocks/>
+          </p:cNvCxnSpPr>
+          <p:nvPr/>
+        </p:nvCxnSpPr>
+        <p:spPr>
+          <a:xfrm flipH="1" flipV="1">
+            <a:off x="4994089" y="6606074"/>
+            <a:ext cx="694073" cy="16726"/>
+          </a:xfrm>
+          <a:prstGeom prst="line">
+            <a:avLst/>
+          </a:prstGeom>
+          <a:ln>
+            <a:solidFill>
+              <a:schemeClr val="accent1"/>
+            </a:solidFill>
+            <a:prstDash val="dash"/>
+          </a:ln>
+        </p:spPr>
+        <p:style>
+          <a:lnRef idx="1">
+            <a:schemeClr val="accent1"/>
+          </a:lnRef>
+          <a:fillRef idx="0">
+            <a:schemeClr val="accent1"/>
+          </a:fillRef>
+          <a:effectRef idx="0">
+            <a:schemeClr val="accent1"/>
+          </a:effectRef>
+          <a:fontRef idx="minor">
+            <a:schemeClr val="tx1"/>
+          </a:fontRef>
+        </p:style>
+      </p:cxnSp>
+      <p:cxnSp>
+        <p:nvCxnSpPr>
+          <p:cNvPr id="73" name="直接连接符 72">
+            <a:extLst>
+              <a:ext uri="{FF2B5EF4-FFF2-40B4-BE49-F238E27FC236}">
+                <a16:creationId xmlns:a16="http://schemas.microsoft.com/office/drawing/2014/main" id="{2502DB45-1016-4E84-BB8D-C45EF87DC6E9}"/>
+              </a:ext>
+            </a:extLst>
+          </p:cNvPr>
+          <p:cNvCxnSpPr>
+            <a:cxnSpLocks/>
+          </p:cNvCxnSpPr>
+          <p:nvPr/>
+        </p:nvCxnSpPr>
+        <p:spPr>
+          <a:xfrm flipV="1">
+            <a:off x="9229682" y="4960089"/>
+            <a:ext cx="0" cy="357724"/>
+          </a:xfrm>
+          <a:prstGeom prst="line">
+            <a:avLst/>
+          </a:prstGeom>
+          <a:ln>
+            <a:solidFill>
+              <a:schemeClr val="accent1"/>
+            </a:solidFill>
+            <a:prstDash val="dash"/>
+          </a:ln>
+        </p:spPr>
+        <p:style>
+          <a:lnRef idx="1">
+            <a:schemeClr val="accent1"/>
+          </a:lnRef>
+          <a:fillRef idx="0">
+            <a:schemeClr val="accent1"/>
+          </a:fillRef>
+          <a:effectRef idx="0">
+            <a:schemeClr val="accent1"/>
+          </a:effectRef>
+          <a:fontRef idx="minor">
+            <a:schemeClr val="tx1"/>
+          </a:fontRef>
+        </p:style>
+      </p:cxnSp>
+      <p:sp>
+        <p:nvSpPr>
+          <p:cNvPr id="60" name="矩形 59">
+            <a:extLst>
+              <a:ext uri="{FF2B5EF4-FFF2-40B4-BE49-F238E27FC236}">
+                <a16:creationId xmlns:a16="http://schemas.microsoft.com/office/drawing/2014/main" id="{A166E192-B374-4F7C-8CFF-92B31B93CF01}"/>
+              </a:ext>
+            </a:extLst>
+          </p:cNvPr>
+          <p:cNvSpPr/>
+          <p:nvPr/>
+        </p:nvSpPr>
+        <p:spPr>
+          <a:xfrm rot="18990800">
+            <a:off x="9317249" y="2953960"/>
+            <a:ext cx="790850" cy="782475"/>
+          </a:xfrm>
+          <a:prstGeom prst="rect">
+            <a:avLst/>
+          </a:prstGeom>
+          <a:ln>
+            <a:solidFill>
+              <a:schemeClr val="accent1"/>
+            </a:solidFill>
+          </a:ln>
+        </p:spPr>
+        <p:style>
+          <a:lnRef idx="2">
+            <a:schemeClr val="accent6"/>
+          </a:lnRef>
+          <a:fillRef idx="1">
+            <a:schemeClr val="lt1"/>
+          </a:fillRef>
+          <a:effectRef idx="0">
+            <a:schemeClr val="accent6"/>
+          </a:effectRef>
+          <a:fontRef idx="minor">
+            <a:schemeClr val="dk1"/>
+          </a:fontRef>
+        </p:style>
+        <p:txBody>
+          <a:bodyPr rtlCol="0" anchor="ctr"/>
+          <a:lstStyle/>
+          <a:p>
+            <a:pPr algn="ctr"/>
+            <a:endParaRPr lang="zh-CN" altLang="en-US" dirty="0"/>
+          </a:p>
+        </p:txBody>
+      </p:sp>
+      <p:cxnSp>
+        <p:nvCxnSpPr>
+          <p:cNvPr id="63" name="直接连接符 62">
+            <a:extLst>
+              <a:ext uri="{FF2B5EF4-FFF2-40B4-BE49-F238E27FC236}">
+                <a16:creationId xmlns:a16="http://schemas.microsoft.com/office/drawing/2014/main" id="{9A861F20-BC1D-4977-9B1A-077E1E2D2486}"/>
+              </a:ext>
+            </a:extLst>
+          </p:cNvPr>
+          <p:cNvCxnSpPr>
+            <a:cxnSpLocks/>
+            <a:endCxn id="60" idx="0"/>
+          </p:cNvCxnSpPr>
+          <p:nvPr/>
+        </p:nvCxnSpPr>
+        <p:spPr>
+          <a:xfrm>
+            <a:off x="7915327" y="3061341"/>
+            <a:ext cx="1528103" cy="0"/>
+          </a:xfrm>
+          <a:prstGeom prst="line">
+            <a:avLst/>
+          </a:prstGeom>
+        </p:spPr>
+        <p:style>
+          <a:lnRef idx="1">
+            <a:schemeClr val="accent1"/>
+          </a:lnRef>
+          <a:fillRef idx="0">
+            <a:schemeClr val="accent1"/>
+          </a:fillRef>
+          <a:effectRef idx="0">
+            <a:schemeClr val="accent1"/>
+          </a:effectRef>
+          <a:fontRef idx="minor">
+            <a:schemeClr val="tx1"/>
+          </a:fontRef>
+        </p:style>
+      </p:cxnSp>
+      <p:cxnSp>
+        <p:nvCxnSpPr>
+          <p:cNvPr id="79" name="直接连接符 78">
+            <a:extLst>
+              <a:ext uri="{FF2B5EF4-FFF2-40B4-BE49-F238E27FC236}">
+                <a16:creationId xmlns:a16="http://schemas.microsoft.com/office/drawing/2014/main" id="{313290F2-F34B-4182-A87C-2EEC578D445B}"/>
+              </a:ext>
+            </a:extLst>
+          </p:cNvPr>
+          <p:cNvCxnSpPr>
+            <a:cxnSpLocks/>
+            <a:endCxn id="60" idx="1"/>
+          </p:cNvCxnSpPr>
+          <p:nvPr/>
+        </p:nvCxnSpPr>
+        <p:spPr>
+          <a:xfrm>
+            <a:off x="7915327" y="3617324"/>
+            <a:ext cx="1510453" cy="0"/>
+          </a:xfrm>
+          <a:prstGeom prst="line">
+            <a:avLst/>
+          </a:prstGeom>
+        </p:spPr>
+        <p:style>
+          <a:lnRef idx="1">
+            <a:schemeClr val="accent1"/>
+          </a:lnRef>
+          <a:fillRef idx="0">
+            <a:schemeClr val="accent1"/>
+          </a:fillRef>
+          <a:effectRef idx="0">
+            <a:schemeClr val="accent1"/>
+          </a:effectRef>
+          <a:fontRef idx="minor">
+            <a:schemeClr val="tx1"/>
+          </a:fontRef>
+        </p:style>
+      </p:cxnSp>
+      <p:sp>
+        <p:nvSpPr>
+          <p:cNvPr id="85" name="文本框 84">
+            <a:extLst>
+              <a:ext uri="{FF2B5EF4-FFF2-40B4-BE49-F238E27FC236}">
+                <a16:creationId xmlns:a16="http://schemas.microsoft.com/office/drawing/2014/main" id="{0EE4CABF-B982-4A55-B121-461E728F26D7}"/>
+              </a:ext>
+            </a:extLst>
+          </p:cNvPr>
+          <p:cNvSpPr txBox="1"/>
+          <p:nvPr/>
+        </p:nvSpPr>
+        <p:spPr>
+          <a:xfrm>
+            <a:off x="8041256" y="2733315"/>
+            <a:ext cx="1061509" cy="369332"/>
+          </a:xfrm>
+          <a:prstGeom prst="rect">
+            <a:avLst/>
+          </a:prstGeom>
+          <a:noFill/>
+        </p:spPr>
+        <p:txBody>
+          <a:bodyPr wrap="none" rtlCol="0">
+            <a:spAutoFit/>
+          </a:bodyPr>
+          <a:lstStyle/>
+          <a:p>
+            <a:r>
+              <a:rPr lang="zh-CN" altLang="en-US" dirty="0"/>
+              <a:t>发送者</a:t>
+            </a:r>
+            <a:r>
+              <a:rPr lang="en-US" altLang="zh-CN" dirty="0"/>
+              <a:t>id</a:t>
+            </a:r>
+            <a:endParaRPr lang="zh-CN" altLang="en-US" dirty="0"/>
+          </a:p>
+        </p:txBody>
+      </p:sp>
+      <p:sp>
+        <p:nvSpPr>
+          <p:cNvPr id="86" name="文本框 85">
+            <a:extLst>
+              <a:ext uri="{FF2B5EF4-FFF2-40B4-BE49-F238E27FC236}">
+                <a16:creationId xmlns:a16="http://schemas.microsoft.com/office/drawing/2014/main" id="{676F87BD-53F5-495E-BDE2-EDAB2F6197CB}"/>
+              </a:ext>
+            </a:extLst>
+          </p:cNvPr>
+          <p:cNvSpPr txBox="1"/>
+          <p:nvPr/>
+        </p:nvSpPr>
+        <p:spPr>
+          <a:xfrm>
+            <a:off x="8093134" y="3271009"/>
+            <a:ext cx="1061509" cy="369332"/>
+          </a:xfrm>
+          <a:prstGeom prst="rect">
+            <a:avLst/>
+          </a:prstGeom>
+          <a:noFill/>
+        </p:spPr>
+        <p:txBody>
+          <a:bodyPr wrap="none" rtlCol="0">
+            <a:spAutoFit/>
+          </a:bodyPr>
+          <a:lstStyle/>
+          <a:p>
+            <a:r>
+              <a:rPr lang="zh-CN" altLang="en-US" dirty="0"/>
+              <a:t>接收者</a:t>
+            </a:r>
+            <a:r>
+              <a:rPr lang="en-US" altLang="zh-CN" dirty="0"/>
+              <a:t>id</a:t>
+            </a:r>
+            <a:endParaRPr lang="zh-CN" altLang="en-US" dirty="0"/>
+          </a:p>
+        </p:txBody>
+      </p:sp>
+      <p:sp>
+        <p:nvSpPr>
+          <p:cNvPr id="87" name="文本框 86">
+            <a:extLst>
+              <a:ext uri="{FF2B5EF4-FFF2-40B4-BE49-F238E27FC236}">
+                <a16:creationId xmlns:a16="http://schemas.microsoft.com/office/drawing/2014/main" id="{0ED7CEC8-65A1-4B34-9D86-0A8D608C255A}"/>
+              </a:ext>
+            </a:extLst>
+          </p:cNvPr>
+          <p:cNvSpPr txBox="1"/>
+          <p:nvPr/>
+        </p:nvSpPr>
+        <p:spPr>
+          <a:xfrm>
+            <a:off x="9154643" y="3159771"/>
+            <a:ext cx="1107996" cy="369332"/>
+          </a:xfrm>
+          <a:prstGeom prst="rect">
+            <a:avLst/>
+          </a:prstGeom>
+          <a:noFill/>
+        </p:spPr>
+        <p:txBody>
+          <a:bodyPr wrap="none" rtlCol="0">
+            <a:spAutoFit/>
+          </a:bodyPr>
+          <a:lstStyle/>
+          <a:p>
+            <a:r>
+              <a:rPr lang="zh-CN" altLang="en-US" dirty="0"/>
+              <a:t>聊天历史</a:t>
+            </a:r>
+          </a:p>
+        </p:txBody>
+      </p:sp>
+      <p:cxnSp>
+        <p:nvCxnSpPr>
+          <p:cNvPr id="88" name="直接连接符 87">
+            <a:extLst>
+              <a:ext uri="{FF2B5EF4-FFF2-40B4-BE49-F238E27FC236}">
+                <a16:creationId xmlns:a16="http://schemas.microsoft.com/office/drawing/2014/main" id="{C47F0585-2247-4D39-BF99-D3FFD2006087}"/>
+              </a:ext>
+            </a:extLst>
+          </p:cNvPr>
+          <p:cNvCxnSpPr>
+            <a:cxnSpLocks/>
+          </p:cNvCxnSpPr>
+          <p:nvPr/>
+        </p:nvCxnSpPr>
+        <p:spPr>
+          <a:xfrm flipV="1">
+            <a:off x="9708641" y="2442605"/>
+            <a:ext cx="0" cy="357724"/>
+          </a:xfrm>
+          <a:prstGeom prst="line">
+            <a:avLst/>
+          </a:prstGeom>
+          <a:ln>
+            <a:solidFill>
+              <a:schemeClr val="accent1"/>
+            </a:solidFill>
+            <a:prstDash val="dash"/>
+          </a:ln>
+        </p:spPr>
+        <p:style>
+          <a:lnRef idx="1">
+            <a:schemeClr val="accent1"/>
+          </a:lnRef>
+          <a:fillRef idx="0">
+            <a:schemeClr val="accent1"/>
+          </a:fillRef>
+          <a:effectRef idx="0">
+            <a:schemeClr val="accent1"/>
+          </a:effectRef>
+          <a:fontRef idx="minor">
+            <a:schemeClr val="tx1"/>
+          </a:fontRef>
+        </p:style>
+      </p:cxnSp>
+      <p:cxnSp>
+        <p:nvCxnSpPr>
+          <p:cNvPr id="89" name="直接连接符 88">
+            <a:extLst>
+              <a:ext uri="{FF2B5EF4-FFF2-40B4-BE49-F238E27FC236}">
+                <a16:creationId xmlns:a16="http://schemas.microsoft.com/office/drawing/2014/main" id="{FD0B33CF-37D9-4F1A-A607-57E74DC44B9C}"/>
+              </a:ext>
+            </a:extLst>
+          </p:cNvPr>
+          <p:cNvCxnSpPr>
+            <a:cxnSpLocks/>
+            <a:stCxn id="87" idx="3"/>
+          </p:cNvCxnSpPr>
+          <p:nvPr/>
+        </p:nvCxnSpPr>
+        <p:spPr>
+          <a:xfrm flipV="1">
+            <a:off x="10262639" y="2789215"/>
+            <a:ext cx="399714" cy="555222"/>
+          </a:xfrm>
+          <a:prstGeom prst="line">
+            <a:avLst/>
+          </a:prstGeom>
+          <a:ln>
+            <a:solidFill>
+              <a:schemeClr val="accent1"/>
+            </a:solidFill>
+            <a:prstDash val="dash"/>
+          </a:ln>
+        </p:spPr>
+        <p:style>
+          <a:lnRef idx="1">
+            <a:schemeClr val="accent1"/>
+          </a:lnRef>
+          <a:fillRef idx="0">
+            <a:schemeClr val="accent1"/>
+          </a:fillRef>
+          <a:effectRef idx="0">
+            <a:schemeClr val="accent1"/>
+          </a:effectRef>
+          <a:fontRef idx="minor">
+            <a:schemeClr val="tx1"/>
+          </a:fontRef>
+        </p:style>
+      </p:cxnSp>
+      <p:sp>
+        <p:nvSpPr>
+          <p:cNvPr id="91" name="矩形 90">
+            <a:extLst>
+              <a:ext uri="{FF2B5EF4-FFF2-40B4-BE49-F238E27FC236}">
+                <a16:creationId xmlns:a16="http://schemas.microsoft.com/office/drawing/2014/main" id="{66D40D4C-D4CA-4E09-9424-23340834B433}"/>
+              </a:ext>
+            </a:extLst>
+          </p:cNvPr>
+          <p:cNvSpPr/>
+          <p:nvPr/>
+        </p:nvSpPr>
+        <p:spPr>
+          <a:xfrm>
+            <a:off x="9058526" y="1912220"/>
+            <a:ext cx="1190945" cy="526068"/>
+          </a:xfrm>
+          <a:prstGeom prst="rect">
+            <a:avLst/>
+          </a:prstGeom>
+        </p:spPr>
+        <p:style>
+          <a:lnRef idx="2">
+            <a:schemeClr val="accent1"/>
+          </a:lnRef>
+          <a:fillRef idx="1">
+            <a:schemeClr val="lt1"/>
+          </a:fillRef>
+          <a:effectRef idx="0">
+            <a:schemeClr val="accent1"/>
+          </a:effectRef>
+          <a:fontRef idx="minor">
+            <a:schemeClr val="dk1"/>
+          </a:fontRef>
+        </p:style>
+        <p:txBody>
+          <a:bodyPr rtlCol="0" anchor="ctr"/>
+          <a:lstStyle/>
+          <a:p>
+            <a:pPr algn="ctr"/>
+            <a:r>
+              <a:rPr lang="zh-CN" altLang="en-US" dirty="0"/>
+              <a:t>聊天消息</a:t>
+            </a:r>
+          </a:p>
+        </p:txBody>
+      </p:sp>
+      <p:sp>
+        <p:nvSpPr>
+          <p:cNvPr id="93" name="矩形 92">
+            <a:extLst>
+              <a:ext uri="{FF2B5EF4-FFF2-40B4-BE49-F238E27FC236}">
+                <a16:creationId xmlns:a16="http://schemas.microsoft.com/office/drawing/2014/main" id="{39693916-CB2C-48E5-A6F9-3435667C76E8}"/>
+              </a:ext>
+            </a:extLst>
+          </p:cNvPr>
+          <p:cNvSpPr/>
+          <p:nvPr/>
+        </p:nvSpPr>
+        <p:spPr>
+          <a:xfrm>
+            <a:off x="10672280" y="2557654"/>
+            <a:ext cx="1190945" cy="526068"/>
+          </a:xfrm>
+          <a:prstGeom prst="rect">
+            <a:avLst/>
+          </a:prstGeom>
+        </p:spPr>
+        <p:style>
+          <a:lnRef idx="2">
+            <a:schemeClr val="accent1"/>
+          </a:lnRef>
+          <a:fillRef idx="1">
+            <a:schemeClr val="lt1"/>
+          </a:fillRef>
+          <a:effectRef idx="0">
+            <a:schemeClr val="accent1"/>
+          </a:effectRef>
+          <a:fontRef idx="minor">
+            <a:schemeClr val="dk1"/>
+          </a:fontRef>
+        </p:style>
+        <p:txBody>
+          <a:bodyPr rtlCol="0" anchor="ctr"/>
+          <a:lstStyle/>
+          <a:p>
+            <a:pPr algn="ctr"/>
+            <a:r>
+              <a:rPr lang="zh-CN" altLang="en-US" dirty="0"/>
+              <a:t>发送时间</a:t>
+            </a:r>
           </a:p>
         </p:txBody>
       </p:sp>
